--- a/src/stats.pptx
+++ b/src/stats.pptx
@@ -5,7 +5,7 @@
     <p:sldMasterId id="2147483648" r:id="rId1"/>
   </p:sldMasterIdLst>
   <p:notesMasterIdLst>
-    <p:NotesMasterId r:id="rId13"/>
+    <p:NotesMasterId r:id="rId21"/>
   </p:notesMasterIdLst>
   <p:sldIdLst>
     <p:sldId id="256" r:id="rId2"/>
@@ -19,6 +19,14 @@
     <p:sldId id="264" r:id="rId10"/>
     <p:sldId id="265" r:id="rId11"/>
     <p:sldId id="266" r:id="rId12"/>
+    <p:sldId id="267" r:id="rId13"/>
+    <p:sldId id="268" r:id="rId14"/>
+    <p:sldId id="269" r:id="rId15"/>
+    <p:sldId id="270" r:id="rId16"/>
+    <p:sldId id="271" r:id="rId17"/>
+    <p:sldId id="272" r:id="rId18"/>
+    <p:sldId id="273" r:id="rId19"/>
+    <p:sldId id="274" r:id="rId20"/>
   </p:sldIdLst>
   <p:sldSz cx="9144000" cy="6858000" type="screen4x3"/>
   <p:notesSz cx="6858000" cy="9144000"/>
@@ -1608,6 +1616,1186 @@
 </p:notes>
 </file>
 
+<file path=ppt/notesSlides/notesSlide10.xml><?xml version="1.0" encoding="utf-8"?>
+<p:notes xmlns:a="http://schemas.openxmlformats.org/drawingml/2006/main" xmlns:r="http://schemas.openxmlformats.org/officeDocument/2006/relationships" xmlns:p="http://schemas.openxmlformats.org/presentationml/2006/main">
+  <p:cSld>
+    <p:spTree>
+      <p:nvGrpSpPr>
+        <p:cNvPr id="1" name=""/>
+        <p:cNvGrpSpPr/>
+        <p:nvPr/>
+      </p:nvGrpSpPr>
+      <p:grpSpPr>
+        <a:xfrm>
+          <a:off x="0" y="0"/>
+          <a:ext cx="0" cy="0"/>
+          <a:chOff x="0" y="0"/>
+          <a:chExt cx="0" cy="0"/>
+        </a:xfrm>
+      </p:grpSpPr>
+      <p:sp>
+        <p:nvSpPr>
+          <p:cNvPr id="2" name="Slide Image Placeholder 1"/>
+          <p:cNvSpPr>
+            <a:spLocks noGrp="1" noRot="1" noChangeAspect="1"/>
+          </p:cNvSpPr>
+          <p:nvPr>
+            <p:ph type="sldImg"/>
+          </p:nvPr>
+        </p:nvSpPr>
+        <p:spPr/>
+      </p:sp>
+      <p:sp>
+        <p:nvSpPr>
+          <p:cNvPr id="3" name="Notes Placeholder 2"/>
+          <p:cNvSpPr>
+            <a:spLocks noGrp="1"/>
+          </p:cNvSpPr>
+          <p:nvPr>
+            <p:ph type="body" idx="1"/>
+          </p:nvPr>
+        </p:nvSpPr>
+        <p:spPr/>
+        <p:txBody>
+          <a:bodyPr/>
+          <a:lstStyle/>
+          <a:p>
+            <a:pPr lvl="0" marL="0" indent="0">
+              <a:buNone/>
+            </a:pPr>
+            <a:r>
+              <a:rPr/>
+              <a:t>You</a:t>
+            </a:r>
+            <a:r>
+              <a:rPr/>
+              <a:t> </a:t>
+            </a:r>
+            <a:r>
+              <a:rPr/>
+              <a:t>can</a:t>
+            </a:r>
+            <a:r>
+              <a:rPr/>
+              <a:t> </a:t>
+            </a:r>
+            <a:r>
+              <a:rPr/>
+              <a:t>also</a:t>
+            </a:r>
+            <a:r>
+              <a:rPr/>
+              <a:t> </a:t>
+            </a:r>
+            <a:r>
+              <a:rPr/>
+              <a:t>count</a:t>
+            </a:r>
+            <a:r>
+              <a:rPr/>
+              <a:t> </a:t>
+            </a:r>
+            <a:r>
+              <a:rPr/>
+              <a:t>the</a:t>
+            </a:r>
+            <a:r>
+              <a:rPr/>
+              <a:t> </a:t>
+            </a:r>
+            <a:r>
+              <a:rPr/>
+              <a:t>number</a:t>
+            </a:r>
+            <a:r>
+              <a:rPr/>
+              <a:t> </a:t>
+            </a:r>
+            <a:r>
+              <a:rPr/>
+              <a:t>of</a:t>
+            </a:r>
+            <a:r>
+              <a:rPr/>
+              <a:t> </a:t>
+            </a:r>
+            <a:r>
+              <a:rPr/>
+              <a:t>distinct</a:t>
+            </a:r>
+            <a:r>
+              <a:rPr/>
+              <a:t> </a:t>
+            </a:r>
+            <a:r>
+              <a:rPr/>
+              <a:t>values.</a:t>
+            </a:r>
+            <a:r>
+              <a:rPr/>
+              <a:t> </a:t>
+            </a:r>
+            <a:r>
+              <a:rPr/>
+              <a:t>You</a:t>
+            </a:r>
+            <a:r>
+              <a:rPr/>
+              <a:t> </a:t>
+            </a:r>
+            <a:r>
+              <a:rPr/>
+              <a:t>might</a:t>
+            </a:r>
+            <a:r>
+              <a:rPr/>
+              <a:t> </a:t>
+            </a:r>
+            <a:r>
+              <a:rPr/>
+              <a:t>want</a:t>
+            </a:r>
+            <a:r>
+              <a:rPr/>
+              <a:t> </a:t>
+            </a:r>
+            <a:r>
+              <a:rPr/>
+              <a:t>to</a:t>
+            </a:r>
+            <a:r>
+              <a:rPr/>
+              <a:t> </a:t>
+            </a:r>
+            <a:r>
+              <a:rPr/>
+              <a:t>do</a:t>
+            </a:r>
+            <a:r>
+              <a:rPr/>
+              <a:t> </a:t>
+            </a:r>
+            <a:r>
+              <a:rPr/>
+              <a:t>this</a:t>
+            </a:r>
+            <a:r>
+              <a:rPr/>
+              <a:t> </a:t>
+            </a:r>
+            <a:r>
+              <a:rPr/>
+              <a:t>with</a:t>
+            </a:r>
+            <a:r>
+              <a:rPr/>
+              <a:t> </a:t>
+            </a:r>
+            <a:r>
+              <a:rPr/>
+              <a:t>a</a:t>
+            </a:r>
+            <a:r>
+              <a:rPr/>
+              <a:t> </a:t>
+            </a:r>
+            <a:r>
+              <a:rPr/>
+              <a:t>continuous</a:t>
+            </a:r>
+            <a:r>
+              <a:rPr/>
+              <a:t> </a:t>
+            </a:r>
+            <a:r>
+              <a:rPr/>
+              <a:t>variable</a:t>
+            </a:r>
+            <a:r>
+              <a:rPr/>
+              <a:t> </a:t>
+            </a:r>
+            <a:r>
+              <a:rPr/>
+              <a:t>like</a:t>
+            </a:r>
+            <a:r>
+              <a:rPr/>
+              <a:t> </a:t>
+            </a:r>
+            <a:r>
+              <a:rPr/>
+              <a:t>age</a:t>
+            </a:r>
+            <a:r>
+              <a:rPr/>
+              <a:t> </a:t>
+            </a:r>
+            <a:r>
+              <a:rPr/>
+              <a:t>to</a:t>
+            </a:r>
+            <a:r>
+              <a:rPr/>
+              <a:t> </a:t>
+            </a:r>
+            <a:r>
+              <a:rPr/>
+              <a:t>see</a:t>
+            </a:r>
+            <a:r>
+              <a:rPr/>
+              <a:t> </a:t>
+            </a:r>
+            <a:r>
+              <a:rPr/>
+              <a:t>how</a:t>
+            </a:r>
+            <a:r>
+              <a:rPr/>
+              <a:t> </a:t>
+            </a:r>
+            <a:r>
+              <a:rPr/>
+              <a:t>many</a:t>
+            </a:r>
+            <a:r>
+              <a:rPr/>
+              <a:t> </a:t>
+            </a:r>
+            <a:r>
+              <a:rPr/>
+              <a:t>plotting</a:t>
+            </a:r>
+            <a:r>
+              <a:rPr/>
+              <a:t> </a:t>
+            </a:r>
+            <a:r>
+              <a:rPr/>
+              <a:t>positions</a:t>
+            </a:r>
+            <a:r>
+              <a:rPr/>
+              <a:t> </a:t>
+            </a:r>
+            <a:r>
+              <a:rPr/>
+              <a:t>you</a:t>
+            </a:r>
+            <a:r>
+              <a:rPr/>
+              <a:t> </a:t>
+            </a:r>
+            <a:r>
+              <a:rPr/>
+              <a:t>would</a:t>
+            </a:r>
+            <a:r>
+              <a:rPr/>
+              <a:t> </a:t>
+            </a:r>
+            <a:r>
+              <a:rPr/>
+              <a:t>need.</a:t>
+            </a:r>
+          </a:p>
+        </p:txBody>
+      </p:sp>
+      <p:sp>
+        <p:nvSpPr>
+          <p:cNvPr id="4" name="Slide Number Placeholder 3"/>
+          <p:cNvSpPr>
+            <a:spLocks noGrp="1"/>
+          </p:cNvSpPr>
+          <p:nvPr>
+            <p:ph type="sldNum" sz="quarter" idx="10"/>
+          </p:nvPr>
+        </p:nvSpPr>
+        <p:spPr/>
+        <p:txBody>
+          <a:bodyPr/>
+          <a:lstStyle/>
+          <a:p>
+            <a:fld id="{18BDFEC3-8487-43E8-A154-7C12CBC1FFF2}" type="slidenum">
+              <a:rPr lang="en-US"/>
+              <a:t>11</a:t>
+            </a:fld>
+            <a:endParaRPr lang="en-US"/>
+          </a:p>
+        </p:txBody>
+      </p:sp>
+    </p:spTree>
+  </p:cSld>
+</p:notes>
+</file>
+
+<file path=ppt/notesSlides/notesSlide11.xml><?xml version="1.0" encoding="utf-8"?>
+<p:notes xmlns:a="http://schemas.openxmlformats.org/drawingml/2006/main" xmlns:r="http://schemas.openxmlformats.org/officeDocument/2006/relationships" xmlns:p="http://schemas.openxmlformats.org/presentationml/2006/main">
+  <p:cSld>
+    <p:spTree>
+      <p:nvGrpSpPr>
+        <p:cNvPr id="1" name=""/>
+        <p:cNvGrpSpPr/>
+        <p:nvPr/>
+      </p:nvGrpSpPr>
+      <p:grpSpPr>
+        <a:xfrm>
+          <a:off x="0" y="0"/>
+          <a:ext cx="0" cy="0"/>
+          <a:chOff x="0" y="0"/>
+          <a:chExt cx="0" cy="0"/>
+        </a:xfrm>
+      </p:grpSpPr>
+      <p:sp>
+        <p:nvSpPr>
+          <p:cNvPr id="2" name="Slide Image Placeholder 1"/>
+          <p:cNvSpPr>
+            <a:spLocks noGrp="1" noRot="1" noChangeAspect="1"/>
+          </p:cNvSpPr>
+          <p:nvPr>
+            <p:ph type="sldImg"/>
+          </p:nvPr>
+        </p:nvSpPr>
+        <p:spPr/>
+      </p:sp>
+      <p:sp>
+        <p:nvSpPr>
+          <p:cNvPr id="3" name="Notes Placeholder 2"/>
+          <p:cNvSpPr>
+            <a:spLocks noGrp="1"/>
+          </p:cNvSpPr>
+          <p:nvPr>
+            <p:ph type="body" idx="1"/>
+          </p:nvPr>
+        </p:nvSpPr>
+        <p:spPr/>
+        <p:txBody>
+          <a:bodyPr/>
+          <a:lstStyle/>
+          <a:p>
+            <a:pPr lvl="0" marL="0" indent="0">
+              <a:buNone/>
+            </a:pPr>
+            <a:r>
+              <a:rPr/>
+              <a:t>You</a:t>
+            </a:r>
+            <a:r>
+              <a:rPr/>
+              <a:t> </a:t>
+            </a:r>
+            <a:r>
+              <a:rPr/>
+              <a:t>can</a:t>
+            </a:r>
+            <a:r>
+              <a:rPr/>
+              <a:t> </a:t>
+            </a:r>
+            <a:r>
+              <a:rPr/>
+              <a:t>get</a:t>
+            </a:r>
+            <a:r>
+              <a:rPr/>
+              <a:t> </a:t>
+            </a:r>
+            <a:r>
+              <a:rPr/>
+              <a:t>other</a:t>
+            </a:r>
+            <a:r>
+              <a:rPr/>
+              <a:t> </a:t>
+            </a:r>
+            <a:r>
+              <a:rPr/>
+              <a:t>summary</a:t>
+            </a:r>
+            <a:r>
+              <a:rPr/>
+              <a:t> </a:t>
+            </a:r>
+            <a:r>
+              <a:rPr/>
+              <a:t>statistics</a:t>
+            </a:r>
+            <a:r>
+              <a:rPr/>
+              <a:t> </a:t>
+            </a:r>
+            <a:r>
+              <a:rPr/>
+              <a:t>on</a:t>
+            </a:r>
+            <a:r>
+              <a:rPr/>
+              <a:t> </a:t>
+            </a:r>
+            <a:r>
+              <a:rPr/>
+              <a:t>a</a:t>
+            </a:r>
+            <a:r>
+              <a:rPr/>
+              <a:t> </a:t>
+            </a:r>
+            <a:r>
+              <a:rPr/>
+              <a:t>subset.</a:t>
+            </a:r>
+            <a:r>
+              <a:rPr/>
+              <a:t> </a:t>
+            </a:r>
+            <a:r>
+              <a:rPr/>
+              <a:t>This</a:t>
+            </a:r>
+            <a:r>
+              <a:rPr/>
+              <a:t> </a:t>
+            </a:r>
+            <a:r>
+              <a:rPr/>
+              <a:t>SQL</a:t>
+            </a:r>
+            <a:r>
+              <a:rPr/>
+              <a:t> </a:t>
+            </a:r>
+            <a:r>
+              <a:rPr/>
+              <a:t>code</a:t>
+            </a:r>
+            <a:r>
+              <a:rPr/>
+              <a:t> </a:t>
+            </a:r>
+            <a:r>
+              <a:rPr/>
+              <a:t>produces</a:t>
+            </a:r>
+            <a:r>
+              <a:rPr/>
+              <a:t> </a:t>
+            </a:r>
+            <a:r>
+              <a:rPr/>
+              <a:t>the</a:t>
+            </a:r>
+            <a:r>
+              <a:rPr/>
+              <a:t> </a:t>
+            </a:r>
+            <a:r>
+              <a:rPr/>
+              <a:t>average</a:t>
+            </a:r>
+            <a:r>
+              <a:rPr/>
+              <a:t> </a:t>
+            </a:r>
+            <a:r>
+              <a:rPr/>
+              <a:t>age</a:t>
+            </a:r>
+            <a:r>
+              <a:rPr/>
+              <a:t> </a:t>
+            </a:r>
+            <a:r>
+              <a:rPr/>
+              <a:t>and</a:t>
+            </a:r>
+            <a:r>
+              <a:rPr/>
+              <a:t> </a:t>
+            </a:r>
+            <a:r>
+              <a:rPr/>
+              <a:t>average</a:t>
+            </a:r>
+            <a:r>
+              <a:rPr/>
+              <a:t> </a:t>
+            </a:r>
+            <a:r>
+              <a:rPr/>
+              <a:t>fat</a:t>
+            </a:r>
+            <a:r>
+              <a:rPr/>
+              <a:t> </a:t>
+            </a:r>
+            <a:r>
+              <a:rPr/>
+              <a:t>percentagle</a:t>
+            </a:r>
+            <a:r>
+              <a:rPr/>
+              <a:t> </a:t>
+            </a:r>
+            <a:r>
+              <a:rPr/>
+              <a:t>for</a:t>
+            </a:r>
+            <a:r>
+              <a:rPr/>
+              <a:t> </a:t>
+            </a:r>
+            <a:r>
+              <a:rPr/>
+              <a:t>the</a:t>
+            </a:r>
+            <a:r>
+              <a:rPr/>
+              <a:t> </a:t>
+            </a:r>
+            <a:r>
+              <a:rPr/>
+              <a:t>21</a:t>
+            </a:r>
+            <a:r>
+              <a:rPr/>
+              <a:t> </a:t>
+            </a:r>
+            <a:r>
+              <a:rPr/>
+              <a:t>senior</a:t>
+            </a:r>
+            <a:r>
+              <a:rPr/>
+              <a:t> </a:t>
+            </a:r>
+            <a:r>
+              <a:rPr/>
+              <a:t>citizens</a:t>
+            </a:r>
+          </a:p>
+        </p:txBody>
+      </p:sp>
+      <p:sp>
+        <p:nvSpPr>
+          <p:cNvPr id="4" name="Slide Number Placeholder 3"/>
+          <p:cNvSpPr>
+            <a:spLocks noGrp="1"/>
+          </p:cNvSpPr>
+          <p:nvPr>
+            <p:ph type="sldNum" sz="quarter" idx="10"/>
+          </p:nvPr>
+        </p:nvSpPr>
+        <p:spPr/>
+        <p:txBody>
+          <a:bodyPr/>
+          <a:lstStyle/>
+          <a:p>
+            <a:fld id="{18BDFEC3-8487-43E8-A154-7C12CBC1FFF2}" type="slidenum">
+              <a:rPr lang="en-US"/>
+              <a:t>13</a:t>
+            </a:fld>
+            <a:endParaRPr lang="en-US"/>
+          </a:p>
+        </p:txBody>
+      </p:sp>
+    </p:spTree>
+  </p:cSld>
+</p:notes>
+</file>
+
+<file path=ppt/notesSlides/notesSlide12.xml><?xml version="1.0" encoding="utf-8"?>
+<p:notes xmlns:a="http://schemas.openxmlformats.org/drawingml/2006/main" xmlns:r="http://schemas.openxmlformats.org/officeDocument/2006/relationships" xmlns:p="http://schemas.openxmlformats.org/presentationml/2006/main">
+  <p:cSld>
+    <p:spTree>
+      <p:nvGrpSpPr>
+        <p:cNvPr id="1" name=""/>
+        <p:cNvGrpSpPr/>
+        <p:nvPr/>
+      </p:nvGrpSpPr>
+      <p:grpSpPr>
+        <a:xfrm>
+          <a:off x="0" y="0"/>
+          <a:ext cx="0" cy="0"/>
+          <a:chOff x="0" y="0"/>
+          <a:chExt cx="0" cy="0"/>
+        </a:xfrm>
+      </p:grpSpPr>
+      <p:sp>
+        <p:nvSpPr>
+          <p:cNvPr id="2" name="Slide Image Placeholder 1"/>
+          <p:cNvSpPr>
+            <a:spLocks noGrp="1" noRot="1" noChangeAspect="1"/>
+          </p:cNvSpPr>
+          <p:nvPr>
+            <p:ph type="sldImg"/>
+          </p:nvPr>
+        </p:nvSpPr>
+        <p:spPr/>
+      </p:sp>
+      <p:sp>
+        <p:nvSpPr>
+          <p:cNvPr id="3" name="Notes Placeholder 2"/>
+          <p:cNvSpPr>
+            <a:spLocks noGrp="1"/>
+          </p:cNvSpPr>
+          <p:nvPr>
+            <p:ph type="body" idx="1"/>
+          </p:nvPr>
+        </p:nvSpPr>
+        <p:spPr/>
+        <p:txBody>
+          <a:bodyPr/>
+          <a:lstStyle/>
+          <a:p>
+            <a:pPr lvl="0" marL="0" indent="0">
+              <a:buNone/>
+            </a:pPr>
+            <a:r>
+              <a:rPr/>
+              <a:t>This</a:t>
+            </a:r>
+            <a:r>
+              <a:rPr/>
+              <a:t> </a:t>
+            </a:r>
+            <a:r>
+              <a:rPr/>
+              <a:t>is</a:t>
+            </a:r>
+            <a:r>
+              <a:rPr/>
+              <a:t> </a:t>
+            </a:r>
+            <a:r>
+              <a:rPr/>
+              <a:t>how</a:t>
+            </a:r>
+            <a:r>
+              <a:rPr/>
+              <a:t> </a:t>
+            </a:r>
+            <a:r>
+              <a:rPr/>
+              <a:t>you</a:t>
+            </a:r>
+            <a:r>
+              <a:rPr/>
+              <a:t> </a:t>
+            </a:r>
+            <a:r>
+              <a:rPr/>
+              <a:t>get</a:t>
+            </a:r>
+            <a:r>
+              <a:rPr/>
+              <a:t> </a:t>
+            </a:r>
+            <a:r>
+              <a:rPr/>
+              <a:t>a</a:t>
+            </a:r>
+            <a:r>
+              <a:rPr/>
+              <a:t> </a:t>
+            </a:r>
+            <a:r>
+              <a:rPr/>
+              <a:t>count</a:t>
+            </a:r>
+            <a:r>
+              <a:rPr/>
+              <a:t> </a:t>
+            </a:r>
+            <a:r>
+              <a:rPr/>
+              <a:t>of</a:t>
+            </a:r>
+            <a:r>
+              <a:rPr/>
+              <a:t> </a:t>
+            </a:r>
+            <a:r>
+              <a:rPr/>
+              <a:t>first</a:t>
+            </a:r>
+            <a:r>
+              <a:rPr/>
+              <a:t> </a:t>
+            </a:r>
+            <a:r>
+              <a:rPr/>
+              <a:t>class</a:t>
+            </a:r>
+            <a:r>
+              <a:rPr/>
+              <a:t> </a:t>
+            </a:r>
+            <a:r>
+              <a:rPr/>
+              <a:t>passengers</a:t>
+            </a:r>
+            <a:r>
+              <a:rPr/>
+              <a:t> </a:t>
+            </a:r>
+            <a:r>
+              <a:rPr/>
+              <a:t>on</a:t>
+            </a:r>
+            <a:r>
+              <a:rPr/>
+              <a:t> </a:t>
+            </a:r>
+            <a:r>
+              <a:rPr/>
+              <a:t>the</a:t>
+            </a:r>
+            <a:r>
+              <a:rPr/>
+              <a:t> </a:t>
+            </a:r>
+            <a:r>
+              <a:rPr/>
+              <a:t>Titanic.</a:t>
+            </a:r>
+          </a:p>
+        </p:txBody>
+      </p:sp>
+      <p:sp>
+        <p:nvSpPr>
+          <p:cNvPr id="4" name="Slide Number Placeholder 3"/>
+          <p:cNvSpPr>
+            <a:spLocks noGrp="1"/>
+          </p:cNvSpPr>
+          <p:nvPr>
+            <p:ph type="sldNum" sz="quarter" idx="10"/>
+          </p:nvPr>
+        </p:nvSpPr>
+        <p:spPr/>
+        <p:txBody>
+          <a:bodyPr/>
+          <a:lstStyle/>
+          <a:p>
+            <a:fld id="{18BDFEC3-8487-43E8-A154-7C12CBC1FFF2}" type="slidenum">
+              <a:rPr lang="en-US"/>
+              <a:t>14</a:t>
+            </a:fld>
+            <a:endParaRPr lang="en-US"/>
+          </a:p>
+        </p:txBody>
+      </p:sp>
+    </p:spTree>
+  </p:cSld>
+</p:notes>
+</file>
+
+<file path=ppt/notesSlides/notesSlide13.xml><?xml version="1.0" encoding="utf-8"?>
+<p:notes xmlns:a="http://schemas.openxmlformats.org/drawingml/2006/main" xmlns:r="http://schemas.openxmlformats.org/officeDocument/2006/relationships" xmlns:p="http://schemas.openxmlformats.org/presentationml/2006/main">
+  <p:cSld>
+    <p:spTree>
+      <p:nvGrpSpPr>
+        <p:cNvPr id="1" name=""/>
+        <p:cNvGrpSpPr/>
+        <p:nvPr/>
+      </p:nvGrpSpPr>
+      <p:grpSpPr>
+        <a:xfrm>
+          <a:off x="0" y="0"/>
+          <a:ext cx="0" cy="0"/>
+          <a:chOff x="0" y="0"/>
+          <a:chExt cx="0" cy="0"/>
+        </a:xfrm>
+      </p:grpSpPr>
+      <p:sp>
+        <p:nvSpPr>
+          <p:cNvPr id="2" name="Slide Image Placeholder 1"/>
+          <p:cNvSpPr>
+            <a:spLocks noGrp="1" noRot="1" noChangeAspect="1"/>
+          </p:cNvSpPr>
+          <p:nvPr>
+            <p:ph type="sldImg"/>
+          </p:nvPr>
+        </p:nvSpPr>
+        <p:spPr/>
+      </p:sp>
+      <p:sp>
+        <p:nvSpPr>
+          <p:cNvPr id="3" name="Notes Placeholder 2"/>
+          <p:cNvSpPr>
+            <a:spLocks noGrp="1"/>
+          </p:cNvSpPr>
+          <p:nvPr>
+            <p:ph type="body" idx="1"/>
+          </p:nvPr>
+        </p:nvSpPr>
+        <p:spPr/>
+        <p:txBody>
+          <a:bodyPr/>
+          <a:lstStyle/>
+          <a:p>
+            <a:pPr lvl="0" marL="0" indent="0">
+              <a:buNone/>
+            </a:pPr>
+            <a:r>
+              <a:rPr/>
+              <a:t>If</a:t>
+            </a:r>
+            <a:r>
+              <a:rPr/>
+              <a:t> </a:t>
+            </a:r>
+            <a:r>
+              <a:rPr/>
+              <a:t>you</a:t>
+            </a:r>
+            <a:r>
+              <a:rPr/>
+              <a:t> </a:t>
+            </a:r>
+            <a:r>
+              <a:rPr/>
+              <a:t>wanted</a:t>
+            </a:r>
+            <a:r>
+              <a:rPr/>
+              <a:t> </a:t>
+            </a:r>
+            <a:r>
+              <a:rPr/>
+              <a:t>a</a:t>
+            </a:r>
+            <a:r>
+              <a:rPr/>
+              <a:t> </a:t>
+            </a:r>
+            <a:r>
+              <a:rPr/>
+              <a:t>count</a:t>
+            </a:r>
+            <a:r>
+              <a:rPr/>
+              <a:t> </a:t>
+            </a:r>
+            <a:r>
+              <a:rPr/>
+              <a:t>for</a:t>
+            </a:r>
+            <a:r>
+              <a:rPr/>
+              <a:t> </a:t>
+            </a:r>
+            <a:r>
+              <a:rPr/>
+              <a:t>every</a:t>
+            </a:r>
+            <a:r>
+              <a:rPr/>
+              <a:t> </a:t>
+            </a:r>
+            <a:r>
+              <a:rPr/>
+              <a:t>passenger</a:t>
+            </a:r>
+            <a:r>
+              <a:rPr/>
+              <a:t> </a:t>
+            </a:r>
+            <a:r>
+              <a:rPr/>
+              <a:t>class,</a:t>
+            </a:r>
+            <a:r>
+              <a:rPr/>
+              <a:t> </a:t>
+            </a:r>
+            <a:r>
+              <a:rPr/>
+              <a:t>use</a:t>
+            </a:r>
+            <a:r>
+              <a:rPr/>
+              <a:t> </a:t>
+            </a:r>
+            <a:r>
+              <a:rPr/>
+              <a:t>the</a:t>
+            </a:r>
+            <a:r>
+              <a:rPr/>
+              <a:t> </a:t>
+            </a:r>
+            <a:r>
+              <a:rPr/>
+              <a:t>group</a:t>
+            </a:r>
+            <a:r>
+              <a:rPr/>
+              <a:t> </a:t>
+            </a:r>
+            <a:r>
+              <a:rPr/>
+              <a:t>by</a:t>
+            </a:r>
+            <a:r>
+              <a:rPr/>
+              <a:t> </a:t>
+            </a:r>
+            <a:r>
+              <a:rPr/>
+              <a:t>keyword.</a:t>
+            </a:r>
+          </a:p>
+        </p:txBody>
+      </p:sp>
+      <p:sp>
+        <p:nvSpPr>
+          <p:cNvPr id="4" name="Slide Number Placeholder 3"/>
+          <p:cNvSpPr>
+            <a:spLocks noGrp="1"/>
+          </p:cNvSpPr>
+          <p:nvPr>
+            <p:ph type="sldNum" sz="quarter" idx="10"/>
+          </p:nvPr>
+        </p:nvSpPr>
+        <p:spPr/>
+        <p:txBody>
+          <a:bodyPr/>
+          <a:lstStyle/>
+          <a:p>
+            <a:fld id="{18BDFEC3-8487-43E8-A154-7C12CBC1FFF2}" type="slidenum">
+              <a:rPr lang="en-US"/>
+              <a:t>15</a:t>
+            </a:fld>
+            <a:endParaRPr lang="en-US"/>
+          </a:p>
+        </p:txBody>
+      </p:sp>
+    </p:spTree>
+  </p:cSld>
+</p:notes>
+</file>
+
+<file path=ppt/notesSlides/notesSlide14.xml><?xml version="1.0" encoding="utf-8"?>
+<p:notes xmlns:a="http://schemas.openxmlformats.org/drawingml/2006/main" xmlns:r="http://schemas.openxmlformats.org/officeDocument/2006/relationships" xmlns:p="http://schemas.openxmlformats.org/presentationml/2006/main">
+  <p:cSld>
+    <p:spTree>
+      <p:nvGrpSpPr>
+        <p:cNvPr id="1" name=""/>
+        <p:cNvGrpSpPr/>
+        <p:nvPr/>
+      </p:nvGrpSpPr>
+      <p:grpSpPr>
+        <a:xfrm>
+          <a:off x="0" y="0"/>
+          <a:ext cx="0" cy="0"/>
+          <a:chOff x="0" y="0"/>
+          <a:chExt cx="0" cy="0"/>
+        </a:xfrm>
+      </p:grpSpPr>
+      <p:sp>
+        <p:nvSpPr>
+          <p:cNvPr id="2" name="Slide Image Placeholder 1"/>
+          <p:cNvSpPr>
+            <a:spLocks noGrp="1" noRot="1" noChangeAspect="1"/>
+          </p:cNvSpPr>
+          <p:nvPr>
+            <p:ph type="sldImg"/>
+          </p:nvPr>
+        </p:nvSpPr>
+        <p:spPr/>
+      </p:sp>
+      <p:sp>
+        <p:nvSpPr>
+          <p:cNvPr id="3" name="Notes Placeholder 2"/>
+          <p:cNvSpPr>
+            <a:spLocks noGrp="1"/>
+          </p:cNvSpPr>
+          <p:nvPr>
+            <p:ph type="body" idx="1"/>
+          </p:nvPr>
+        </p:nvSpPr>
+        <p:spPr/>
+        <p:txBody>
+          <a:bodyPr/>
+          <a:lstStyle/>
+          <a:p>
+            <a:pPr lvl="0" marL="0" indent="0">
+              <a:buNone/>
+            </a:pPr>
+            <a:r>
+              <a:rPr/>
+              <a:t>The</a:t>
+            </a:r>
+            <a:r>
+              <a:rPr/>
+              <a:t> </a:t>
+            </a:r>
+            <a:r>
+              <a:rPr/>
+              <a:t>average</a:t>
+            </a:r>
+            <a:r>
+              <a:rPr/>
+              <a:t> </a:t>
+            </a:r>
+            <a:r>
+              <a:rPr/>
+              <a:t>function</a:t>
+            </a:r>
+          </a:p>
+        </p:txBody>
+      </p:sp>
+      <p:sp>
+        <p:nvSpPr>
+          <p:cNvPr id="4" name="Slide Number Placeholder 3"/>
+          <p:cNvSpPr>
+            <a:spLocks noGrp="1"/>
+          </p:cNvSpPr>
+          <p:nvPr>
+            <p:ph type="sldNum" sz="quarter" idx="10"/>
+          </p:nvPr>
+        </p:nvSpPr>
+        <p:spPr/>
+        <p:txBody>
+          <a:bodyPr/>
+          <a:lstStyle/>
+          <a:p>
+            <a:fld id="{18BDFEC3-8487-43E8-A154-7C12CBC1FFF2}" type="slidenum">
+              <a:rPr lang="en-US"/>
+              <a:t>18</a:t>
+            </a:fld>
+            <a:endParaRPr lang="en-US"/>
+          </a:p>
+        </p:txBody>
+      </p:sp>
+    </p:spTree>
+  </p:cSld>
+</p:notes>
+</file>
+
+<file path=ppt/notesSlides/notesSlide15.xml><?xml version="1.0" encoding="utf-8"?>
+<p:notes xmlns:a="http://schemas.openxmlformats.org/drawingml/2006/main" xmlns:r="http://schemas.openxmlformats.org/officeDocument/2006/relationships" xmlns:p="http://schemas.openxmlformats.org/presentationml/2006/main">
+  <p:cSld>
+    <p:spTree>
+      <p:nvGrpSpPr>
+        <p:cNvPr id="1" name=""/>
+        <p:cNvGrpSpPr/>
+        <p:nvPr/>
+      </p:nvGrpSpPr>
+      <p:grpSpPr>
+        <a:xfrm>
+          <a:off x="0" y="0"/>
+          <a:ext cx="0" cy="0"/>
+          <a:chOff x="0" y="0"/>
+          <a:chExt cx="0" cy="0"/>
+        </a:xfrm>
+      </p:grpSpPr>
+      <p:sp>
+        <p:nvSpPr>
+          <p:cNvPr id="2" name="Slide Image Placeholder 1"/>
+          <p:cNvSpPr>
+            <a:spLocks noGrp="1" noRot="1" noChangeAspect="1"/>
+          </p:cNvSpPr>
+          <p:nvPr>
+            <p:ph type="sldImg"/>
+          </p:nvPr>
+        </p:nvSpPr>
+        <p:spPr/>
+      </p:sp>
+      <p:sp>
+        <p:nvSpPr>
+          <p:cNvPr id="3" name="Notes Placeholder 2"/>
+          <p:cNvSpPr>
+            <a:spLocks noGrp="1"/>
+          </p:cNvSpPr>
+          <p:nvPr>
+            <p:ph type="body" idx="1"/>
+          </p:nvPr>
+        </p:nvSpPr>
+        <p:spPr/>
+        <p:txBody>
+          <a:bodyPr/>
+          <a:lstStyle/>
+          <a:p>
+            <a:pPr lvl="0" marL="0" indent="0">
+              <a:buNone/>
+            </a:pPr>
+            <a:r>
+              <a:rPr/>
+              <a:t>Here’s</a:t>
+            </a:r>
+            <a:r>
+              <a:rPr/>
+              <a:t> </a:t>
+            </a:r>
+            <a:r>
+              <a:rPr/>
+              <a:t>what</a:t>
+            </a:r>
+            <a:r>
+              <a:rPr/>
+              <a:t> </a:t>
+            </a:r>
+            <a:r>
+              <a:rPr/>
+              <a:t>the</a:t>
+            </a:r>
+            <a:r>
+              <a:rPr/>
+              <a:t> </a:t>
+            </a:r>
+            <a:r>
+              <a:rPr/>
+              <a:t>results</a:t>
+            </a:r>
+            <a:r>
+              <a:rPr/>
+              <a:t> </a:t>
+            </a:r>
+            <a:r>
+              <a:rPr/>
+              <a:t>looks</a:t>
+            </a:r>
+            <a:r>
+              <a:rPr/>
+              <a:t> </a:t>
+            </a:r>
+            <a:r>
+              <a:rPr/>
+              <a:t>like.</a:t>
+            </a:r>
+          </a:p>
+        </p:txBody>
+      </p:sp>
+      <p:sp>
+        <p:nvSpPr>
+          <p:cNvPr id="4" name="Slide Number Placeholder 3"/>
+          <p:cNvSpPr>
+            <a:spLocks noGrp="1"/>
+          </p:cNvSpPr>
+          <p:nvPr>
+            <p:ph type="sldNum" sz="quarter" idx="10"/>
+          </p:nvPr>
+        </p:nvSpPr>
+        <p:spPr/>
+        <p:txBody>
+          <a:bodyPr/>
+          <a:lstStyle/>
+          <a:p>
+            <a:fld id="{18BDFEC3-8487-43E8-A154-7C12CBC1FFF2}" type="slidenum">
+              <a:rPr lang="en-US"/>
+              <a:t>19</a:t>
+            </a:fld>
+            <a:endParaRPr lang="en-US"/>
+          </a:p>
+        </p:txBody>
+      </p:sp>
+    </p:spTree>
+  </p:cSld>
+</p:notes>
+</file>
+
 <file path=ppt/notesSlides/notesSlide2.xml><?xml version="1.0" encoding="utf-8"?>
 <p:notes xmlns:a="http://schemas.openxmlformats.org/drawingml/2006/main" xmlns:r="http://schemas.openxmlformats.org/officeDocument/2006/relationships" xmlns:p="http://schemas.openxmlformats.org/presentationml/2006/main">
   <p:cSld>
@@ -1665,287 +2853,7 @@
             </a:r>
             <a:r>
               <a:rPr/>
-              <a:t>COUNT</a:t>
-            </a:r>
-            <a:r>
-              <a:rPr/>
-              <a:t> </a:t>
-            </a:r>
-            <a:r>
-              <a:rPr/>
-              <a:t>function</a:t>
-            </a:r>
-            <a:r>
-              <a:rPr/>
-              <a:t> </a:t>
-            </a:r>
-            <a:r>
-              <a:rPr/>
-              <a:t>is,</a:t>
-            </a:r>
-            <a:r>
-              <a:rPr/>
-              <a:t> </a:t>
-            </a:r>
-            <a:r>
-              <a:rPr/>
-              <a:t>in</a:t>
-            </a:r>
-            <a:r>
-              <a:rPr/>
-              <a:t> </a:t>
-            </a:r>
-            <a:r>
-              <a:rPr/>
-              <a:t>my</a:t>
-            </a:r>
-            <a:r>
-              <a:rPr/>
-              <a:t> </a:t>
-            </a:r>
-            <a:r>
-              <a:rPr/>
-              <a:t>opinion,</a:t>
-            </a:r>
-            <a:r>
-              <a:rPr/>
-              <a:t> </a:t>
-            </a:r>
-            <a:r>
-              <a:rPr/>
-              <a:t>one</a:t>
-            </a:r>
-            <a:r>
-              <a:rPr/>
-              <a:t> </a:t>
-            </a:r>
-            <a:r>
-              <a:rPr/>
-              <a:t>of</a:t>
-            </a:r>
-            <a:r>
-              <a:rPr/>
-              <a:t> </a:t>
-            </a:r>
-            <a:r>
-              <a:rPr/>
-              <a:t>the</a:t>
-            </a:r>
-            <a:r>
-              <a:rPr/>
-              <a:t> </a:t>
-            </a:r>
-            <a:r>
-              <a:rPr/>
-              <a:t>most</a:t>
-            </a:r>
-            <a:r>
-              <a:rPr/>
-              <a:t> </a:t>
-            </a:r>
-            <a:r>
-              <a:rPr/>
-              <a:t>useful</a:t>
-            </a:r>
-            <a:r>
-              <a:rPr/>
-              <a:t> </a:t>
-            </a:r>
-            <a:r>
-              <a:rPr/>
-              <a:t>summary</a:t>
-            </a:r>
-            <a:r>
-              <a:rPr/>
-              <a:t> </a:t>
-            </a:r>
-            <a:r>
-              <a:rPr/>
-              <a:t>functions.</a:t>
-            </a:r>
-            <a:r>
-              <a:rPr/>
-              <a:t> </a:t>
-            </a:r>
-            <a:r>
-              <a:rPr/>
-              <a:t>It</a:t>
-            </a:r>
-            <a:r>
-              <a:rPr/>
-              <a:t> </a:t>
-            </a:r>
-            <a:r>
-              <a:rPr/>
-              <a:t>allows</a:t>
-            </a:r>
-            <a:r>
-              <a:rPr/>
-              <a:t> </a:t>
-            </a:r>
-            <a:r>
-              <a:rPr/>
-              <a:t>you</a:t>
-            </a:r>
-            <a:r>
-              <a:rPr/>
-              <a:t> </a:t>
-            </a:r>
-            <a:r>
-              <a:rPr/>
-              <a:t>to</a:t>
-            </a:r>
-            <a:r>
-              <a:rPr/>
-              <a:t> </a:t>
-            </a:r>
-            <a:r>
-              <a:rPr/>
-              <a:t>quickly</a:t>
-            </a:r>
-            <a:r>
-              <a:rPr/>
-              <a:t> </a:t>
-            </a:r>
-            <a:r>
-              <a:rPr/>
-              <a:t>identify</a:t>
-            </a:r>
-            <a:r>
-              <a:rPr/>
-              <a:t> </a:t>
-            </a:r>
-            <a:r>
-              <a:rPr/>
-              <a:t>the</a:t>
-            </a:r>
-            <a:r>
-              <a:rPr/>
-              <a:t> </a:t>
-            </a:r>
-            <a:r>
-              <a:rPr/>
-              <a:t>number</a:t>
-            </a:r>
-            <a:r>
-              <a:rPr/>
-              <a:t> </a:t>
-            </a:r>
-            <a:r>
-              <a:rPr/>
-              <a:t>of</a:t>
-            </a:r>
-            <a:r>
-              <a:rPr/>
-              <a:t> </a:t>
-            </a:r>
-            <a:r>
-              <a:rPr/>
-              <a:t>records</a:t>
-            </a:r>
-            <a:r>
-              <a:rPr/>
-              <a:t> </a:t>
-            </a:r>
-            <a:r>
-              <a:rPr/>
-              <a:t>in</a:t>
-            </a:r>
-            <a:r>
-              <a:rPr/>
-              <a:t> </a:t>
-            </a:r>
-            <a:r>
-              <a:rPr/>
-              <a:t>your</a:t>
-            </a:r>
-            <a:r>
-              <a:rPr/>
-              <a:t> </a:t>
-            </a:r>
-            <a:r>
-              <a:rPr/>
-              <a:t>query.</a:t>
-            </a:r>
-            <a:r>
-              <a:rPr/>
-              <a:t> </a:t>
-            </a:r>
-            <a:r>
-              <a:rPr/>
-              <a:t>You</a:t>
-            </a:r>
-            <a:r>
-              <a:rPr/>
-              <a:t> </a:t>
-            </a:r>
-            <a:r>
-              <a:rPr/>
-              <a:t>can</a:t>
-            </a:r>
-            <a:r>
-              <a:rPr/>
-              <a:t> </a:t>
-            </a:r>
-            <a:r>
-              <a:rPr/>
-              <a:t>use</a:t>
-            </a:r>
-            <a:r>
-              <a:rPr/>
-              <a:t> </a:t>
-            </a:r>
-            <a:r>
-              <a:rPr/>
-              <a:t>COUNT</a:t>
-            </a:r>
-            <a:r>
-              <a:rPr/>
-              <a:t> </a:t>
-            </a:r>
-            <a:r>
-              <a:rPr/>
-              <a:t>on</a:t>
-            </a:r>
-            <a:r>
-              <a:rPr/>
-              <a:t> </a:t>
-            </a:r>
-            <a:r>
-              <a:rPr/>
-              <a:t>any</a:t>
-            </a:r>
-            <a:r>
-              <a:rPr/>
-              <a:t> </a:t>
-            </a:r>
-            <a:r>
-              <a:rPr/>
-              <a:t>field</a:t>
-            </a:r>
-            <a:r>
-              <a:rPr/>
-              <a:t> </a:t>
-            </a:r>
-            <a:r>
-              <a:rPr/>
-              <a:t>in</a:t>
-            </a:r>
-            <a:r>
-              <a:rPr/>
-              <a:t> </a:t>
-            </a:r>
-            <a:r>
-              <a:rPr/>
-              <a:t>your</a:t>
-            </a:r>
-            <a:r>
-              <a:rPr/>
-              <a:t> </a:t>
-            </a:r>
-            <a:r>
-              <a:rPr/>
-              <a:t>database</a:t>
+              <a:t>min</a:t>
             </a:r>
             <a:r>
               <a:rPr/>
@@ -1961,151 +2869,55 @@
             </a:r>
             <a:r>
               <a:rPr/>
-              <a:t>you</a:t>
-            </a:r>
-            <a:r>
-              <a:rPr/>
-              <a:t> </a:t>
-            </a:r>
-            <a:r>
-              <a:rPr/>
-              <a:t>should</a:t>
-            </a:r>
-            <a:r>
-              <a:rPr/>
-              <a:t> </a:t>
-            </a:r>
-            <a:r>
-              <a:rPr/>
-              <a:t>get</a:t>
-            </a:r>
-            <a:r>
-              <a:rPr/>
-              <a:t> </a:t>
-            </a:r>
-            <a:r>
-              <a:rPr/>
-              <a:t>the</a:t>
-            </a:r>
-            <a:r>
-              <a:rPr/>
-              <a:t> </a:t>
-            </a:r>
-            <a:r>
-              <a:rPr/>
-              <a:t>same</a:t>
-            </a:r>
-            <a:r>
-              <a:rPr/>
-              <a:t> </a:t>
-            </a:r>
-            <a:r>
-              <a:rPr/>
-              <a:t>answer,</a:t>
-            </a:r>
-            <a:r>
-              <a:rPr/>
-              <a:t> </a:t>
-            </a:r>
-            <a:r>
-              <a:rPr/>
-              <a:t>with</a:t>
-            </a:r>
-            <a:r>
-              <a:rPr/>
-              <a:t> </a:t>
-            </a:r>
-            <a:r>
-              <a:rPr/>
-              <a:t>one</a:t>
-            </a:r>
-            <a:r>
-              <a:rPr/>
-              <a:t> </a:t>
-            </a:r>
-            <a:r>
-              <a:rPr/>
-              <a:t>exception,</a:t>
-            </a:r>
-            <a:r>
-              <a:rPr/>
-              <a:t> </a:t>
-            </a:r>
-            <a:r>
-              <a:rPr/>
-              <a:t>which</a:t>
-            </a:r>
-            <a:r>
-              <a:rPr/>
-              <a:t> </a:t>
-            </a:r>
-            <a:r>
-              <a:rPr/>
-              <a:t>you</a:t>
-            </a:r>
-            <a:r>
-              <a:rPr/>
-              <a:t> </a:t>
-            </a:r>
-            <a:r>
-              <a:rPr/>
-              <a:t>will</a:t>
-            </a:r>
-            <a:r>
-              <a:rPr/>
-              <a:t> </a:t>
-            </a:r>
-            <a:r>
-              <a:rPr/>
-              <a:t>see</a:t>
-            </a:r>
-            <a:r>
-              <a:rPr/>
-              <a:t> </a:t>
-            </a:r>
-            <a:r>
-              <a:rPr/>
-              <a:t>in</a:t>
-            </a:r>
-            <a:r>
-              <a:rPr/>
-              <a:t> </a:t>
-            </a:r>
-            <a:r>
-              <a:rPr/>
-              <a:t>the</a:t>
-            </a:r>
-            <a:r>
-              <a:rPr/>
-              <a:t> </a:t>
-            </a:r>
-            <a:r>
-              <a:rPr/>
-              <a:t>section</a:t>
-            </a:r>
-            <a:r>
-              <a:rPr/>
-              <a:t> </a:t>
-            </a:r>
-            <a:r>
-              <a:rPr/>
-              <a:t>on</a:t>
-            </a:r>
-            <a:r>
-              <a:rPr/>
-              <a:t> </a:t>
-            </a:r>
-            <a:r>
-              <a:rPr/>
-              <a:t>NULL</a:t>
-            </a:r>
-            <a:r>
-              <a:rPr/>
-              <a:t> </a:t>
-            </a:r>
-            <a:r>
-              <a:rPr/>
-              <a:t>values.</a:t>
+              <a:t>max</a:t>
+            </a:r>
+            <a:r>
+              <a:rPr/>
+              <a:t> </a:t>
+            </a:r>
+            <a:r>
+              <a:rPr/>
+              <a:t>functions</a:t>
+            </a:r>
+            <a:r>
+              <a:rPr/>
+              <a:t> </a:t>
+            </a:r>
+            <a:r>
+              <a:rPr/>
+              <a:t>behave</a:t>
+            </a:r>
+            <a:r>
+              <a:rPr/>
+              <a:t> </a:t>
+            </a:r>
+            <a:r>
+              <a:rPr/>
+              <a:t>just</a:t>
+            </a:r>
+            <a:r>
+              <a:rPr/>
+              <a:t> </a:t>
+            </a:r>
+            <a:r>
+              <a:rPr/>
+              <a:t>as</a:t>
+            </a:r>
+            <a:r>
+              <a:rPr/>
+              <a:t> </a:t>
+            </a:r>
+            <a:r>
+              <a:rPr/>
+              <a:t>you’d</a:t>
+            </a:r>
+            <a:r>
+              <a:rPr/>
+              <a:t> </a:t>
+            </a:r>
+            <a:r>
+              <a:rPr/>
+              <a:t>suspect.</a:t>
             </a:r>
           </a:p>
         </p:txBody>
@@ -2195,23 +3007,23 @@
             </a:r>
             <a:r>
               <a:rPr/>
-              <a:t>name</a:t>
-            </a:r>
-            <a:r>
-              <a:rPr/>
-              <a:t> </a:t>
-            </a:r>
-            <a:r>
-              <a:rPr/>
-              <a:t>chosen</a:t>
-            </a:r>
-            <a:r>
-              <a:rPr/>
-              <a:t> </a:t>
-            </a:r>
-            <a:r>
-              <a:rPr/>
-              <a:t>by</a:t>
+              <a:t>default</a:t>
+            </a:r>
+            <a:r>
+              <a:rPr/>
+              <a:t> </a:t>
+            </a:r>
+            <a:r>
+              <a:rPr/>
+              <a:t>names</a:t>
+            </a:r>
+            <a:r>
+              <a:rPr/>
+              <a:t> </a:t>
+            </a:r>
+            <a:r>
+              <a:rPr/>
+              <a:t>that</a:t>
             </a:r>
             <a:r>
               <a:rPr/>
@@ -2227,87 +3039,63 @@
             </a:r>
             <a:r>
               <a:rPr/>
-              <a:t>for</a:t>
-            </a:r>
-            <a:r>
-              <a:rPr/>
-              <a:t> </a:t>
-            </a:r>
-            <a:r>
-              <a:rPr/>
-              <a:t>the</a:t>
-            </a:r>
-            <a:r>
-              <a:rPr/>
-              <a:t> </a:t>
-            </a:r>
-            <a:r>
-              <a:rPr/>
-              <a:t>result</a:t>
-            </a:r>
-            <a:r>
-              <a:rPr/>
-              <a:t> </a:t>
-            </a:r>
-            <a:r>
-              <a:rPr/>
-              <a:t>of</a:t>
-            </a:r>
-            <a:r>
-              <a:rPr/>
-              <a:t> </a:t>
-            </a:r>
-            <a:r>
-              <a:rPr/>
-              <a:t>COUNT</a:t>
-            </a:r>
-            <a:r>
-              <a:rPr/>
-              <a:t> </a:t>
-            </a:r>
-            <a:r>
-              <a:rPr/>
-              <a:t>is</a:t>
-            </a:r>
-            <a:r>
-              <a:rPr/>
-              <a:t> </a:t>
-            </a:r>
-            <a:r>
-              <a:rPr/>
-              <a:t>not</a:t>
-            </a:r>
-            <a:r>
-              <a:rPr/>
-              <a:t> </a:t>
-            </a:r>
-            <a:r>
-              <a:rPr/>
-              <a:t>a</a:t>
-            </a:r>
-            <a:r>
-              <a:rPr/>
-              <a:t> </a:t>
-            </a:r>
-            <a:r>
-              <a:rPr/>
-              <a:t>legal</a:t>
-            </a:r>
-            <a:r>
-              <a:rPr/>
-              <a:t> </a:t>
-            </a:r>
-            <a:r>
-              <a:rPr/>
-              <a:t>R</a:t>
-            </a:r>
-            <a:r>
-              <a:rPr/>
-              <a:t> </a:t>
-            </a:r>
-            <a:r>
-              <a:rPr/>
-              <a:t>name,so</a:t>
+              <a:t>gives</a:t>
+            </a:r>
+            <a:r>
+              <a:rPr/>
+              <a:t> </a:t>
+            </a:r>
+            <a:r>
+              <a:rPr/>
+              <a:t>to</a:t>
+            </a:r>
+            <a:r>
+              <a:rPr/>
+              <a:t> </a:t>
+            </a:r>
+            <a:r>
+              <a:rPr/>
+              <a:t>your</a:t>
+            </a:r>
+            <a:r>
+              <a:rPr/>
+              <a:t> </a:t>
+            </a:r>
+            <a:r>
+              <a:rPr/>
+              <a:t>statistical</a:t>
+            </a:r>
+            <a:r>
+              <a:rPr/>
+              <a:t> </a:t>
+            </a:r>
+            <a:r>
+              <a:rPr/>
+              <a:t>functions</a:t>
+            </a:r>
+            <a:r>
+              <a:rPr/>
+              <a:t> </a:t>
+            </a:r>
+            <a:r>
+              <a:rPr/>
+              <a:t>include</a:t>
+            </a:r>
+            <a:r>
+              <a:rPr/>
+              <a:t> </a:t>
+            </a:r>
+            <a:r>
+              <a:rPr/>
+              <a:t>parentheses.</a:t>
+            </a:r>
+            <a:r>
+              <a:rPr/>
+              <a:t> </a:t>
+            </a:r>
+            <a:r>
+              <a:rPr/>
+              <a:t>If</a:t>
             </a:r>
             <a:r>
               <a:rPr/>
@@ -2323,87 +3111,111 @@
             </a:r>
             <a:r>
               <a:rPr/>
-              <a:t>would</a:t>
-            </a:r>
-            <a:r>
-              <a:rPr/>
-              <a:t> </a:t>
-            </a:r>
-            <a:r>
-              <a:rPr/>
-              <a:t>normally</a:t>
-            </a:r>
-            <a:r>
-              <a:rPr/>
-              <a:t> </a:t>
-            </a:r>
-            <a:r>
-              <a:rPr/>
-              <a:t>use</a:t>
-            </a:r>
-            <a:r>
-              <a:rPr/>
-              <a:t> </a:t>
-            </a:r>
-            <a:r>
-              <a:rPr/>
-              <a:t>the</a:t>
-            </a:r>
-            <a:r>
-              <a:rPr/>
-              <a:t> </a:t>
-            </a:r>
-            <a:r>
-              <a:rPr/>
-              <a:t>AS</a:t>
-            </a:r>
-            <a:r>
-              <a:rPr/>
-              <a:t> </a:t>
-            </a:r>
-            <a:r>
-              <a:rPr/>
-              <a:t>statement</a:t>
-            </a:r>
-            <a:r>
-              <a:rPr/>
-              <a:t> </a:t>
-            </a:r>
-            <a:r>
-              <a:rPr/>
-              <a:t>to</a:t>
-            </a:r>
-            <a:r>
-              <a:rPr/>
-              <a:t> </a:t>
-            </a:r>
-            <a:r>
-              <a:rPr/>
-              <a:t>create</a:t>
-            </a:r>
-            <a:r>
-              <a:rPr/>
-              <a:t> </a:t>
-            </a:r>
-            <a:r>
-              <a:rPr/>
-              <a:t>a</a:t>
-            </a:r>
-            <a:r>
-              <a:rPr/>
-              <a:t> </a:t>
-            </a:r>
-            <a:r>
-              <a:rPr/>
-              <a:t>better</a:t>
-            </a:r>
-            <a:r>
-              <a:rPr/>
-              <a:t> </a:t>
-            </a:r>
-            <a:r>
-              <a:rPr/>
-              <a:t>name.</a:t>
+              <a:t>know</a:t>
+            </a:r>
+            <a:r>
+              <a:rPr/>
+              <a:t> </a:t>
+            </a:r>
+            <a:r>
+              <a:rPr/>
+              <a:t>anything</a:t>
+            </a:r>
+            <a:r>
+              <a:rPr/>
+              <a:t> </a:t>
+            </a:r>
+            <a:r>
+              <a:rPr/>
+              <a:t>about</a:t>
+            </a:r>
+            <a:r>
+              <a:rPr/>
+              <a:t> </a:t>
+            </a:r>
+            <a:r>
+              <a:rPr/>
+              <a:t>The</a:t>
+            </a:r>
+            <a:r>
+              <a:rPr/>
+              <a:t> </a:t>
+            </a:r>
+            <a:r>
+              <a:rPr/>
+              <a:t>min,</a:t>
+            </a:r>
+            <a:r>
+              <a:rPr/>
+              <a:t> </a:t>
+            </a:r>
+            <a:r>
+              <a:rPr/>
+              <a:t>max,</a:t>
+            </a:r>
+            <a:r>
+              <a:rPr/>
+              <a:t> </a:t>
+            </a:r>
+            <a:r>
+              <a:rPr/>
+              <a:t>and</a:t>
+            </a:r>
+            <a:r>
+              <a:rPr/>
+              <a:t> </a:t>
+            </a:r>
+            <a:r>
+              <a:rPr/>
+              <a:t>avg</a:t>
+            </a:r>
+            <a:r>
+              <a:rPr/>
+              <a:t> </a:t>
+            </a:r>
+            <a:r>
+              <a:rPr/>
+              <a:t>functions</a:t>
+            </a:r>
+            <a:r>
+              <a:rPr/>
+              <a:t> </a:t>
+            </a:r>
+            <a:r>
+              <a:rPr/>
+              <a:t>behave</a:t>
+            </a:r>
+            <a:r>
+              <a:rPr/>
+              <a:t> </a:t>
+            </a:r>
+            <a:r>
+              <a:rPr/>
+              <a:t>just</a:t>
+            </a:r>
+            <a:r>
+              <a:rPr/>
+              <a:t> </a:t>
+            </a:r>
+            <a:r>
+              <a:rPr/>
+              <a:t>as</a:t>
+            </a:r>
+            <a:r>
+              <a:rPr/>
+              <a:t> </a:t>
+            </a:r>
+            <a:r>
+              <a:rPr/>
+              <a:t>you’d</a:t>
+            </a:r>
+            <a:r>
+              <a:rPr/>
+              <a:t> </a:t>
+            </a:r>
+            <a:r>
+              <a:rPr/>
+              <a:t>suspect.</a:t>
             </a:r>
           </a:p>
         </p:txBody>
@@ -2509,23 +3321,15 @@
             </a:r>
             <a:r>
               <a:rPr/>
-              <a:t>the</a:t>
-            </a:r>
-            <a:r>
-              <a:rPr/>
-              <a:t> </a:t>
-            </a:r>
-            <a:r>
-              <a:rPr/>
-              <a:t>COUNT</a:t>
-            </a:r>
-            <a:r>
-              <a:rPr/>
-              <a:t> </a:t>
-            </a:r>
-            <a:r>
-              <a:rPr/>
-              <a:t>function</a:t>
+              <a:t>these</a:t>
+            </a:r>
+            <a:r>
+              <a:rPr/>
+              <a:t> </a:t>
+            </a:r>
+            <a:r>
+              <a:rPr/>
+              <a:t>functions</a:t>
             </a:r>
             <a:r>
               <a:rPr/>
@@ -2541,23 +3345,23 @@
             </a:r>
             <a:r>
               <a:rPr/>
-              <a:t>the</a:t>
-            </a:r>
-            <a:r>
-              <a:rPr/>
-              <a:t> </a:t>
-            </a:r>
-            <a:r>
-              <a:rPr/>
-              <a:t>WHERE</a:t>
-            </a:r>
-            <a:r>
-              <a:rPr/>
-              <a:t> </a:t>
-            </a:r>
-            <a:r>
-              <a:rPr/>
-              <a:t>statement</a:t>
+              <a:t>a</a:t>
+            </a:r>
+            <a:r>
+              <a:rPr/>
+              <a:t> </a:t>
+            </a:r>
+            <a:r>
+              <a:rPr/>
+              <a:t>subtraction</a:t>
+            </a:r>
+            <a:r>
+              <a:rPr/>
+              <a:t> </a:t>
+            </a:r>
+            <a:r>
+              <a:rPr/>
+              <a:t>operator</a:t>
             </a:r>
             <a:r>
               <a:rPr/>
@@ -2581,46 +3385,6 @@
             </a:r>
             <a:r>
               <a:rPr/>
-              <a:t>the</a:t>
-            </a:r>
-            <a:r>
-              <a:rPr/>
-              <a:t> </a:t>
-            </a:r>
-            <a:r>
-              <a:rPr/>
-              <a:t>number</a:t>
-            </a:r>
-            <a:r>
-              <a:rPr/>
-              <a:t> </a:t>
-            </a:r>
-            <a:r>
-              <a:rPr/>
-              <a:t>of</a:t>
-            </a:r>
-            <a:r>
-              <a:rPr/>
-              <a:t> </a:t>
-            </a:r>
-            <a:r>
-              <a:rPr/>
-              <a:t>records</a:t>
-            </a:r>
-            <a:r>
-              <a:rPr/>
-              <a:t> </a:t>
-            </a:r>
-            <a:r>
-              <a:rPr/>
-              <a:t>in</a:t>
-            </a:r>
-            <a:r>
-              <a:rPr/>
-              <a:t> </a:t>
-            </a:r>
-            <a:r>
-              <a:rPr/>
               <a:t>a</a:t>
             </a:r>
             <a:r>
@@ -2629,31 +3393,7 @@
             </a:r>
             <a:r>
               <a:rPr/>
-              <a:t>subset</a:t>
-            </a:r>
-            <a:r>
-              <a:rPr/>
-              <a:t> </a:t>
-            </a:r>
-            <a:r>
-              <a:rPr/>
-              <a:t>of</a:t>
-            </a:r>
-            <a:r>
-              <a:rPr/>
-              <a:t> </a:t>
-            </a:r>
-            <a:r>
-              <a:rPr/>
-              <a:t>your</a:t>
-            </a:r>
-            <a:r>
-              <a:rPr/>
-              <a:t> </a:t>
-            </a:r>
-            <a:r>
-              <a:rPr/>
-              <a:t>table.</a:t>
+              <a:t>range.</a:t>
             </a:r>
           </a:p>
         </p:txBody>
@@ -2751,7 +3491,463 @@
             </a:r>
             <a:r>
               <a:rPr/>
-              <a:t>function</a:t>
+              <a:t>also</a:t>
+            </a:r>
+            <a:r>
+              <a:rPr/>
+              <a:t> </a:t>
+            </a:r>
+            <a:r>
+              <a:rPr/>
+              <a:t>behaves</a:t>
+            </a:r>
+            <a:r>
+              <a:rPr/>
+              <a:t> </a:t>
+            </a:r>
+            <a:r>
+              <a:rPr/>
+              <a:t>as</a:t>
+            </a:r>
+            <a:r>
+              <a:rPr/>
+              <a:t> </a:t>
+            </a:r>
+            <a:r>
+              <a:rPr/>
+              <a:t>you’d</a:t>
+            </a:r>
+            <a:r>
+              <a:rPr/>
+              <a:t> </a:t>
+            </a:r>
+            <a:r>
+              <a:rPr/>
+              <a:t>suspect.</a:t>
+            </a:r>
+            <a:r>
+              <a:rPr/>
+              <a:t> </a:t>
+            </a:r>
+            <a:r>
+              <a:rPr/>
+              <a:t>Notice</a:t>
+            </a:r>
+            <a:r>
+              <a:rPr/>
+              <a:t> </a:t>
+            </a:r>
+            <a:r>
+              <a:rPr/>
+              <a:t>that</a:t>
+            </a:r>
+            <a:r>
+              <a:rPr/>
+              <a:t> </a:t>
+            </a:r>
+            <a:r>
+              <a:rPr/>
+              <a:t>SQL</a:t>
+            </a:r>
+            <a:r>
+              <a:rPr/>
+              <a:t> </a:t>
+            </a:r>
+            <a:r>
+              <a:rPr/>
+              <a:t>produces</a:t>
+            </a:r>
+            <a:r>
+              <a:rPr/>
+              <a:t> </a:t>
+            </a:r>
+            <a:r>
+              <a:rPr/>
+              <a:t>five</a:t>
+            </a:r>
+            <a:r>
+              <a:rPr/>
+              <a:t> </a:t>
+            </a:r>
+            <a:r>
+              <a:rPr/>
+              <a:t>decimal</a:t>
+            </a:r>
+            <a:r>
+              <a:rPr/>
+              <a:t> </a:t>
+            </a:r>
+            <a:r>
+              <a:rPr/>
+              <a:t>places</a:t>
+            </a:r>
+            <a:r>
+              <a:rPr/>
+              <a:t> </a:t>
+            </a:r>
+            <a:r>
+              <a:rPr/>
+              <a:t>for</a:t>
+            </a:r>
+            <a:r>
+              <a:rPr/>
+              <a:t> </a:t>
+            </a:r>
+            <a:r>
+              <a:rPr/>
+              <a:t>the</a:t>
+            </a:r>
+            <a:r>
+              <a:rPr/>
+              <a:t> </a:t>
+            </a:r>
+            <a:r>
+              <a:rPr/>
+              <a:t>average</a:t>
+            </a:r>
+            <a:r>
+              <a:rPr/>
+              <a:t> </a:t>
+            </a:r>
+            <a:r>
+              <a:rPr/>
+              <a:t>age.</a:t>
+            </a:r>
+            <a:r>
+              <a:rPr/>
+              <a:t> </a:t>
+            </a:r>
+            <a:r>
+              <a:rPr/>
+              <a:t>If</a:t>
+            </a:r>
+            <a:r>
+              <a:rPr/>
+              <a:t> </a:t>
+            </a:r>
+            <a:r>
+              <a:rPr/>
+              <a:t>you</a:t>
+            </a:r>
+            <a:r>
+              <a:rPr/>
+              <a:t> </a:t>
+            </a:r>
+            <a:r>
+              <a:rPr/>
+              <a:t>are</a:t>
+            </a:r>
+            <a:r>
+              <a:rPr/>
+              <a:t> </a:t>
+            </a:r>
+            <a:r>
+              <a:rPr/>
+              <a:t>using</a:t>
+            </a:r>
+            <a:r>
+              <a:rPr/>
+              <a:t> </a:t>
+            </a:r>
+            <a:r>
+              <a:rPr/>
+              <a:t>the</a:t>
+            </a:r>
+            <a:r>
+              <a:rPr/>
+              <a:t> </a:t>
+            </a:r>
+            <a:r>
+              <a:rPr/>
+              <a:t>average</a:t>
+            </a:r>
+            <a:r>
+              <a:rPr/>
+              <a:t> </a:t>
+            </a:r>
+            <a:r>
+              <a:rPr/>
+              <a:t>in</a:t>
+            </a:r>
+            <a:r>
+              <a:rPr/>
+              <a:t> </a:t>
+            </a:r>
+            <a:r>
+              <a:rPr/>
+              <a:t>some</a:t>
+            </a:r>
+            <a:r>
+              <a:rPr/>
+              <a:t> </a:t>
+            </a:r>
+            <a:r>
+              <a:rPr/>
+              <a:t>intermediate</a:t>
+            </a:r>
+            <a:r>
+              <a:rPr/>
+              <a:t> </a:t>
+            </a:r>
+            <a:r>
+              <a:rPr/>
+              <a:t>calculations,</a:t>
+            </a:r>
+            <a:r>
+              <a:rPr/>
+              <a:t> </a:t>
+            </a:r>
+            <a:r>
+              <a:rPr/>
+              <a:t>then</a:t>
+            </a:r>
+            <a:r>
+              <a:rPr/>
+              <a:t> </a:t>
+            </a:r>
+            <a:r>
+              <a:rPr/>
+              <a:t>keeping</a:t>
+            </a:r>
+            <a:r>
+              <a:rPr/>
+              <a:t> </a:t>
+            </a:r>
+            <a:r>
+              <a:rPr/>
+              <a:t>all</a:t>
+            </a:r>
+            <a:r>
+              <a:rPr/>
+              <a:t> </a:t>
+            </a:r>
+            <a:r>
+              <a:rPr/>
+              <a:t>this</a:t>
+            </a:r>
+            <a:r>
+              <a:rPr/>
+              <a:t> </a:t>
+            </a:r>
+            <a:r>
+              <a:rPr/>
+              <a:t>precision</a:t>
+            </a:r>
+            <a:r>
+              <a:rPr/>
+              <a:t> </a:t>
+            </a:r>
+            <a:r>
+              <a:rPr/>
+              <a:t>is</a:t>
+            </a:r>
+            <a:r>
+              <a:rPr/>
+              <a:t> </a:t>
+            </a:r>
+            <a:r>
+              <a:rPr/>
+              <a:t>a</a:t>
+            </a:r>
+            <a:r>
+              <a:rPr/>
+              <a:t> </a:t>
+            </a:r>
+            <a:r>
+              <a:rPr/>
+              <a:t>good</a:t>
+            </a:r>
+            <a:r>
+              <a:rPr/>
+              <a:t> </a:t>
+            </a:r>
+            <a:r>
+              <a:rPr/>
+              <a:t>idea.</a:t>
+            </a:r>
+            <a:r>
+              <a:rPr/>
+              <a:t> </a:t>
+            </a:r>
+            <a:r>
+              <a:rPr/>
+              <a:t>But</a:t>
+            </a:r>
+            <a:r>
+              <a:rPr/>
+              <a:t> </a:t>
+            </a:r>
+            <a:r>
+              <a:rPr/>
+              <a:t>if</a:t>
+            </a:r>
+            <a:r>
+              <a:rPr/>
+              <a:t> </a:t>
+            </a:r>
+            <a:r>
+              <a:rPr/>
+              <a:t>your</a:t>
+            </a:r>
+            <a:r>
+              <a:rPr/>
+              <a:t> </a:t>
+            </a:r>
+            <a:r>
+              <a:rPr/>
+              <a:t>only</a:t>
+            </a:r>
+            <a:r>
+              <a:rPr/>
+              <a:t> </a:t>
+            </a:r>
+            <a:r>
+              <a:rPr/>
+              <a:t>reason</a:t>
+            </a:r>
+            <a:r>
+              <a:rPr/>
+              <a:t> </a:t>
+            </a:r>
+            <a:r>
+              <a:rPr/>
+              <a:t>for</a:t>
+            </a:r>
+            <a:r>
+              <a:rPr/>
+              <a:t> </a:t>
+            </a:r>
+            <a:r>
+              <a:rPr/>
+              <a:t>computing</a:t>
+            </a:r>
+            <a:r>
+              <a:rPr/>
+              <a:t> </a:t>
+            </a:r>
+            <a:r>
+              <a:rPr/>
+              <a:t>the</a:t>
+            </a:r>
+            <a:r>
+              <a:rPr/>
+              <a:t> </a:t>
+            </a:r>
+            <a:r>
+              <a:rPr/>
+              <a:t>average</a:t>
+            </a:r>
+            <a:r>
+              <a:rPr/>
+              <a:t> </a:t>
+            </a:r>
+            <a:r>
+              <a:rPr/>
+              <a:t>is</a:t>
+            </a:r>
+            <a:r>
+              <a:rPr/>
+              <a:t> </a:t>
+            </a:r>
+            <a:r>
+              <a:rPr/>
+              <a:t>for</a:t>
+            </a:r>
+            <a:r>
+              <a:rPr/>
+              <a:t> </a:t>
+            </a:r>
+            <a:r>
+              <a:rPr/>
+              <a:t>displaying</a:t>
+            </a:r>
+            <a:r>
+              <a:rPr/>
+              <a:t> </a:t>
+            </a:r>
+            <a:r>
+              <a:rPr/>
+              <a:t>it’s</a:t>
+            </a:r>
+            <a:r>
+              <a:rPr/>
+              <a:t> </a:t>
+            </a:r>
+            <a:r>
+              <a:rPr/>
+              <a:t>value</a:t>
+            </a:r>
+            <a:r>
+              <a:rPr/>
+              <a:t> </a:t>
+            </a:r>
+            <a:r>
+              <a:rPr/>
+              <a:t>in</a:t>
+            </a:r>
+            <a:r>
+              <a:rPr/>
+              <a:t> </a:t>
+            </a:r>
+            <a:r>
+              <a:rPr/>
+              <a:t>a</a:t>
+            </a:r>
+            <a:r>
+              <a:rPr/>
+              <a:t> </a:t>
+            </a:r>
+            <a:r>
+              <a:rPr/>
+              <a:t>table,</a:t>
+            </a:r>
+            <a:r>
+              <a:rPr/>
+              <a:t> </a:t>
+            </a:r>
+            <a:r>
+              <a:rPr/>
+              <a:t>then</a:t>
+            </a:r>
+            <a:r>
+              <a:rPr/>
+              <a:t> </a:t>
+            </a:r>
+            <a:r>
+              <a:rPr/>
+              <a:t>you</a:t>
+            </a:r>
+            <a:r>
+              <a:rPr/>
+              <a:t> </a:t>
+            </a:r>
+            <a:r>
+              <a:rPr/>
+              <a:t>should</a:t>
+            </a:r>
+            <a:r>
+              <a:rPr/>
+              <a:t> </a:t>
+            </a:r>
+            <a:r>
+              <a:rPr/>
+              <a:t>round</a:t>
+            </a:r>
+            <a:r>
+              <a:rPr/>
+              <a:t> </a:t>
+            </a:r>
+            <a:r>
+              <a:rPr/>
+              <a:t>your</a:t>
+            </a:r>
+            <a:r>
+              <a:rPr/>
+              <a:t> </a:t>
+            </a:r>
+            <a:r>
+              <a:rPr/>
+              <a:t>results.</a:t>
             </a:r>
           </a:p>
         </p:txBody>
@@ -2773,7 +3969,7 @@
           <a:p>
             <a:fld id="{18BDFEC3-8487-43E8-A154-7C12CBC1FFF2}" type="slidenum">
               <a:rPr lang="en-US"/>
-              <a:t>10</a:t>
+              <a:t>6</a:t>
             </a:fld>
             <a:endParaRPr lang="en-US"/>
           </a:p>
@@ -2833,15 +4029,47 @@
             </a:pPr>
             <a:r>
               <a:rPr/>
-              <a:t>Here’s</a:t>
-            </a:r>
-            <a:r>
-              <a:rPr/>
-              <a:t> </a:t>
-            </a:r>
-            <a:r>
-              <a:rPr/>
-              <a:t>what</a:t>
+              <a:t>Here</a:t>
+            </a:r>
+            <a:r>
+              <a:rPr/>
+              <a:t> </a:t>
+            </a:r>
+            <a:r>
+              <a:rPr/>
+              <a:t>is</a:t>
+            </a:r>
+            <a:r>
+              <a:rPr/>
+              <a:t> </a:t>
+            </a:r>
+            <a:r>
+              <a:rPr/>
+              <a:t>how</a:t>
+            </a:r>
+            <a:r>
+              <a:rPr/>
+              <a:t> </a:t>
+            </a:r>
+            <a:r>
+              <a:rPr/>
+              <a:t>you</a:t>
+            </a:r>
+            <a:r>
+              <a:rPr/>
+              <a:t> </a:t>
+            </a:r>
+            <a:r>
+              <a:rPr/>
+              <a:t>would</a:t>
+            </a:r>
+            <a:r>
+              <a:rPr/>
+              <a:t> </a:t>
+            </a:r>
+            <a:r>
+              <a:rPr/>
+              <a:t>round</a:t>
             </a:r>
             <a:r>
               <a:rPr/>
@@ -2857,23 +4085,407 @@
             </a:r>
             <a:r>
               <a:rPr/>
-              <a:t>results</a:t>
-            </a:r>
-            <a:r>
-              <a:rPr/>
-              <a:t> </a:t>
-            </a:r>
-            <a:r>
-              <a:rPr/>
-              <a:t>looks</a:t>
-            </a:r>
-            <a:r>
-              <a:rPr/>
-              <a:t> </a:t>
-            </a:r>
-            <a:r>
-              <a:rPr/>
-              <a:t>like.</a:t>
+              <a:t>average.</a:t>
+            </a:r>
+            <a:r>
+              <a:rPr/>
+              <a:t> </a:t>
+            </a:r>
+            <a:r>
+              <a:rPr/>
+              <a:t>Note</a:t>
+            </a:r>
+            <a:r>
+              <a:rPr/>
+              <a:t> </a:t>
+            </a:r>
+            <a:r>
+              <a:rPr/>
+              <a:t>that</a:t>
+            </a:r>
+            <a:r>
+              <a:rPr/>
+              <a:t> </a:t>
+            </a:r>
+            <a:r>
+              <a:rPr/>
+              <a:t>in</a:t>
+            </a:r>
+            <a:r>
+              <a:rPr/>
+              <a:t> </a:t>
+            </a:r>
+            <a:r>
+              <a:rPr/>
+              <a:t>most</a:t>
+            </a:r>
+            <a:r>
+              <a:rPr/>
+              <a:t> </a:t>
+            </a:r>
+            <a:r>
+              <a:rPr/>
+              <a:t>settings,</a:t>
+            </a:r>
+            <a:r>
+              <a:rPr/>
+              <a:t> </a:t>
+            </a:r>
+            <a:r>
+              <a:rPr/>
+              <a:t>I</a:t>
+            </a:r>
+            <a:r>
+              <a:rPr/>
+              <a:t> </a:t>
+            </a:r>
+            <a:r>
+              <a:rPr/>
+              <a:t>would</a:t>
+            </a:r>
+            <a:r>
+              <a:rPr/>
+              <a:t> </a:t>
+            </a:r>
+            <a:r>
+              <a:rPr/>
+              <a:t>prefer</a:t>
+            </a:r>
+            <a:r>
+              <a:rPr/>
+              <a:t> </a:t>
+            </a:r>
+            <a:r>
+              <a:rPr/>
+              <a:t>to</a:t>
+            </a:r>
+            <a:r>
+              <a:rPr/>
+              <a:t> </a:t>
+            </a:r>
+            <a:r>
+              <a:rPr/>
+              <a:t>round</a:t>
+            </a:r>
+            <a:r>
+              <a:rPr/>
+              <a:t> </a:t>
+            </a:r>
+            <a:r>
+              <a:rPr/>
+              <a:t>an</a:t>
+            </a:r>
+            <a:r>
+              <a:rPr/>
+              <a:t> </a:t>
+            </a:r>
+            <a:r>
+              <a:rPr/>
+              <a:t>average</a:t>
+            </a:r>
+            <a:r>
+              <a:rPr/>
+              <a:t> </a:t>
+            </a:r>
+            <a:r>
+              <a:rPr/>
+              <a:t>age</a:t>
+            </a:r>
+            <a:r>
+              <a:rPr/>
+              <a:t> </a:t>
+            </a:r>
+            <a:r>
+              <a:rPr/>
+              <a:t>to</a:t>
+            </a:r>
+            <a:r>
+              <a:rPr/>
+              <a:t> </a:t>
+            </a:r>
+            <a:r>
+              <a:rPr/>
+              <a:t>the</a:t>
+            </a:r>
+            <a:r>
+              <a:rPr/>
+              <a:t> </a:t>
+            </a:r>
+            <a:r>
+              <a:rPr/>
+              <a:t>nearest</a:t>
+            </a:r>
+            <a:r>
+              <a:rPr/>
+              <a:t> </a:t>
+            </a:r>
+            <a:r>
+              <a:rPr/>
+              <a:t>year.</a:t>
+            </a:r>
+            <a:r>
+              <a:rPr/>
+              <a:t> </a:t>
+            </a:r>
+            <a:r>
+              <a:rPr/>
+              <a:t>No</a:t>
+            </a:r>
+            <a:r>
+              <a:rPr/>
+              <a:t> </a:t>
+            </a:r>
+            <a:r>
+              <a:rPr/>
+              <a:t>one</a:t>
+            </a:r>
+            <a:r>
+              <a:rPr/>
+              <a:t> </a:t>
+            </a:r>
+            <a:r>
+              <a:rPr/>
+              <a:t>really</a:t>
+            </a:r>
+            <a:r>
+              <a:rPr/>
+              <a:t> </a:t>
+            </a:r>
+            <a:r>
+              <a:rPr/>
+              <a:t>cares</a:t>
+            </a:r>
+            <a:r>
+              <a:rPr/>
+              <a:t> </a:t>
+            </a:r>
+            <a:r>
+              <a:rPr/>
+              <a:t>if</a:t>
+            </a:r>
+            <a:r>
+              <a:rPr/>
+              <a:t> </a:t>
+            </a:r>
+            <a:r>
+              <a:rPr/>
+              <a:t>the</a:t>
+            </a:r>
+            <a:r>
+              <a:rPr/>
+              <a:t> </a:t>
+            </a:r>
+            <a:r>
+              <a:rPr/>
+              <a:t>average</a:t>
+            </a:r>
+            <a:r>
+              <a:rPr/>
+              <a:t> </a:t>
+            </a:r>
+            <a:r>
+              <a:rPr/>
+              <a:t>age</a:t>
+            </a:r>
+            <a:r>
+              <a:rPr/>
+              <a:t> </a:t>
+            </a:r>
+            <a:r>
+              <a:rPr/>
+              <a:t>is</a:t>
+            </a:r>
+            <a:r>
+              <a:rPr/>
+              <a:t> </a:t>
+            </a:r>
+            <a:r>
+              <a:rPr/>
+              <a:t>44.9</a:t>
+            </a:r>
+            <a:r>
+              <a:rPr/>
+              <a:t> </a:t>
+            </a:r>
+            <a:r>
+              <a:rPr/>
+              <a:t>versus</a:t>
+            </a:r>
+            <a:r>
+              <a:rPr/>
+              <a:t> </a:t>
+            </a:r>
+            <a:r>
+              <a:rPr/>
+              <a:t>45.</a:t>
+            </a:r>
+            <a:r>
+              <a:rPr/>
+              <a:t> </a:t>
+            </a:r>
+            <a:r>
+              <a:rPr/>
+              <a:t>Even</a:t>
+            </a:r>
+            <a:r>
+              <a:rPr/>
+              <a:t> </a:t>
+            </a:r>
+            <a:r>
+              <a:rPr/>
+              <a:t>half</a:t>
+            </a:r>
+            <a:r>
+              <a:rPr/>
+              <a:t> </a:t>
+            </a:r>
+            <a:r>
+              <a:rPr/>
+              <a:t>a</a:t>
+            </a:r>
+            <a:r>
+              <a:rPr/>
+              <a:t> </a:t>
+            </a:r>
+            <a:r>
+              <a:rPr/>
+              <a:t>year</a:t>
+            </a:r>
+            <a:r>
+              <a:rPr/>
+              <a:t> </a:t>
+            </a:r>
+            <a:r>
+              <a:rPr/>
+              <a:t>is</a:t>
+            </a:r>
+            <a:r>
+              <a:rPr/>
+              <a:t> </a:t>
+            </a:r>
+            <a:r>
+              <a:rPr/>
+              <a:t>irrelevant</a:t>
+            </a:r>
+            <a:r>
+              <a:rPr/>
+              <a:t> </a:t>
+            </a:r>
+            <a:r>
+              <a:rPr/>
+              <a:t>unless</a:t>
+            </a:r>
+            <a:r>
+              <a:rPr/>
+              <a:t> </a:t>
+            </a:r>
+            <a:r>
+              <a:rPr/>
+              <a:t>you</a:t>
+            </a:r>
+            <a:r>
+              <a:rPr/>
+              <a:t> </a:t>
+            </a:r>
+            <a:r>
+              <a:rPr/>
+              <a:t>are</a:t>
+            </a:r>
+            <a:r>
+              <a:rPr/>
+              <a:t> </a:t>
+            </a:r>
+            <a:r>
+              <a:rPr/>
+              <a:t>talking</a:t>
+            </a:r>
+            <a:r>
+              <a:rPr/>
+              <a:t> </a:t>
+            </a:r>
+            <a:r>
+              <a:rPr/>
+              <a:t>about</a:t>
+            </a:r>
+            <a:r>
+              <a:rPr/>
+              <a:t> </a:t>
+            </a:r>
+            <a:r>
+              <a:rPr/>
+              <a:t>children.</a:t>
+            </a:r>
+            <a:r>
+              <a:rPr/>
+              <a:t> </a:t>
+            </a:r>
+            <a:r>
+              <a:rPr/>
+              <a:t>In</a:t>
+            </a:r>
+            <a:r>
+              <a:rPr/>
+              <a:t> </a:t>
+            </a:r>
+            <a:r>
+              <a:rPr/>
+              <a:t>geneal,</a:t>
+            </a:r>
+            <a:r>
+              <a:rPr/>
+              <a:t> </a:t>
+            </a:r>
+            <a:r>
+              <a:rPr/>
+              <a:t>I</a:t>
+            </a:r>
+            <a:r>
+              <a:rPr/>
+              <a:t> </a:t>
+            </a:r>
+            <a:r>
+              <a:rPr/>
+              <a:t>would</a:t>
+            </a:r>
+            <a:r>
+              <a:rPr/>
+              <a:t> </a:t>
+            </a:r>
+            <a:r>
+              <a:rPr/>
+              <a:t>encourage</a:t>
+            </a:r>
+            <a:r>
+              <a:rPr/>
+              <a:t> </a:t>
+            </a:r>
+            <a:r>
+              <a:rPr/>
+              <a:t>you</a:t>
+            </a:r>
+            <a:r>
+              <a:rPr/>
+              <a:t> </a:t>
+            </a:r>
+            <a:r>
+              <a:rPr/>
+              <a:t>to</a:t>
+            </a:r>
+            <a:r>
+              <a:rPr/>
+              <a:t> </a:t>
+            </a:r>
+            <a:r>
+              <a:rPr/>
+              <a:t>round</a:t>
+            </a:r>
+            <a:r>
+              <a:rPr/>
+              <a:t> </a:t>
+            </a:r>
+            <a:r>
+              <a:rPr/>
+              <a:t>aggressively.</a:t>
             </a:r>
           </a:p>
         </p:txBody>
@@ -2895,7 +4507,4177 @@
           <a:p>
             <a:fld id="{18BDFEC3-8487-43E8-A154-7C12CBC1FFF2}" type="slidenum">
               <a:rPr lang="en-US"/>
-              <a:t>11</a:t>
+              <a:t>7</a:t>
+            </a:fld>
+            <a:endParaRPr lang="en-US"/>
+          </a:p>
+        </p:txBody>
+      </p:sp>
+    </p:spTree>
+  </p:cSld>
+</p:notes>
+</file>
+
+<file path=ppt/notesSlides/notesSlide7.xml><?xml version="1.0" encoding="utf-8"?>
+<p:notes xmlns:a="http://schemas.openxmlformats.org/drawingml/2006/main" xmlns:r="http://schemas.openxmlformats.org/officeDocument/2006/relationships" xmlns:p="http://schemas.openxmlformats.org/presentationml/2006/main">
+  <p:cSld>
+    <p:spTree>
+      <p:nvGrpSpPr>
+        <p:cNvPr id="1" name=""/>
+        <p:cNvGrpSpPr/>
+        <p:nvPr/>
+      </p:nvGrpSpPr>
+      <p:grpSpPr>
+        <a:xfrm>
+          <a:off x="0" y="0"/>
+          <a:ext cx="0" cy="0"/>
+          <a:chOff x="0" y="0"/>
+          <a:chExt cx="0" cy="0"/>
+        </a:xfrm>
+      </p:grpSpPr>
+      <p:sp>
+        <p:nvSpPr>
+          <p:cNvPr id="2" name="Slide Image Placeholder 1"/>
+          <p:cNvSpPr>
+            <a:spLocks noGrp="1" noRot="1" noChangeAspect="1"/>
+          </p:cNvSpPr>
+          <p:nvPr>
+            <p:ph type="sldImg"/>
+          </p:nvPr>
+        </p:nvSpPr>
+        <p:spPr/>
+      </p:sp>
+      <p:sp>
+        <p:nvSpPr>
+          <p:cNvPr id="3" name="Notes Placeholder 2"/>
+          <p:cNvSpPr>
+            <a:spLocks noGrp="1"/>
+          </p:cNvSpPr>
+          <p:nvPr>
+            <p:ph type="body" idx="1"/>
+          </p:nvPr>
+        </p:nvSpPr>
+        <p:spPr/>
+        <p:txBody>
+          <a:bodyPr/>
+          <a:lstStyle/>
+          <a:p>
+            <a:pPr lvl="0" marL="0" indent="0">
+              <a:buNone/>
+            </a:pPr>
+            <a:r>
+              <a:rPr/>
+              <a:t>All</a:t>
+            </a:r>
+            <a:r>
+              <a:rPr/>
+              <a:t> </a:t>
+            </a:r>
+            <a:r>
+              <a:rPr/>
+              <a:t>of</a:t>
+            </a:r>
+            <a:r>
+              <a:rPr/>
+              <a:t> </a:t>
+            </a:r>
+            <a:r>
+              <a:rPr/>
+              <a:t>these</a:t>
+            </a:r>
+            <a:r>
+              <a:rPr/>
+              <a:t> </a:t>
+            </a:r>
+            <a:r>
+              <a:rPr/>
+              <a:t>functions,</a:t>
+            </a:r>
+            <a:r>
+              <a:rPr/>
+              <a:t> </a:t>
+            </a:r>
+            <a:r>
+              <a:rPr/>
+              <a:t>of</a:t>
+            </a:r>
+            <a:r>
+              <a:rPr/>
+              <a:t> </a:t>
+            </a:r>
+            <a:r>
+              <a:rPr/>
+              <a:t>course,</a:t>
+            </a:r>
+            <a:r>
+              <a:rPr/>
+              <a:t> </a:t>
+            </a:r>
+            <a:r>
+              <a:rPr/>
+              <a:t>are</a:t>
+            </a:r>
+            <a:r>
+              <a:rPr/>
+              <a:t> </a:t>
+            </a:r>
+            <a:r>
+              <a:rPr/>
+              <a:t>available</a:t>
+            </a:r>
+            <a:r>
+              <a:rPr/>
+              <a:t> </a:t>
+            </a:r>
+            <a:r>
+              <a:rPr/>
+              <a:t>in</a:t>
+            </a:r>
+            <a:r>
+              <a:rPr/>
+              <a:t> </a:t>
+            </a:r>
+            <a:r>
+              <a:rPr/>
+              <a:t>SAS</a:t>
+            </a:r>
+            <a:r>
+              <a:rPr/>
+              <a:t> </a:t>
+            </a:r>
+            <a:r>
+              <a:rPr/>
+              <a:t>or</a:t>
+            </a:r>
+            <a:r>
+              <a:rPr/>
+              <a:t> </a:t>
+            </a:r>
+            <a:r>
+              <a:rPr/>
+              <a:t>R.</a:t>
+            </a:r>
+            <a:r>
+              <a:rPr/>
+              <a:t> </a:t>
+            </a:r>
+            <a:r>
+              <a:rPr/>
+              <a:t>An</a:t>
+            </a:r>
+            <a:r>
+              <a:rPr/>
+              <a:t> </a:t>
+            </a:r>
+            <a:r>
+              <a:rPr/>
+              <a:t>important</a:t>
+            </a:r>
+            <a:r>
+              <a:rPr/>
+              <a:t> </a:t>
+            </a:r>
+            <a:r>
+              <a:rPr/>
+              <a:t>question</a:t>
+            </a:r>
+            <a:r>
+              <a:rPr/>
+              <a:t> </a:t>
+            </a:r>
+            <a:r>
+              <a:rPr/>
+              <a:t>if</a:t>
+            </a:r>
+            <a:r>
+              <a:rPr/>
+              <a:t> </a:t>
+            </a:r>
+            <a:r>
+              <a:rPr/>
+              <a:t>why</a:t>
+            </a:r>
+            <a:r>
+              <a:rPr/>
+              <a:t> </a:t>
+            </a:r>
+            <a:r>
+              <a:rPr/>
+              <a:t>you</a:t>
+            </a:r>
+            <a:r>
+              <a:rPr/>
+              <a:t> </a:t>
+            </a:r>
+            <a:r>
+              <a:rPr/>
+              <a:t>would</a:t>
+            </a:r>
+            <a:r>
+              <a:rPr/>
+              <a:t> </a:t>
+            </a:r>
+            <a:r>
+              <a:rPr/>
+              <a:t>use</a:t>
+            </a:r>
+            <a:r>
+              <a:rPr/>
+              <a:t> </a:t>
+            </a:r>
+            <a:r>
+              <a:rPr/>
+              <a:t>SQL</a:t>
+            </a:r>
+            <a:r>
+              <a:rPr/>
+              <a:t> </a:t>
+            </a:r>
+            <a:r>
+              <a:rPr/>
+              <a:t>to</a:t>
+            </a:r>
+            <a:r>
+              <a:rPr/>
+              <a:t> </a:t>
+            </a:r>
+            <a:r>
+              <a:rPr/>
+              <a:t>calculate</a:t>
+            </a:r>
+            <a:r>
+              <a:rPr/>
+              <a:t> </a:t>
+            </a:r>
+            <a:r>
+              <a:rPr/>
+              <a:t>these</a:t>
+            </a:r>
+            <a:r>
+              <a:rPr/>
+              <a:t> </a:t>
+            </a:r>
+            <a:r>
+              <a:rPr/>
+              <a:t>statistics</a:t>
+            </a:r>
+            <a:r>
+              <a:rPr/>
+              <a:t> </a:t>
+            </a:r>
+            <a:r>
+              <a:rPr/>
+              <a:t>instead?</a:t>
+            </a:r>
+          </a:p>
+          <a:p>
+            <a:pPr lvl="0" marL="0" indent="0">
+              <a:buNone/>
+            </a:pPr>
+          </a:p>
+          <a:p>
+            <a:pPr lvl="0" marL="0" indent="0">
+              <a:buNone/>
+            </a:pPr>
+            <a:r>
+              <a:rPr/>
+              <a:t>The</a:t>
+            </a:r>
+            <a:r>
+              <a:rPr/>
+              <a:t> </a:t>
+            </a:r>
+            <a:r>
+              <a:rPr/>
+              <a:t>biggest</a:t>
+            </a:r>
+            <a:r>
+              <a:rPr/>
+              <a:t> </a:t>
+            </a:r>
+            <a:r>
+              <a:rPr/>
+              <a:t>reason</a:t>
+            </a:r>
+            <a:r>
+              <a:rPr/>
+              <a:t> </a:t>
+            </a:r>
+            <a:r>
+              <a:rPr/>
+              <a:t>is</a:t>
+            </a:r>
+            <a:r>
+              <a:rPr/>
+              <a:t> </a:t>
+            </a:r>
+            <a:r>
+              <a:rPr/>
+              <a:t>time</a:t>
+            </a:r>
+            <a:r>
+              <a:rPr/>
+              <a:t> </a:t>
+            </a:r>
+            <a:r>
+              <a:rPr/>
+              <a:t>and</a:t>
+            </a:r>
+            <a:r>
+              <a:rPr/>
+              <a:t> </a:t>
+            </a:r>
+            <a:r>
+              <a:rPr/>
+              <a:t>space.</a:t>
+            </a:r>
+            <a:r>
+              <a:rPr/>
+              <a:t> </a:t>
+            </a:r>
+            <a:r>
+              <a:rPr/>
+              <a:t>SQL</a:t>
+            </a:r>
+            <a:r>
+              <a:rPr/>
+              <a:t> </a:t>
+            </a:r>
+            <a:r>
+              <a:rPr/>
+              <a:t>excels</a:t>
+            </a:r>
+            <a:r>
+              <a:rPr/>
+              <a:t> </a:t>
+            </a:r>
+            <a:r>
+              <a:rPr/>
+              <a:t>at</a:t>
+            </a:r>
+            <a:r>
+              <a:rPr/>
+              <a:t> </a:t>
+            </a:r>
+            <a:r>
+              <a:rPr/>
+              <a:t>managing</a:t>
+            </a:r>
+            <a:r>
+              <a:rPr/>
+              <a:t> </a:t>
+            </a:r>
+            <a:r>
+              <a:rPr/>
+              <a:t>massive</a:t>
+            </a:r>
+            <a:r>
+              <a:rPr/>
+              <a:t> </a:t>
+            </a:r>
+            <a:r>
+              <a:rPr/>
+              <a:t>amounts</a:t>
+            </a:r>
+            <a:r>
+              <a:rPr/>
+              <a:t> </a:t>
+            </a:r>
+            <a:r>
+              <a:rPr/>
+              <a:t>of</a:t>
+            </a:r>
+            <a:r>
+              <a:rPr/>
+              <a:t> </a:t>
+            </a:r>
+            <a:r>
+              <a:rPr/>
+              <a:t>data.</a:t>
+            </a:r>
+            <a:r>
+              <a:rPr/>
+              <a:t> </a:t>
+            </a:r>
+            <a:r>
+              <a:rPr/>
+              <a:t>It</a:t>
+            </a:r>
+            <a:r>
+              <a:rPr/>
+              <a:t> </a:t>
+            </a:r>
+            <a:r>
+              <a:rPr/>
+              <a:t>uses</a:t>
+            </a:r>
+            <a:r>
+              <a:rPr/>
+              <a:t> </a:t>
+            </a:r>
+            <a:r>
+              <a:rPr/>
+              <a:t>an</a:t>
+            </a:r>
+            <a:r>
+              <a:rPr/>
+              <a:t> </a:t>
+            </a:r>
+            <a:r>
+              <a:rPr/>
+              <a:t>efficent</a:t>
+            </a:r>
+            <a:r>
+              <a:rPr/>
+              <a:t> </a:t>
+            </a:r>
+            <a:r>
+              <a:rPr/>
+              <a:t>storage</a:t>
+            </a:r>
+            <a:r>
+              <a:rPr/>
+              <a:t> </a:t>
+            </a:r>
+            <a:r>
+              <a:rPr/>
+              <a:t>model</a:t>
+            </a:r>
+            <a:r>
+              <a:rPr/>
+              <a:t> </a:t>
+            </a:r>
+            <a:r>
+              <a:rPr/>
+              <a:t>and</a:t>
+            </a:r>
+            <a:r>
+              <a:rPr/>
+              <a:t> </a:t>
+            </a:r>
+            <a:r>
+              <a:rPr/>
+              <a:t>an</a:t>
+            </a:r>
+            <a:r>
+              <a:rPr/>
+              <a:t> </a:t>
+            </a:r>
+            <a:r>
+              <a:rPr/>
+              <a:t>efficient</a:t>
+            </a:r>
+            <a:r>
+              <a:rPr/>
+              <a:t> </a:t>
+            </a:r>
+            <a:r>
+              <a:rPr/>
+              <a:t>retrieval</a:t>
+            </a:r>
+            <a:r>
+              <a:rPr/>
+              <a:t> </a:t>
+            </a:r>
+            <a:r>
+              <a:rPr/>
+              <a:t>model.</a:t>
+            </a:r>
+            <a:r>
+              <a:rPr/>
+              <a:t> </a:t>
+            </a:r>
+            <a:r>
+              <a:rPr/>
+              <a:t>That’s</a:t>
+            </a:r>
+            <a:r>
+              <a:rPr/>
+              <a:t> </a:t>
+            </a:r>
+            <a:r>
+              <a:rPr/>
+              <a:t>not</a:t>
+            </a:r>
+            <a:r>
+              <a:rPr/>
+              <a:t> </a:t>
+            </a:r>
+            <a:r>
+              <a:rPr/>
+              <a:t>to</a:t>
+            </a:r>
+            <a:r>
+              <a:rPr/>
+              <a:t> </a:t>
+            </a:r>
+            <a:r>
+              <a:rPr/>
+              <a:t>say</a:t>
+            </a:r>
+            <a:r>
+              <a:rPr/>
+              <a:t> </a:t>
+            </a:r>
+            <a:r>
+              <a:rPr/>
+              <a:t>that</a:t>
+            </a:r>
+            <a:r>
+              <a:rPr/>
+              <a:t> </a:t>
+            </a:r>
+            <a:r>
+              <a:rPr/>
+              <a:t>the</a:t>
+            </a:r>
+            <a:r>
+              <a:rPr/>
+              <a:t> </a:t>
+            </a:r>
+            <a:r>
+              <a:rPr/>
+              <a:t>storage</a:t>
+            </a:r>
+            <a:r>
+              <a:rPr/>
+              <a:t> </a:t>
+            </a:r>
+            <a:r>
+              <a:rPr/>
+              <a:t>and</a:t>
+            </a:r>
+            <a:r>
+              <a:rPr/>
+              <a:t> </a:t>
+            </a:r>
+            <a:r>
+              <a:rPr/>
+              <a:t>retrieval</a:t>
+            </a:r>
+            <a:r>
+              <a:rPr/>
+              <a:t> </a:t>
+            </a:r>
+            <a:r>
+              <a:rPr/>
+              <a:t>models</a:t>
+            </a:r>
+            <a:r>
+              <a:rPr/>
+              <a:t> </a:t>
+            </a:r>
+            <a:r>
+              <a:rPr/>
+              <a:t>in</a:t>
+            </a:r>
+            <a:r>
+              <a:rPr/>
+              <a:t> </a:t>
+            </a:r>
+            <a:r>
+              <a:rPr/>
+              <a:t>SAS</a:t>
+            </a:r>
+            <a:r>
+              <a:rPr/>
+              <a:t> </a:t>
+            </a:r>
+            <a:r>
+              <a:rPr/>
+              <a:t>and</a:t>
+            </a:r>
+            <a:r>
+              <a:rPr/>
+              <a:t> </a:t>
+            </a:r>
+            <a:r>
+              <a:rPr/>
+              <a:t>R</a:t>
+            </a:r>
+            <a:r>
+              <a:rPr/>
+              <a:t> </a:t>
+            </a:r>
+            <a:r>
+              <a:rPr/>
+              <a:t>are</a:t>
+            </a:r>
+            <a:r>
+              <a:rPr/>
+              <a:t> </a:t>
+            </a:r>
+            <a:r>
+              <a:rPr/>
+              <a:t>substandard.</a:t>
+            </a:r>
+            <a:r>
+              <a:rPr/>
+              <a:t> </a:t>
+            </a:r>
+            <a:r>
+              <a:rPr/>
+              <a:t>It’s</a:t>
+            </a:r>
+            <a:r>
+              <a:rPr/>
+              <a:t> </a:t>
+            </a:r>
+            <a:r>
+              <a:rPr/>
+              <a:t>just</a:t>
+            </a:r>
+            <a:r>
+              <a:rPr/>
+              <a:t> </a:t>
+            </a:r>
+            <a:r>
+              <a:rPr/>
+              <a:t>that</a:t>
+            </a:r>
+            <a:r>
+              <a:rPr/>
+              <a:t> </a:t>
+            </a:r>
+            <a:r>
+              <a:rPr/>
+              <a:t>SQL</a:t>
+            </a:r>
+            <a:r>
+              <a:rPr/>
+              <a:t> </a:t>
+            </a:r>
+            <a:r>
+              <a:rPr/>
+              <a:t>has</a:t>
+            </a:r>
+            <a:r>
+              <a:rPr/>
+              <a:t> </a:t>
+            </a:r>
+            <a:r>
+              <a:rPr/>
+              <a:t>been</a:t>
+            </a:r>
+            <a:r>
+              <a:rPr/>
+              <a:t> </a:t>
+            </a:r>
+            <a:r>
+              <a:rPr/>
+              <a:t>designed</a:t>
+            </a:r>
+            <a:r>
+              <a:rPr/>
+              <a:t> </a:t>
+            </a:r>
+            <a:r>
+              <a:rPr/>
+              <a:t>from</a:t>
+            </a:r>
+            <a:r>
+              <a:rPr/>
+              <a:t> </a:t>
+            </a:r>
+            <a:r>
+              <a:rPr/>
+              <a:t>the</a:t>
+            </a:r>
+            <a:r>
+              <a:rPr/>
+              <a:t> </a:t>
+            </a:r>
+            <a:r>
+              <a:rPr/>
+              <a:t>ground</a:t>
+            </a:r>
+            <a:r>
+              <a:rPr/>
+              <a:t> </a:t>
+            </a:r>
+            <a:r>
+              <a:rPr/>
+              <a:t>up</a:t>
+            </a:r>
+            <a:r>
+              <a:rPr/>
+              <a:t> </a:t>
+            </a:r>
+            <a:r>
+              <a:rPr/>
+              <a:t>to</a:t>
+            </a:r>
+            <a:r>
+              <a:rPr/>
+              <a:t> </a:t>
+            </a:r>
+            <a:r>
+              <a:rPr/>
+              <a:t>handle</a:t>
+            </a:r>
+            <a:r>
+              <a:rPr/>
+              <a:t> </a:t>
+            </a:r>
+            <a:r>
+              <a:rPr/>
+              <a:t>massive</a:t>
+            </a:r>
+            <a:r>
+              <a:rPr/>
+              <a:t> </a:t>
+            </a:r>
+            <a:r>
+              <a:rPr/>
+              <a:t>amounts</a:t>
+            </a:r>
+            <a:r>
+              <a:rPr/>
+              <a:t> </a:t>
+            </a:r>
+            <a:r>
+              <a:rPr/>
+              <a:t>of</a:t>
+            </a:r>
+            <a:r>
+              <a:rPr/>
+              <a:t> </a:t>
+            </a:r>
+            <a:r>
+              <a:rPr/>
+              <a:t>data.</a:t>
+            </a:r>
+            <a:r>
+              <a:rPr/>
+              <a:t> </a:t>
+            </a:r>
+            <a:r>
+              <a:rPr/>
+              <a:t>It</a:t>
+            </a:r>
+            <a:r>
+              <a:rPr/>
+              <a:t> </a:t>
+            </a:r>
+            <a:r>
+              <a:rPr/>
+              <a:t>does</a:t>
+            </a:r>
+            <a:r>
+              <a:rPr/>
+              <a:t> </a:t>
+            </a:r>
+            <a:r>
+              <a:rPr/>
+              <a:t>a</a:t>
+            </a:r>
+            <a:r>
+              <a:rPr/>
+              <a:t> </a:t>
+            </a:r>
+            <a:r>
+              <a:rPr/>
+              <a:t>lot</a:t>
+            </a:r>
+            <a:r>
+              <a:rPr/>
+              <a:t> </a:t>
+            </a:r>
+            <a:r>
+              <a:rPr/>
+              <a:t>of</a:t>
+            </a:r>
+            <a:r>
+              <a:rPr/>
+              <a:t> </a:t>
+            </a:r>
+            <a:r>
+              <a:rPr/>
+              <a:t>things</a:t>
+            </a:r>
+            <a:r>
+              <a:rPr/>
+              <a:t> </a:t>
+            </a:r>
+            <a:r>
+              <a:rPr/>
+              <a:t>behind</a:t>
+            </a:r>
+            <a:r>
+              <a:rPr/>
+              <a:t> </a:t>
+            </a:r>
+            <a:r>
+              <a:rPr/>
+              <a:t>the</a:t>
+            </a:r>
+            <a:r>
+              <a:rPr/>
+              <a:t> </a:t>
+            </a:r>
+            <a:r>
+              <a:rPr/>
+              <a:t>scenes</a:t>
+            </a:r>
+            <a:r>
+              <a:rPr/>
+              <a:t> </a:t>
+            </a:r>
+            <a:r>
+              <a:rPr/>
+              <a:t>to</a:t>
+            </a:r>
+            <a:r>
+              <a:rPr/>
+              <a:t> </a:t>
+            </a:r>
+            <a:r>
+              <a:rPr/>
+              <a:t>speed</a:t>
+            </a:r>
+            <a:r>
+              <a:rPr/>
+              <a:t> </a:t>
+            </a:r>
+            <a:r>
+              <a:rPr/>
+              <a:t>things</a:t>
+            </a:r>
+            <a:r>
+              <a:rPr/>
+              <a:t> </a:t>
+            </a:r>
+            <a:r>
+              <a:rPr/>
+              <a:t>up.</a:t>
+            </a:r>
+          </a:p>
+          <a:p>
+            <a:pPr lvl="0" marL="0" indent="0">
+              <a:buNone/>
+            </a:pPr>
+          </a:p>
+          <a:p>
+            <a:pPr lvl="0" marL="0" indent="0">
+              <a:buNone/>
+            </a:pPr>
+            <a:r>
+              <a:rPr/>
+              <a:t>There</a:t>
+            </a:r>
+            <a:r>
+              <a:rPr/>
+              <a:t> </a:t>
+            </a:r>
+            <a:r>
+              <a:rPr/>
+              <a:t>may</a:t>
+            </a:r>
+            <a:r>
+              <a:rPr/>
+              <a:t> </a:t>
+            </a:r>
+            <a:r>
+              <a:rPr/>
+              <a:t>be</a:t>
+            </a:r>
+            <a:r>
+              <a:rPr/>
+              <a:t> </a:t>
+            </a:r>
+            <a:r>
+              <a:rPr/>
+              <a:t>advantages</a:t>
+            </a:r>
+            <a:r>
+              <a:rPr/>
+              <a:t> </a:t>
+            </a:r>
+            <a:r>
+              <a:rPr/>
+              <a:t>from</a:t>
+            </a:r>
+            <a:r>
+              <a:rPr/>
+              <a:t> </a:t>
+            </a:r>
+            <a:r>
+              <a:rPr/>
+              <a:t>the</a:t>
+            </a:r>
+            <a:r>
+              <a:rPr/>
+              <a:t> </a:t>
+            </a:r>
+            <a:r>
+              <a:rPr/>
+              <a:t>hardware</a:t>
+            </a:r>
+            <a:r>
+              <a:rPr/>
+              <a:t> </a:t>
+            </a:r>
+            <a:r>
+              <a:rPr/>
+              <a:t>end</a:t>
+            </a:r>
+            <a:r>
+              <a:rPr/>
+              <a:t> </a:t>
+            </a:r>
+            <a:r>
+              <a:rPr/>
+              <a:t>as</a:t>
+            </a:r>
+            <a:r>
+              <a:rPr/>
+              <a:t> </a:t>
+            </a:r>
+            <a:r>
+              <a:rPr/>
+              <a:t>well.</a:t>
+            </a:r>
+            <a:r>
+              <a:rPr/>
+              <a:t> </a:t>
+            </a:r>
+            <a:r>
+              <a:rPr/>
+              <a:t>When</a:t>
+            </a:r>
+            <a:r>
+              <a:rPr/>
+              <a:t> </a:t>
+            </a:r>
+            <a:r>
+              <a:rPr/>
+              <a:t>you</a:t>
+            </a:r>
+            <a:r>
+              <a:rPr/>
+              <a:t> </a:t>
+            </a:r>
+            <a:r>
+              <a:rPr/>
+              <a:t>run</a:t>
+            </a:r>
+            <a:r>
+              <a:rPr/>
+              <a:t> </a:t>
+            </a:r>
+            <a:r>
+              <a:rPr/>
+              <a:t>a</a:t>
+            </a:r>
+            <a:r>
+              <a:rPr/>
+              <a:t> </a:t>
+            </a:r>
+            <a:r>
+              <a:rPr/>
+              <a:t>database</a:t>
+            </a:r>
+            <a:r>
+              <a:rPr/>
+              <a:t> </a:t>
+            </a:r>
+            <a:r>
+              <a:rPr/>
+              <a:t>query,</a:t>
+            </a:r>
+            <a:r>
+              <a:rPr/>
+              <a:t> </a:t>
+            </a:r>
+            <a:r>
+              <a:rPr/>
+              <a:t>you</a:t>
+            </a:r>
+            <a:r>
+              <a:rPr/>
+              <a:t> </a:t>
+            </a:r>
+            <a:r>
+              <a:rPr/>
+              <a:t>send</a:t>
+            </a:r>
+            <a:r>
+              <a:rPr/>
+              <a:t> </a:t>
+            </a:r>
+            <a:r>
+              <a:rPr/>
+              <a:t>a</a:t>
+            </a:r>
+            <a:r>
+              <a:rPr/>
+              <a:t> </a:t>
+            </a:r>
+            <a:r>
+              <a:rPr/>
+              <a:t>request</a:t>
+            </a:r>
+            <a:r>
+              <a:rPr/>
+              <a:t> </a:t>
+            </a:r>
+            <a:r>
+              <a:rPr/>
+              <a:t>from</a:t>
+            </a:r>
+            <a:r>
+              <a:rPr/>
+              <a:t> </a:t>
+            </a:r>
+            <a:r>
+              <a:rPr/>
+              <a:t>your</a:t>
+            </a:r>
+            <a:r>
+              <a:rPr/>
+              <a:t> </a:t>
+            </a:r>
+            <a:r>
+              <a:rPr/>
+              <a:t>client</a:t>
+            </a:r>
+            <a:r>
+              <a:rPr/>
+              <a:t> </a:t>
+            </a:r>
+            <a:r>
+              <a:rPr/>
+              <a:t>computer,</a:t>
+            </a:r>
+            <a:r>
+              <a:rPr/>
+              <a:t> </a:t>
+            </a:r>
+            <a:r>
+              <a:rPr/>
+              <a:t>which</a:t>
+            </a:r>
+            <a:r>
+              <a:rPr/>
+              <a:t> </a:t>
+            </a:r>
+            <a:r>
+              <a:rPr/>
+              <a:t>may</a:t>
+            </a:r>
+            <a:r>
+              <a:rPr/>
+              <a:t> </a:t>
+            </a:r>
+            <a:r>
+              <a:rPr/>
+              <a:t>be</a:t>
+            </a:r>
+            <a:r>
+              <a:rPr/>
+              <a:t> </a:t>
+            </a:r>
+            <a:r>
+              <a:rPr/>
+              <a:t>a</a:t>
+            </a:r>
+            <a:r>
+              <a:rPr/>
+              <a:t> </a:t>
+            </a:r>
+            <a:r>
+              <a:rPr/>
+              <a:t>humble</a:t>
+            </a:r>
+            <a:r>
+              <a:rPr/>
+              <a:t> </a:t>
+            </a:r>
+            <a:r>
+              <a:rPr/>
+              <a:t>desktop</a:t>
+            </a:r>
+            <a:r>
+              <a:rPr/>
+              <a:t> </a:t>
+            </a:r>
+            <a:r>
+              <a:rPr/>
+              <a:t>or</a:t>
+            </a:r>
+            <a:r>
+              <a:rPr/>
+              <a:t> </a:t>
+            </a:r>
+            <a:r>
+              <a:rPr/>
+              <a:t>laptop</a:t>
+            </a:r>
+            <a:r>
+              <a:rPr/>
+              <a:t> </a:t>
+            </a:r>
+            <a:r>
+              <a:rPr/>
+              <a:t>computer</a:t>
+            </a:r>
+            <a:r>
+              <a:rPr/>
+              <a:t> </a:t>
+            </a:r>
+            <a:r>
+              <a:rPr/>
+              <a:t>to</a:t>
+            </a:r>
+            <a:r>
+              <a:rPr/>
+              <a:t> </a:t>
+            </a:r>
+            <a:r>
+              <a:rPr/>
+              <a:t>a</a:t>
+            </a:r>
+            <a:r>
+              <a:rPr/>
+              <a:t> </a:t>
+            </a:r>
+            <a:r>
+              <a:rPr/>
+              <a:t>power</a:t>
+            </a:r>
+            <a:r>
+              <a:rPr/>
+              <a:t> </a:t>
+            </a:r>
+            <a:r>
+              <a:rPr/>
+              <a:t>server</a:t>
+            </a:r>
+            <a:r>
+              <a:rPr/>
+              <a:t> </a:t>
+            </a:r>
+            <a:r>
+              <a:rPr/>
+              <a:t>computer</a:t>
+            </a:r>
+            <a:r>
+              <a:rPr/>
+              <a:t> </a:t>
+            </a:r>
+            <a:r>
+              <a:rPr/>
+              <a:t>with</a:t>
+            </a:r>
+            <a:r>
+              <a:rPr/>
+              <a:t> </a:t>
+            </a:r>
+            <a:r>
+              <a:rPr/>
+              <a:t>multiple</a:t>
+            </a:r>
+            <a:r>
+              <a:rPr/>
+              <a:t> </a:t>
+            </a:r>
+            <a:r>
+              <a:rPr/>
+              <a:t>processors</a:t>
+            </a:r>
+            <a:r>
+              <a:rPr/>
+              <a:t> </a:t>
+            </a:r>
+            <a:r>
+              <a:rPr/>
+              <a:t>and</a:t>
+            </a:r>
+            <a:r>
+              <a:rPr/>
+              <a:t> </a:t>
+            </a:r>
+            <a:r>
+              <a:rPr/>
+              <a:t>massive</a:t>
+            </a:r>
+            <a:r>
+              <a:rPr/>
+              <a:t> </a:t>
+            </a:r>
+            <a:r>
+              <a:rPr/>
+              <a:t>storage</a:t>
+            </a:r>
+            <a:r>
+              <a:rPr/>
+              <a:t> </a:t>
+            </a:r>
+            <a:r>
+              <a:rPr/>
+              <a:t>systems</a:t>
+            </a:r>
+            <a:r>
+              <a:rPr/>
+              <a:t> </a:t>
+            </a:r>
+            <a:r>
+              <a:rPr/>
+              <a:t>that</a:t>
+            </a:r>
+            <a:r>
+              <a:rPr/>
+              <a:t> </a:t>
+            </a:r>
+            <a:r>
+              <a:rPr/>
+              <a:t>run</a:t>
+            </a:r>
+            <a:r>
+              <a:rPr/>
+              <a:t> </a:t>
+            </a:r>
+            <a:r>
+              <a:rPr/>
+              <a:t>in</a:t>
+            </a:r>
+            <a:r>
+              <a:rPr/>
+              <a:t> </a:t>
+            </a:r>
+            <a:r>
+              <a:rPr/>
+              <a:t>parallel.</a:t>
+            </a:r>
+          </a:p>
+          <a:p>
+            <a:pPr lvl="0" marL="0" indent="0">
+              <a:buNone/>
+            </a:pPr>
+          </a:p>
+          <a:p>
+            <a:pPr lvl="0" marL="0" indent="0">
+              <a:buNone/>
+            </a:pPr>
+            <a:r>
+              <a:rPr/>
+              <a:t>There</a:t>
+            </a:r>
+            <a:r>
+              <a:rPr/>
+              <a:t> </a:t>
+            </a:r>
+            <a:r>
+              <a:rPr/>
+              <a:t>are</a:t>
+            </a:r>
+            <a:r>
+              <a:rPr/>
+              <a:t> </a:t>
+            </a:r>
+            <a:r>
+              <a:rPr/>
+              <a:t>exceptions,</a:t>
+            </a:r>
+            <a:r>
+              <a:rPr/>
+              <a:t> </a:t>
+            </a:r>
+            <a:r>
+              <a:rPr/>
+              <a:t>but</a:t>
+            </a:r>
+            <a:r>
+              <a:rPr/>
+              <a:t> </a:t>
+            </a:r>
+            <a:r>
+              <a:rPr/>
+              <a:t>any</a:t>
+            </a:r>
+            <a:r>
+              <a:rPr/>
+              <a:t> </a:t>
+            </a:r>
+            <a:r>
+              <a:rPr/>
+              <a:t>data</a:t>
+            </a:r>
+            <a:r>
+              <a:rPr/>
+              <a:t> </a:t>
+            </a:r>
+            <a:r>
+              <a:rPr/>
+              <a:t>management</a:t>
+            </a:r>
+            <a:r>
+              <a:rPr/>
+              <a:t> </a:t>
+            </a:r>
+            <a:r>
+              <a:rPr/>
+              <a:t>work</a:t>
+            </a:r>
+            <a:r>
+              <a:rPr/>
+              <a:t> </a:t>
+            </a:r>
+            <a:r>
+              <a:rPr/>
+              <a:t>that</a:t>
+            </a:r>
+            <a:r>
+              <a:rPr/>
+              <a:t> </a:t>
+            </a:r>
+            <a:r>
+              <a:rPr/>
+              <a:t>you</a:t>
+            </a:r>
+            <a:r>
+              <a:rPr/>
+              <a:t> </a:t>
+            </a:r>
+            <a:r>
+              <a:rPr/>
+              <a:t>can</a:t>
+            </a:r>
+            <a:r>
+              <a:rPr/>
+              <a:t> </a:t>
+            </a:r>
+            <a:r>
+              <a:rPr/>
+              <a:t>do</a:t>
+            </a:r>
+            <a:r>
+              <a:rPr/>
+              <a:t> </a:t>
+            </a:r>
+            <a:r>
+              <a:rPr/>
+              <a:t>in</a:t>
+            </a:r>
+            <a:r>
+              <a:rPr/>
+              <a:t> </a:t>
+            </a:r>
+            <a:r>
+              <a:rPr/>
+              <a:t>SQL</a:t>
+            </a:r>
+            <a:r>
+              <a:rPr/>
+              <a:t> </a:t>
+            </a:r>
+            <a:r>
+              <a:rPr/>
+              <a:t>will</a:t>
+            </a:r>
+            <a:r>
+              <a:rPr/>
+              <a:t> </a:t>
+            </a:r>
+            <a:r>
+              <a:rPr/>
+              <a:t>usually</a:t>
+            </a:r>
+            <a:r>
+              <a:rPr/>
+              <a:t> </a:t>
+            </a:r>
+            <a:r>
+              <a:rPr/>
+              <a:t>lead</a:t>
+            </a:r>
+            <a:r>
+              <a:rPr/>
+              <a:t> </a:t>
+            </a:r>
+            <a:r>
+              <a:rPr/>
+              <a:t>to</a:t>
+            </a:r>
+            <a:r>
+              <a:rPr/>
+              <a:t> </a:t>
+            </a:r>
+            <a:r>
+              <a:rPr/>
+              <a:t>savings</a:t>
+            </a:r>
+            <a:r>
+              <a:rPr/>
+              <a:t> </a:t>
+            </a:r>
+            <a:r>
+              <a:rPr/>
+              <a:t>in</a:t>
+            </a:r>
+            <a:r>
+              <a:rPr/>
+              <a:t> </a:t>
+            </a:r>
+            <a:r>
+              <a:rPr/>
+              <a:t>time.</a:t>
+            </a:r>
+          </a:p>
+          <a:p>
+            <a:pPr lvl="0" marL="0" indent="0">
+              <a:buNone/>
+            </a:pPr>
+          </a:p>
+          <a:p>
+            <a:pPr lvl="0" marL="0" indent="0">
+              <a:buNone/>
+            </a:pPr>
+            <a:r>
+              <a:rPr/>
+              <a:t>Storage</a:t>
+            </a:r>
+            <a:r>
+              <a:rPr/>
+              <a:t> </a:t>
+            </a:r>
+            <a:r>
+              <a:rPr/>
+              <a:t>is</a:t>
+            </a:r>
+            <a:r>
+              <a:rPr/>
+              <a:t> </a:t>
+            </a:r>
+            <a:r>
+              <a:rPr/>
+              <a:t>also</a:t>
+            </a:r>
+            <a:r>
+              <a:rPr/>
+              <a:t> </a:t>
+            </a:r>
+            <a:r>
+              <a:rPr/>
+              <a:t>a</a:t>
+            </a:r>
+            <a:r>
+              <a:rPr/>
+              <a:t> </a:t>
+            </a:r>
+            <a:r>
+              <a:rPr/>
+              <a:t>consideration.</a:t>
+            </a:r>
+            <a:r>
+              <a:rPr/>
+              <a:t> </a:t>
+            </a:r>
+            <a:r>
+              <a:rPr/>
+              <a:t>All</a:t>
+            </a:r>
+            <a:r>
+              <a:rPr/>
+              <a:t> </a:t>
+            </a:r>
+            <a:r>
+              <a:rPr/>
+              <a:t>the</a:t>
+            </a:r>
+            <a:r>
+              <a:rPr/>
+              <a:t> </a:t>
+            </a:r>
+            <a:r>
+              <a:rPr/>
+              <a:t>examples</a:t>
+            </a:r>
+            <a:r>
+              <a:rPr/>
+              <a:t> </a:t>
+            </a:r>
+            <a:r>
+              <a:rPr/>
+              <a:t>that</a:t>
+            </a:r>
+            <a:r>
+              <a:rPr/>
+              <a:t> </a:t>
+            </a:r>
+            <a:r>
+              <a:rPr/>
+              <a:t>you’ve</a:t>
+            </a:r>
+            <a:r>
+              <a:rPr/>
+              <a:t> </a:t>
+            </a:r>
+            <a:r>
+              <a:rPr/>
+              <a:t>seen</a:t>
+            </a:r>
+            <a:r>
+              <a:rPr/>
+              <a:t> </a:t>
+            </a:r>
+            <a:r>
+              <a:rPr/>
+              <a:t>in</a:t>
+            </a:r>
+            <a:r>
+              <a:rPr/>
+              <a:t> </a:t>
+            </a:r>
+            <a:r>
+              <a:rPr/>
+              <a:t>this</a:t>
+            </a:r>
+            <a:r>
+              <a:rPr/>
+              <a:t> </a:t>
+            </a:r>
+            <a:r>
+              <a:rPr/>
+              <a:t>class</a:t>
+            </a:r>
+            <a:r>
+              <a:rPr/>
+              <a:t> </a:t>
+            </a:r>
+            <a:r>
+              <a:rPr/>
+              <a:t>involve</a:t>
+            </a:r>
+            <a:r>
+              <a:rPr/>
+              <a:t> </a:t>
+            </a:r>
+            <a:r>
+              <a:rPr/>
+              <a:t>just</a:t>
+            </a:r>
+            <a:r>
+              <a:rPr/>
+              <a:t> </a:t>
+            </a:r>
+            <a:r>
+              <a:rPr/>
+              <a:t>a</a:t>
+            </a:r>
+            <a:r>
+              <a:rPr/>
+              <a:t> </a:t>
+            </a:r>
+            <a:r>
+              <a:rPr/>
+              <a:t>few</a:t>
+            </a:r>
+            <a:r>
+              <a:rPr/>
+              <a:t> </a:t>
+            </a:r>
+            <a:r>
+              <a:rPr/>
+              <a:t>dozen</a:t>
+            </a:r>
+            <a:r>
+              <a:rPr/>
+              <a:t> </a:t>
+            </a:r>
+            <a:r>
+              <a:rPr/>
+              <a:t>or</a:t>
+            </a:r>
+            <a:r>
+              <a:rPr/>
+              <a:t> </a:t>
+            </a:r>
+            <a:r>
+              <a:rPr/>
+              <a:t>maybe</a:t>
+            </a:r>
+            <a:r>
+              <a:rPr/>
+              <a:t> </a:t>
+            </a:r>
+            <a:r>
+              <a:rPr/>
+              <a:t>a</a:t>
+            </a:r>
+            <a:r>
+              <a:rPr/>
+              <a:t> </a:t>
+            </a:r>
+            <a:r>
+              <a:rPr/>
+              <a:t>few</a:t>
+            </a:r>
+            <a:r>
+              <a:rPr/>
+              <a:t> </a:t>
+            </a:r>
+            <a:r>
+              <a:rPr/>
+              <a:t>hundred</a:t>
+            </a:r>
+            <a:r>
+              <a:rPr/>
+              <a:t> </a:t>
+            </a:r>
+            <a:r>
+              <a:rPr/>
+              <a:t>records,</a:t>
+            </a:r>
+            <a:r>
+              <a:rPr/>
+              <a:t> </a:t>
+            </a:r>
+            <a:r>
+              <a:rPr/>
+              <a:t>but</a:t>
+            </a:r>
+            <a:r>
+              <a:rPr/>
+              <a:t> </a:t>
+            </a:r>
+            <a:r>
+              <a:rPr/>
+              <a:t>in</a:t>
+            </a:r>
+            <a:r>
+              <a:rPr/>
+              <a:t> </a:t>
+            </a:r>
+            <a:r>
+              <a:rPr/>
+              <a:t>the</a:t>
+            </a:r>
+            <a:r>
+              <a:rPr/>
+              <a:t> </a:t>
+            </a:r>
+            <a:r>
+              <a:rPr/>
+              <a:t>real</a:t>
+            </a:r>
+            <a:r>
+              <a:rPr/>
+              <a:t> </a:t>
+            </a:r>
+            <a:r>
+              <a:rPr/>
+              <a:t>world,</a:t>
+            </a:r>
+            <a:r>
+              <a:rPr/>
+              <a:t> </a:t>
+            </a:r>
+            <a:r>
+              <a:rPr/>
+              <a:t>your</a:t>
+            </a:r>
+            <a:r>
+              <a:rPr/>
+              <a:t> </a:t>
+            </a:r>
+            <a:r>
+              <a:rPr/>
+              <a:t>database</a:t>
+            </a:r>
+            <a:r>
+              <a:rPr/>
+              <a:t> </a:t>
+            </a:r>
+            <a:r>
+              <a:rPr/>
+              <a:t>may</a:t>
+            </a:r>
+            <a:r>
+              <a:rPr/>
+              <a:t> </a:t>
+            </a:r>
+            <a:r>
+              <a:rPr/>
+              <a:t>contain</a:t>
+            </a:r>
+            <a:r>
+              <a:rPr/>
+              <a:t> </a:t>
+            </a:r>
+            <a:r>
+              <a:rPr/>
+              <a:t>millions</a:t>
+            </a:r>
+            <a:r>
+              <a:rPr/>
+              <a:t> </a:t>
+            </a:r>
+            <a:r>
+              <a:rPr/>
+              <a:t>or</a:t>
+            </a:r>
+            <a:r>
+              <a:rPr/>
+              <a:t> </a:t>
+            </a:r>
+            <a:r>
+              <a:rPr/>
+              <a:t>even</a:t>
+            </a:r>
+            <a:r>
+              <a:rPr/>
+              <a:t> </a:t>
+            </a:r>
+            <a:r>
+              <a:rPr/>
+              <a:t>billions</a:t>
+            </a:r>
+            <a:r>
+              <a:rPr/>
+              <a:t> </a:t>
+            </a:r>
+            <a:r>
+              <a:rPr/>
+              <a:t>of</a:t>
+            </a:r>
+            <a:r>
+              <a:rPr/>
+              <a:t> </a:t>
+            </a:r>
+            <a:r>
+              <a:rPr/>
+              <a:t>records.</a:t>
+            </a:r>
+            <a:r>
+              <a:rPr/>
+              <a:t> </a:t>
+            </a:r>
+            <a:r>
+              <a:rPr/>
+              <a:t>This</a:t>
+            </a:r>
+            <a:r>
+              <a:rPr/>
+              <a:t> </a:t>
+            </a:r>
+            <a:r>
+              <a:rPr/>
+              <a:t>amount</a:t>
+            </a:r>
+            <a:r>
+              <a:rPr/>
+              <a:t> </a:t>
+            </a:r>
+            <a:r>
+              <a:rPr/>
+              <a:t>of</a:t>
+            </a:r>
+            <a:r>
+              <a:rPr/>
+              <a:t> </a:t>
+            </a:r>
+            <a:r>
+              <a:rPr/>
+              <a:t>data</a:t>
+            </a:r>
+            <a:r>
+              <a:rPr/>
+              <a:t> </a:t>
+            </a:r>
+            <a:r>
+              <a:rPr/>
+              <a:t>would</a:t>
+            </a:r>
+            <a:r>
+              <a:rPr/>
+              <a:t> </a:t>
+            </a:r>
+            <a:r>
+              <a:rPr/>
+              <a:t>not</a:t>
+            </a:r>
+            <a:r>
+              <a:rPr/>
+              <a:t> </a:t>
+            </a:r>
+            <a:r>
+              <a:rPr/>
+              <a:t>fit</a:t>
+            </a:r>
+            <a:r>
+              <a:rPr/>
+              <a:t> </a:t>
+            </a:r>
+            <a:r>
+              <a:rPr/>
+              <a:t>on</a:t>
+            </a:r>
+            <a:r>
+              <a:rPr/>
+              <a:t> </a:t>
+            </a:r>
+            <a:r>
+              <a:rPr/>
+              <a:t>your</a:t>
+            </a:r>
+            <a:r>
+              <a:rPr/>
+              <a:t> </a:t>
+            </a:r>
+            <a:r>
+              <a:rPr/>
+              <a:t>local</a:t>
+            </a:r>
+            <a:r>
+              <a:rPr/>
+              <a:t> </a:t>
+            </a:r>
+            <a:r>
+              <a:rPr/>
+              <a:t>computer,</a:t>
+            </a:r>
+            <a:r>
+              <a:rPr/>
+              <a:t> </a:t>
+            </a:r>
+            <a:r>
+              <a:rPr/>
+              <a:t>and</a:t>
+            </a:r>
+            <a:r>
+              <a:rPr/>
+              <a:t> </a:t>
+            </a:r>
+            <a:r>
+              <a:rPr/>
+              <a:t>even</a:t>
+            </a:r>
+            <a:r>
+              <a:rPr/>
+              <a:t> </a:t>
+            </a:r>
+            <a:r>
+              <a:rPr/>
+              <a:t>if</a:t>
+            </a:r>
+            <a:r>
+              <a:rPr/>
+              <a:t> </a:t>
+            </a:r>
+            <a:r>
+              <a:rPr/>
+              <a:t>it</a:t>
+            </a:r>
+            <a:r>
+              <a:rPr/>
+              <a:t> </a:t>
+            </a:r>
+            <a:r>
+              <a:rPr/>
+              <a:t>did,</a:t>
+            </a:r>
+            <a:r>
+              <a:rPr/>
+              <a:t> </a:t>
+            </a:r>
+            <a:r>
+              <a:rPr/>
+              <a:t>you</a:t>
+            </a:r>
+            <a:r>
+              <a:rPr/>
+              <a:t> </a:t>
+            </a:r>
+            <a:r>
+              <a:rPr/>
+              <a:t>would</a:t>
+            </a:r>
+            <a:r>
+              <a:rPr/>
+              <a:t> </a:t>
+            </a:r>
+            <a:r>
+              <a:rPr/>
+              <a:t>have</a:t>
+            </a:r>
+            <a:r>
+              <a:rPr/>
+              <a:t> </a:t>
+            </a:r>
+            <a:r>
+              <a:rPr/>
+              <a:t>trouble</a:t>
+            </a:r>
+            <a:r>
+              <a:rPr/>
+              <a:t> </a:t>
+            </a:r>
+            <a:r>
+              <a:rPr/>
+              <a:t>downloading</a:t>
+            </a:r>
+            <a:r>
+              <a:rPr/>
+              <a:t> </a:t>
+            </a:r>
+            <a:r>
+              <a:rPr/>
+              <a:t>it</a:t>
+            </a:r>
+            <a:r>
+              <a:rPr/>
+              <a:t> </a:t>
+            </a:r>
+            <a:r>
+              <a:rPr/>
+              <a:t>through</a:t>
+            </a:r>
+            <a:r>
+              <a:rPr/>
+              <a:t> </a:t>
+            </a:r>
+            <a:r>
+              <a:rPr/>
+              <a:t>even</a:t>
+            </a:r>
+            <a:r>
+              <a:rPr/>
+              <a:t> </a:t>
+            </a:r>
+            <a:r>
+              <a:rPr/>
+              <a:t>a</a:t>
+            </a:r>
+            <a:r>
+              <a:rPr/>
+              <a:t> </a:t>
+            </a:r>
+            <a:r>
+              <a:rPr/>
+              <a:t>high</a:t>
+            </a:r>
+            <a:r>
+              <a:rPr/>
+              <a:t> </a:t>
+            </a:r>
+            <a:r>
+              <a:rPr/>
+              <a:t>speed</a:t>
+            </a:r>
+            <a:r>
+              <a:rPr/>
+              <a:t> </a:t>
+            </a:r>
+            <a:r>
+              <a:rPr/>
+              <a:t>Internet</a:t>
+            </a:r>
+            <a:r>
+              <a:rPr/>
+              <a:t> </a:t>
+            </a:r>
+            <a:r>
+              <a:rPr/>
+              <a:t>connection.</a:t>
+            </a:r>
+            <a:r>
+              <a:rPr/>
+              <a:t> </a:t>
+            </a:r>
+            <a:r>
+              <a:rPr/>
+              <a:t>It</a:t>
+            </a:r>
+            <a:r>
+              <a:rPr/>
+              <a:t> </a:t>
+            </a:r>
+            <a:r>
+              <a:rPr/>
+              <a:t>would</a:t>
+            </a:r>
+            <a:r>
+              <a:rPr/>
+              <a:t> </a:t>
+            </a:r>
+            <a:r>
+              <a:rPr/>
+              <a:t>be</a:t>
+            </a:r>
+            <a:r>
+              <a:rPr/>
+              <a:t> </a:t>
+            </a:r>
+            <a:r>
+              <a:rPr/>
+              <a:t>better</a:t>
+            </a:r>
+            <a:r>
+              <a:rPr/>
+              <a:t> </a:t>
+            </a:r>
+            <a:r>
+              <a:rPr/>
+              <a:t>to</a:t>
+            </a:r>
+            <a:r>
+              <a:rPr/>
+              <a:t> </a:t>
+            </a:r>
+            <a:r>
+              <a:rPr/>
+              <a:t>ask</a:t>
+            </a:r>
+            <a:r>
+              <a:rPr/>
+              <a:t> </a:t>
+            </a:r>
+            <a:r>
+              <a:rPr/>
+              <a:t>for</a:t>
+            </a:r>
+            <a:r>
+              <a:rPr/>
+              <a:t> </a:t>
+            </a:r>
+            <a:r>
+              <a:rPr/>
+              <a:t>your</a:t>
+            </a:r>
+            <a:r>
+              <a:rPr/>
+              <a:t> </a:t>
+            </a:r>
+            <a:r>
+              <a:rPr/>
+              <a:t>summary</a:t>
+            </a:r>
+            <a:r>
+              <a:rPr/>
+              <a:t> </a:t>
+            </a:r>
+            <a:r>
+              <a:rPr/>
+              <a:t>statistics</a:t>
+            </a:r>
+            <a:r>
+              <a:rPr/>
+              <a:t> </a:t>
+            </a:r>
+            <a:r>
+              <a:rPr/>
+              <a:t>that</a:t>
+            </a:r>
+            <a:r>
+              <a:rPr/>
+              <a:t> </a:t>
+            </a:r>
+            <a:r>
+              <a:rPr/>
+              <a:t>the</a:t>
+            </a:r>
+            <a:r>
+              <a:rPr/>
+              <a:t> </a:t>
+            </a:r>
+            <a:r>
+              <a:rPr/>
+              <a:t>thousands</a:t>
+            </a:r>
+            <a:r>
+              <a:rPr/>
+              <a:t> </a:t>
+            </a:r>
+            <a:r>
+              <a:rPr/>
+              <a:t>or</a:t>
+            </a:r>
+            <a:r>
+              <a:rPr/>
+              <a:t> </a:t>
+            </a:r>
+            <a:r>
+              <a:rPr/>
+              <a:t>millions</a:t>
+            </a:r>
+            <a:r>
+              <a:rPr/>
+              <a:t> </a:t>
+            </a:r>
+            <a:r>
+              <a:rPr/>
+              <a:t>of</a:t>
+            </a:r>
+            <a:r>
+              <a:rPr/>
+              <a:t> </a:t>
+            </a:r>
+            <a:r>
+              <a:rPr/>
+              <a:t>records</a:t>
+            </a:r>
+            <a:r>
+              <a:rPr/>
+              <a:t> </a:t>
+            </a:r>
+            <a:r>
+              <a:rPr/>
+              <a:t>needed</a:t>
+            </a:r>
+            <a:r>
+              <a:rPr/>
+              <a:t> </a:t>
+            </a:r>
+            <a:r>
+              <a:rPr/>
+              <a:t>to</a:t>
+            </a:r>
+            <a:r>
+              <a:rPr/>
+              <a:t> </a:t>
+            </a:r>
+            <a:r>
+              <a:rPr/>
+              <a:t>produce</a:t>
+            </a:r>
+            <a:r>
+              <a:rPr/>
+              <a:t> </a:t>
+            </a:r>
+            <a:r>
+              <a:rPr/>
+              <a:t>those</a:t>
+            </a:r>
+            <a:r>
+              <a:rPr/>
+              <a:t> </a:t>
+            </a:r>
+            <a:r>
+              <a:rPr/>
+              <a:t>summary</a:t>
+            </a:r>
+            <a:r>
+              <a:rPr/>
+              <a:t> </a:t>
+            </a:r>
+            <a:r>
+              <a:rPr/>
+              <a:t>statistics.</a:t>
+            </a:r>
+          </a:p>
+          <a:p>
+            <a:pPr lvl="0" marL="0" indent="0">
+              <a:buNone/>
+            </a:pPr>
+          </a:p>
+          <a:p>
+            <a:pPr lvl="0" marL="0" indent="0">
+              <a:buNone/>
+            </a:pPr>
+            <a:r>
+              <a:rPr/>
+              <a:t>You</a:t>
+            </a:r>
+            <a:r>
+              <a:rPr/>
+              <a:t> </a:t>
+            </a:r>
+            <a:r>
+              <a:rPr/>
+              <a:t>might</a:t>
+            </a:r>
+            <a:r>
+              <a:rPr/>
+              <a:t> </a:t>
+            </a:r>
+            <a:r>
+              <a:rPr/>
+              <a:t>prefer</a:t>
+            </a:r>
+            <a:r>
+              <a:rPr/>
+              <a:t> </a:t>
+            </a:r>
+            <a:r>
+              <a:rPr/>
+              <a:t>to</a:t>
+            </a:r>
+            <a:r>
+              <a:rPr/>
+              <a:t> </a:t>
+            </a:r>
+            <a:r>
+              <a:rPr/>
+              <a:t>have</a:t>
+            </a:r>
+            <a:r>
+              <a:rPr/>
+              <a:t> </a:t>
+            </a:r>
+            <a:r>
+              <a:rPr/>
+              <a:t>SQL</a:t>
+            </a:r>
+            <a:r>
+              <a:rPr/>
+              <a:t> </a:t>
+            </a:r>
+            <a:r>
+              <a:rPr/>
+              <a:t>do</a:t>
+            </a:r>
+            <a:r>
+              <a:rPr/>
+              <a:t> </a:t>
+            </a:r>
+            <a:r>
+              <a:rPr/>
+              <a:t>the</a:t>
+            </a:r>
+            <a:r>
+              <a:rPr/>
+              <a:t> </a:t>
+            </a:r>
+            <a:r>
+              <a:rPr/>
+              <a:t>summarizations</a:t>
+            </a:r>
+            <a:r>
+              <a:rPr/>
+              <a:t> </a:t>
+            </a:r>
+            <a:r>
+              <a:rPr/>
+              <a:t>if</a:t>
+            </a:r>
+            <a:r>
+              <a:rPr/>
+              <a:t> </a:t>
+            </a:r>
+            <a:r>
+              <a:rPr/>
+              <a:t>it</a:t>
+            </a:r>
+            <a:r>
+              <a:rPr/>
+              <a:t> </a:t>
+            </a:r>
+            <a:r>
+              <a:rPr/>
+              <a:t>simplifies</a:t>
+            </a:r>
+            <a:r>
+              <a:rPr/>
+              <a:t> </a:t>
+            </a:r>
+            <a:r>
+              <a:rPr/>
+              <a:t>the</a:t>
+            </a:r>
+            <a:r>
+              <a:rPr/>
+              <a:t> </a:t>
+            </a:r>
+            <a:r>
+              <a:rPr/>
+              <a:t>SAS</a:t>
+            </a:r>
+            <a:r>
+              <a:rPr/>
+              <a:t> </a:t>
+            </a:r>
+            <a:r>
+              <a:rPr/>
+              <a:t>or</a:t>
+            </a:r>
+            <a:r>
+              <a:rPr/>
+              <a:t> </a:t>
+            </a:r>
+            <a:r>
+              <a:rPr/>
+              <a:t>R</a:t>
+            </a:r>
+            <a:r>
+              <a:rPr/>
+              <a:t> </a:t>
+            </a:r>
+            <a:r>
+              <a:rPr/>
+              <a:t>code.</a:t>
+            </a:r>
+            <a:r>
+              <a:rPr/>
+              <a:t> </a:t>
+            </a:r>
+            <a:r>
+              <a:rPr/>
+              <a:t>In</a:t>
+            </a:r>
+            <a:r>
+              <a:rPr/>
+              <a:t> </a:t>
+            </a:r>
+            <a:r>
+              <a:rPr/>
+              <a:t>general,</a:t>
+            </a:r>
+            <a:r>
+              <a:rPr/>
+              <a:t> </a:t>
+            </a:r>
+            <a:r>
+              <a:rPr/>
+              <a:t>SQL</a:t>
+            </a:r>
+            <a:r>
+              <a:rPr/>
+              <a:t> </a:t>
+            </a:r>
+            <a:r>
+              <a:rPr/>
+              <a:t>code</a:t>
+            </a:r>
+            <a:r>
+              <a:rPr/>
+              <a:t> </a:t>
+            </a:r>
+            <a:r>
+              <a:rPr/>
+              <a:t>is</a:t>
+            </a:r>
+            <a:r>
+              <a:rPr/>
+              <a:t> </a:t>
+            </a:r>
+            <a:r>
+              <a:rPr/>
+              <a:t>easier</a:t>
+            </a:r>
+            <a:r>
+              <a:rPr/>
+              <a:t> </a:t>
+            </a:r>
+            <a:r>
+              <a:rPr/>
+              <a:t>for</a:t>
+            </a:r>
+            <a:r>
+              <a:rPr/>
+              <a:t> </a:t>
+            </a:r>
+            <a:r>
+              <a:rPr/>
+              <a:t>a</a:t>
+            </a:r>
+            <a:r>
+              <a:rPr/>
+              <a:t> </a:t>
+            </a:r>
+            <a:r>
+              <a:rPr/>
+              <a:t>non-programmer</a:t>
+            </a:r>
+            <a:r>
+              <a:rPr/>
+              <a:t> </a:t>
+            </a:r>
+            <a:r>
+              <a:rPr/>
+              <a:t>to</a:t>
+            </a:r>
+            <a:r>
+              <a:rPr/>
+              <a:t> </a:t>
+            </a:r>
+            <a:r>
+              <a:rPr/>
+              <a:t>read</a:t>
+            </a:r>
+            <a:r>
+              <a:rPr/>
+              <a:t> </a:t>
+            </a:r>
+            <a:r>
+              <a:rPr/>
+              <a:t>than</a:t>
+            </a:r>
+            <a:r>
+              <a:rPr/>
+              <a:t> </a:t>
+            </a:r>
+            <a:r>
+              <a:rPr/>
+              <a:t>SAS</a:t>
+            </a:r>
+            <a:r>
+              <a:rPr/>
+              <a:t> </a:t>
+            </a:r>
+            <a:r>
+              <a:rPr/>
+              <a:t>or</a:t>
+            </a:r>
+            <a:r>
+              <a:rPr/>
+              <a:t> </a:t>
+            </a:r>
+            <a:r>
+              <a:rPr/>
+              <a:t>R</a:t>
+            </a:r>
+            <a:r>
+              <a:rPr/>
+              <a:t> </a:t>
+            </a:r>
+            <a:r>
+              <a:rPr/>
+              <a:t>code.</a:t>
+            </a:r>
+            <a:r>
+              <a:rPr/>
+              <a:t> </a:t>
+            </a:r>
+            <a:r>
+              <a:rPr/>
+              <a:t>So</a:t>
+            </a:r>
+            <a:r>
+              <a:rPr/>
+              <a:t> </a:t>
+            </a:r>
+            <a:r>
+              <a:rPr/>
+              <a:t>using</a:t>
+            </a:r>
+            <a:r>
+              <a:rPr/>
+              <a:t> </a:t>
+            </a:r>
+            <a:r>
+              <a:rPr/>
+              <a:t>SQL</a:t>
+            </a:r>
+            <a:r>
+              <a:rPr/>
+              <a:t> </a:t>
+            </a:r>
+            <a:r>
+              <a:rPr/>
+              <a:t>might</a:t>
+            </a:r>
+            <a:r>
+              <a:rPr/>
+              <a:t> </a:t>
+            </a:r>
+            <a:r>
+              <a:rPr/>
+              <a:t>make</a:t>
+            </a:r>
+            <a:r>
+              <a:rPr/>
+              <a:t> </a:t>
+            </a:r>
+            <a:r>
+              <a:rPr/>
+              <a:t>your</a:t>
+            </a:r>
+            <a:r>
+              <a:rPr/>
+              <a:t> </a:t>
+            </a:r>
+            <a:r>
+              <a:rPr/>
+              <a:t>code</a:t>
+            </a:r>
+            <a:r>
+              <a:rPr/>
+              <a:t> </a:t>
+            </a:r>
+            <a:r>
+              <a:rPr/>
+              <a:t>a</a:t>
+            </a:r>
+            <a:r>
+              <a:rPr/>
+              <a:t> </a:t>
+            </a:r>
+            <a:r>
+              <a:rPr/>
+              <a:t>bit</a:t>
+            </a:r>
+            <a:r>
+              <a:rPr/>
+              <a:t> </a:t>
+            </a:r>
+            <a:r>
+              <a:rPr/>
+              <a:t>easier</a:t>
+            </a:r>
+            <a:r>
+              <a:rPr/>
+              <a:t> </a:t>
+            </a:r>
+            <a:r>
+              <a:rPr/>
+              <a:t>to</a:t>
+            </a:r>
+            <a:r>
+              <a:rPr/>
+              <a:t> </a:t>
+            </a:r>
+            <a:r>
+              <a:rPr/>
+              <a:t>folow.</a:t>
+            </a:r>
+          </a:p>
+        </p:txBody>
+      </p:sp>
+      <p:sp>
+        <p:nvSpPr>
+          <p:cNvPr id="4" name="Slide Number Placeholder 3"/>
+          <p:cNvSpPr>
+            <a:spLocks noGrp="1"/>
+          </p:cNvSpPr>
+          <p:nvPr>
+            <p:ph type="sldNum" sz="quarter" idx="10"/>
+          </p:nvPr>
+        </p:nvSpPr>
+        <p:spPr/>
+        <p:txBody>
+          <a:bodyPr/>
+          <a:lstStyle/>
+          <a:p>
+            <a:fld id="{18BDFEC3-8487-43E8-A154-7C12CBC1FFF2}" type="slidenum">
+              <a:rPr lang="en-US"/>
+              <a:t>8</a:t>
+            </a:fld>
+            <a:endParaRPr lang="en-US"/>
+          </a:p>
+        </p:txBody>
+      </p:sp>
+    </p:spTree>
+  </p:cSld>
+</p:notes>
+</file>
+
+<file path=ppt/notesSlides/notesSlide8.xml><?xml version="1.0" encoding="utf-8"?>
+<p:notes xmlns:a="http://schemas.openxmlformats.org/drawingml/2006/main" xmlns:r="http://schemas.openxmlformats.org/officeDocument/2006/relationships" xmlns:p="http://schemas.openxmlformats.org/presentationml/2006/main">
+  <p:cSld>
+    <p:spTree>
+      <p:nvGrpSpPr>
+        <p:cNvPr id="1" name=""/>
+        <p:cNvGrpSpPr/>
+        <p:nvPr/>
+      </p:nvGrpSpPr>
+      <p:grpSpPr>
+        <a:xfrm>
+          <a:off x="0" y="0"/>
+          <a:ext cx="0" cy="0"/>
+          <a:chOff x="0" y="0"/>
+          <a:chExt cx="0" cy="0"/>
+        </a:xfrm>
+      </p:grpSpPr>
+      <p:sp>
+        <p:nvSpPr>
+          <p:cNvPr id="2" name="Slide Image Placeholder 1"/>
+          <p:cNvSpPr>
+            <a:spLocks noGrp="1" noRot="1" noChangeAspect="1"/>
+          </p:cNvSpPr>
+          <p:nvPr>
+            <p:ph type="sldImg"/>
+          </p:nvPr>
+        </p:nvSpPr>
+        <p:spPr/>
+      </p:sp>
+      <p:sp>
+        <p:nvSpPr>
+          <p:cNvPr id="3" name="Notes Placeholder 2"/>
+          <p:cNvSpPr>
+            <a:spLocks noGrp="1"/>
+          </p:cNvSpPr>
+          <p:nvPr>
+            <p:ph type="body" idx="1"/>
+          </p:nvPr>
+        </p:nvSpPr>
+        <p:spPr/>
+        <p:txBody>
+          <a:bodyPr/>
+          <a:lstStyle/>
+          <a:p>
+            <a:pPr lvl="0" marL="0" indent="0">
+              <a:buNone/>
+            </a:pPr>
+            <a:r>
+              <a:rPr/>
+              <a:t>In</a:t>
+            </a:r>
+            <a:r>
+              <a:rPr/>
+              <a:t> </a:t>
+            </a:r>
+            <a:r>
+              <a:rPr/>
+              <a:t>some</a:t>
+            </a:r>
+            <a:r>
+              <a:rPr/>
+              <a:t> </a:t>
+            </a:r>
+            <a:r>
+              <a:rPr/>
+              <a:t>applications,</a:t>
+            </a:r>
+            <a:r>
+              <a:rPr/>
+              <a:t> </a:t>
+            </a:r>
+            <a:r>
+              <a:rPr/>
+              <a:t>you</a:t>
+            </a:r>
+            <a:r>
+              <a:rPr/>
+              <a:t> </a:t>
+            </a:r>
+            <a:r>
+              <a:rPr/>
+              <a:t>will</a:t>
+            </a:r>
+            <a:r>
+              <a:rPr/>
+              <a:t> </a:t>
+            </a:r>
+            <a:r>
+              <a:rPr/>
+              <a:t>need</a:t>
+            </a:r>
+            <a:r>
+              <a:rPr/>
+              <a:t> </a:t>
+            </a:r>
+            <a:r>
+              <a:rPr/>
+              <a:t>SAS</a:t>
+            </a:r>
+            <a:r>
+              <a:rPr/>
+              <a:t> </a:t>
+            </a:r>
+            <a:r>
+              <a:rPr/>
+              <a:t>or</a:t>
+            </a:r>
+            <a:r>
+              <a:rPr/>
+              <a:t> </a:t>
+            </a:r>
+            <a:r>
+              <a:rPr/>
+              <a:t>R</a:t>
+            </a:r>
+            <a:r>
+              <a:rPr/>
+              <a:t> </a:t>
+            </a:r>
+            <a:r>
+              <a:rPr/>
+              <a:t>to</a:t>
+            </a:r>
+            <a:r>
+              <a:rPr/>
+              <a:t> </a:t>
+            </a:r>
+            <a:r>
+              <a:rPr/>
+              <a:t>have</a:t>
+            </a:r>
+            <a:r>
+              <a:rPr/>
+              <a:t> </a:t>
+            </a:r>
+            <a:r>
+              <a:rPr/>
+              <a:t>access</a:t>
+            </a:r>
+            <a:r>
+              <a:rPr/>
+              <a:t> </a:t>
+            </a:r>
+            <a:r>
+              <a:rPr/>
+              <a:t>both</a:t>
+            </a:r>
+            <a:r>
+              <a:rPr/>
+              <a:t> </a:t>
+            </a:r>
+            <a:r>
+              <a:rPr/>
+              <a:t>the</a:t>
+            </a:r>
+            <a:r>
+              <a:rPr/>
+              <a:t> </a:t>
+            </a:r>
+            <a:r>
+              <a:rPr/>
+              <a:t>summary</a:t>
+            </a:r>
+            <a:r>
+              <a:rPr/>
+              <a:t> </a:t>
+            </a:r>
+            <a:r>
+              <a:rPr/>
+              <a:t>statistics</a:t>
+            </a:r>
+            <a:r>
+              <a:rPr/>
+              <a:t> </a:t>
+            </a:r>
+            <a:r>
+              <a:rPr/>
+              <a:t>and</a:t>
+            </a:r>
+            <a:r>
+              <a:rPr/>
+              <a:t> </a:t>
+            </a:r>
+            <a:r>
+              <a:rPr/>
+              <a:t>the</a:t>
+            </a:r>
+            <a:r>
+              <a:rPr/>
+              <a:t> </a:t>
+            </a:r>
+            <a:r>
+              <a:rPr/>
+              <a:t>raw</a:t>
+            </a:r>
+            <a:r>
+              <a:rPr/>
+              <a:t> </a:t>
+            </a:r>
+            <a:r>
+              <a:rPr/>
+              <a:t>data.</a:t>
+            </a:r>
+            <a:r>
+              <a:rPr/>
+              <a:t> </a:t>
+            </a:r>
+            <a:r>
+              <a:rPr/>
+              <a:t>This</a:t>
+            </a:r>
+            <a:r>
+              <a:rPr/>
+              <a:t> </a:t>
+            </a:r>
+            <a:r>
+              <a:rPr/>
+              <a:t>might</a:t>
+            </a:r>
+            <a:r>
+              <a:rPr/>
+              <a:t> </a:t>
+            </a:r>
+            <a:r>
+              <a:rPr/>
+              <a:t>be</a:t>
+            </a:r>
+            <a:r>
+              <a:rPr/>
+              <a:t> </a:t>
+            </a:r>
+            <a:r>
+              <a:rPr/>
+              <a:t>for</a:t>
+            </a:r>
+            <a:r>
+              <a:rPr/>
+              <a:t> </a:t>
+            </a:r>
+            <a:r>
+              <a:rPr/>
+              <a:t>plotting</a:t>
+            </a:r>
+            <a:r>
+              <a:rPr/>
+              <a:t> </a:t>
+            </a:r>
+            <a:r>
+              <a:rPr/>
+              <a:t>purposes,</a:t>
+            </a:r>
+            <a:r>
+              <a:rPr/>
+              <a:t> </a:t>
+            </a:r>
+            <a:r>
+              <a:rPr/>
+              <a:t>for</a:t>
+            </a:r>
+            <a:r>
+              <a:rPr/>
+              <a:t> </a:t>
+            </a:r>
+            <a:r>
+              <a:rPr/>
+              <a:t>example,</a:t>
+            </a:r>
+            <a:r>
+              <a:rPr/>
+              <a:t> </a:t>
+            </a:r>
+            <a:r>
+              <a:rPr/>
+              <a:t>where</a:t>
+            </a:r>
+            <a:r>
+              <a:rPr/>
+              <a:t> </a:t>
+            </a:r>
+            <a:r>
+              <a:rPr/>
+              <a:t>you</a:t>
+            </a:r>
+            <a:r>
+              <a:rPr/>
+              <a:t> </a:t>
+            </a:r>
+            <a:r>
+              <a:rPr/>
+              <a:t>would</a:t>
+            </a:r>
+            <a:r>
+              <a:rPr/>
+              <a:t> </a:t>
+            </a:r>
+            <a:r>
+              <a:rPr/>
+              <a:t>show</a:t>
+            </a:r>
+            <a:r>
+              <a:rPr/>
+              <a:t> </a:t>
+            </a:r>
+            <a:r>
+              <a:rPr/>
+              <a:t>both</a:t>
+            </a:r>
+            <a:r>
+              <a:rPr/>
+              <a:t> </a:t>
+            </a:r>
+            <a:r>
+              <a:rPr/>
+              <a:t>the</a:t>
+            </a:r>
+            <a:r>
+              <a:rPr/>
+              <a:t> </a:t>
+            </a:r>
+            <a:r>
+              <a:rPr/>
+              <a:t>summary</a:t>
+            </a:r>
+            <a:r>
+              <a:rPr/>
+              <a:t> </a:t>
+            </a:r>
+            <a:r>
+              <a:rPr/>
+              <a:t>staistics</a:t>
+            </a:r>
+            <a:r>
+              <a:rPr/>
+              <a:t> </a:t>
+            </a:r>
+            <a:r>
+              <a:rPr/>
+              <a:t>and</a:t>
+            </a:r>
+            <a:r>
+              <a:rPr/>
+              <a:t> </a:t>
+            </a:r>
+            <a:r>
+              <a:rPr/>
+              <a:t>the</a:t>
+            </a:r>
+            <a:r>
+              <a:rPr/>
+              <a:t> </a:t>
+            </a:r>
+            <a:r>
+              <a:rPr/>
+              <a:t>individual</a:t>
+            </a:r>
+            <a:r>
+              <a:rPr/>
+              <a:t> </a:t>
+            </a:r>
+            <a:r>
+              <a:rPr/>
+              <a:t>data</a:t>
+            </a:r>
+            <a:r>
+              <a:rPr/>
+              <a:t> </a:t>
+            </a:r>
+            <a:r>
+              <a:rPr/>
+              <a:t>points.</a:t>
+            </a:r>
+            <a:r>
+              <a:rPr/>
+              <a:t> </a:t>
+            </a:r>
+            <a:r>
+              <a:rPr/>
+              <a:t>If</a:t>
+            </a:r>
+            <a:r>
+              <a:rPr/>
+              <a:t> </a:t>
+            </a:r>
+            <a:r>
+              <a:rPr/>
+              <a:t>you</a:t>
+            </a:r>
+            <a:r>
+              <a:rPr/>
+              <a:t> </a:t>
+            </a:r>
+            <a:r>
+              <a:rPr/>
+              <a:t>need</a:t>
+            </a:r>
+            <a:r>
+              <a:rPr/>
+              <a:t> </a:t>
+            </a:r>
+            <a:r>
+              <a:rPr/>
+              <a:t>to</a:t>
+            </a:r>
+            <a:r>
+              <a:rPr/>
+              <a:t> </a:t>
+            </a:r>
+            <a:r>
+              <a:rPr/>
+              <a:t>account</a:t>
+            </a:r>
+            <a:r>
+              <a:rPr/>
+              <a:t> </a:t>
+            </a:r>
+            <a:r>
+              <a:rPr/>
+              <a:t>for</a:t>
+            </a:r>
+            <a:r>
+              <a:rPr/>
+              <a:t> </a:t>
+            </a:r>
+            <a:r>
+              <a:rPr/>
+              <a:t>variation,</a:t>
+            </a:r>
+            <a:r>
+              <a:rPr/>
+              <a:t> </a:t>
+            </a:r>
+            <a:r>
+              <a:rPr/>
+              <a:t>especially</a:t>
+            </a:r>
+            <a:r>
+              <a:rPr/>
+              <a:t> </a:t>
+            </a:r>
+            <a:r>
+              <a:rPr/>
+              <a:t>variation</a:t>
+            </a:r>
+            <a:r>
+              <a:rPr/>
+              <a:t> </a:t>
+            </a:r>
+            <a:r>
+              <a:rPr/>
+              <a:t>across</a:t>
+            </a:r>
+            <a:r>
+              <a:rPr/>
+              <a:t> </a:t>
+            </a:r>
+            <a:r>
+              <a:rPr/>
+              <a:t>multiple</a:t>
+            </a:r>
+            <a:r>
+              <a:rPr/>
+              <a:t> </a:t>
+            </a:r>
+            <a:r>
+              <a:rPr/>
+              <a:t>levels</a:t>
+            </a:r>
+            <a:r>
+              <a:rPr/>
+              <a:t> </a:t>
+            </a:r>
+            <a:r>
+              <a:rPr/>
+              <a:t>of</a:t>
+            </a:r>
+            <a:r>
+              <a:rPr/>
+              <a:t> </a:t>
+            </a:r>
+            <a:r>
+              <a:rPr/>
+              <a:t>a</a:t>
+            </a:r>
+            <a:r>
+              <a:rPr/>
+              <a:t> </a:t>
+            </a:r>
+            <a:r>
+              <a:rPr/>
+              <a:t>hierarchy,</a:t>
+            </a:r>
+            <a:r>
+              <a:rPr/>
+              <a:t> </a:t>
+            </a:r>
+            <a:r>
+              <a:rPr/>
+              <a:t>then</a:t>
+            </a:r>
+            <a:r>
+              <a:rPr/>
+              <a:t> </a:t>
+            </a:r>
+            <a:r>
+              <a:rPr/>
+              <a:t>you</a:t>
+            </a:r>
+            <a:r>
+              <a:rPr/>
+              <a:t> </a:t>
+            </a:r>
+            <a:r>
+              <a:rPr/>
+              <a:t>shoud</a:t>
+            </a:r>
+            <a:r>
+              <a:rPr/>
+              <a:t> </a:t>
+            </a:r>
+            <a:r>
+              <a:rPr/>
+              <a:t>do</a:t>
+            </a:r>
+            <a:r>
+              <a:rPr/>
+              <a:t> </a:t>
+            </a:r>
+            <a:r>
+              <a:rPr/>
+              <a:t>the</a:t>
+            </a:r>
+            <a:r>
+              <a:rPr/>
+              <a:t> </a:t>
+            </a:r>
+            <a:r>
+              <a:rPr/>
+              <a:t>summarization</a:t>
+            </a:r>
+            <a:r>
+              <a:rPr/>
+              <a:t> </a:t>
+            </a:r>
+            <a:r>
+              <a:rPr/>
+              <a:t>in</a:t>
+            </a:r>
+            <a:r>
+              <a:rPr/>
+              <a:t> </a:t>
+            </a:r>
+            <a:r>
+              <a:rPr/>
+              <a:t>SAS</a:t>
+            </a:r>
+            <a:r>
+              <a:rPr/>
+              <a:t> </a:t>
+            </a:r>
+            <a:r>
+              <a:rPr/>
+              <a:t>or</a:t>
+            </a:r>
+            <a:r>
+              <a:rPr/>
+              <a:t> </a:t>
+            </a:r>
+            <a:r>
+              <a:rPr/>
+              <a:t>R.</a:t>
+            </a:r>
+            <a:r>
+              <a:rPr/>
+              <a:t> </a:t>
+            </a:r>
+            <a:r>
+              <a:rPr/>
+              <a:t>It</a:t>
+            </a:r>
+            <a:r>
+              <a:rPr/>
+              <a:t> </a:t>
+            </a:r>
+            <a:r>
+              <a:rPr/>
+              <a:t>also</a:t>
+            </a:r>
+            <a:r>
+              <a:rPr/>
+              <a:t> </a:t>
+            </a:r>
+            <a:r>
+              <a:rPr/>
+              <a:t>goes</a:t>
+            </a:r>
+            <a:r>
+              <a:rPr/>
+              <a:t> </a:t>
+            </a:r>
+            <a:r>
+              <a:rPr/>
+              <a:t>without</a:t>
+            </a:r>
+            <a:r>
+              <a:rPr/>
+              <a:t> </a:t>
+            </a:r>
+            <a:r>
+              <a:rPr/>
+              <a:t>saying</a:t>
+            </a:r>
+            <a:r>
+              <a:rPr/>
+              <a:t> </a:t>
+            </a:r>
+            <a:r>
+              <a:rPr/>
+              <a:t>that</a:t>
+            </a:r>
+            <a:r>
+              <a:rPr/>
+              <a:t> </a:t>
+            </a:r>
+            <a:r>
+              <a:rPr/>
+              <a:t>if</a:t>
+            </a:r>
+            <a:r>
+              <a:rPr/>
+              <a:t> </a:t>
+            </a:r>
+            <a:r>
+              <a:rPr/>
+              <a:t>you</a:t>
+            </a:r>
+            <a:r>
+              <a:rPr/>
+              <a:t> </a:t>
+            </a:r>
+            <a:r>
+              <a:rPr/>
+              <a:t>need</a:t>
+            </a:r>
+            <a:r>
+              <a:rPr/>
+              <a:t> </a:t>
+            </a:r>
+            <a:r>
+              <a:rPr/>
+              <a:t>a</a:t>
+            </a:r>
+            <a:r>
+              <a:rPr/>
+              <a:t> </a:t>
+            </a:r>
+            <a:r>
+              <a:rPr/>
+              <a:t>summary</a:t>
+            </a:r>
+            <a:r>
+              <a:rPr/>
+              <a:t> </a:t>
+            </a:r>
+            <a:r>
+              <a:rPr/>
+              <a:t>statistic</a:t>
+            </a:r>
+            <a:r>
+              <a:rPr/>
+              <a:t> </a:t>
+            </a:r>
+            <a:r>
+              <a:rPr/>
+              <a:t>that</a:t>
+            </a:r>
+            <a:r>
+              <a:rPr/>
+              <a:t> </a:t>
+            </a:r>
+            <a:r>
+              <a:rPr/>
+              <a:t>is</a:t>
+            </a:r>
+            <a:r>
+              <a:rPr/>
+              <a:t> </a:t>
+            </a:r>
+            <a:r>
+              <a:rPr/>
+              <a:t>even</a:t>
+            </a:r>
+            <a:r>
+              <a:rPr/>
+              <a:t> </a:t>
+            </a:r>
+            <a:r>
+              <a:rPr/>
+              <a:t>just</a:t>
+            </a:r>
+            <a:r>
+              <a:rPr/>
+              <a:t> </a:t>
+            </a:r>
+            <a:r>
+              <a:rPr/>
+              <a:t>a</a:t>
+            </a:r>
+            <a:r>
+              <a:rPr/>
+              <a:t> </a:t>
+            </a:r>
+            <a:r>
+              <a:rPr/>
+              <a:t>tiny</a:t>
+            </a:r>
+            <a:r>
+              <a:rPr/>
+              <a:t> </a:t>
+            </a:r>
+            <a:r>
+              <a:rPr/>
+              <a:t>bit</a:t>
+            </a:r>
+            <a:r>
+              <a:rPr/>
+              <a:t> </a:t>
+            </a:r>
+            <a:r>
+              <a:rPr/>
+              <a:t>more</a:t>
+            </a:r>
+            <a:r>
+              <a:rPr/>
+              <a:t> </a:t>
+            </a:r>
+            <a:r>
+              <a:rPr/>
+              <a:t>complicated</a:t>
+            </a:r>
+            <a:r>
+              <a:rPr/>
+              <a:t> </a:t>
+            </a:r>
+            <a:r>
+              <a:rPr/>
+              <a:t>than</a:t>
+            </a:r>
+            <a:r>
+              <a:rPr/>
+              <a:t> </a:t>
+            </a:r>
+            <a:r>
+              <a:rPr/>
+              <a:t>a</a:t>
+            </a:r>
+            <a:r>
+              <a:rPr/>
+              <a:t> </a:t>
+            </a:r>
+            <a:r>
+              <a:rPr/>
+              <a:t>standard</a:t>
+            </a:r>
+            <a:r>
+              <a:rPr/>
+              <a:t> </a:t>
+            </a:r>
+            <a:r>
+              <a:rPr/>
+              <a:t>deviation,</a:t>
+            </a:r>
+            <a:r>
+              <a:rPr/>
+              <a:t> </a:t>
+            </a:r>
+            <a:r>
+              <a:rPr/>
+              <a:t>then</a:t>
+            </a:r>
+            <a:r>
+              <a:rPr/>
+              <a:t> </a:t>
+            </a:r>
+            <a:r>
+              <a:rPr/>
+              <a:t>you</a:t>
+            </a:r>
+            <a:r>
+              <a:rPr/>
+              <a:t> </a:t>
+            </a:r>
+            <a:r>
+              <a:rPr/>
+              <a:t>need</a:t>
+            </a:r>
+            <a:r>
+              <a:rPr/>
+              <a:t> </a:t>
+            </a:r>
+            <a:r>
+              <a:rPr/>
+              <a:t>to</a:t>
+            </a:r>
+            <a:r>
+              <a:rPr/>
+              <a:t> </a:t>
+            </a:r>
+            <a:r>
+              <a:rPr/>
+              <a:t>use</a:t>
+            </a:r>
+            <a:r>
+              <a:rPr/>
+              <a:t> </a:t>
+            </a:r>
+            <a:r>
+              <a:rPr/>
+              <a:t>SAS</a:t>
+            </a:r>
+            <a:r>
+              <a:rPr/>
+              <a:t> </a:t>
+            </a:r>
+            <a:r>
+              <a:rPr/>
+              <a:t>or</a:t>
+            </a:r>
+            <a:r>
+              <a:rPr/>
+              <a:t> </a:t>
+            </a:r>
+            <a:r>
+              <a:rPr/>
+              <a:t>R.</a:t>
+            </a:r>
+          </a:p>
+        </p:txBody>
+      </p:sp>
+      <p:sp>
+        <p:nvSpPr>
+          <p:cNvPr id="4" name="Slide Number Placeholder 3"/>
+          <p:cNvSpPr>
+            <a:spLocks noGrp="1"/>
+          </p:cNvSpPr>
+          <p:nvPr>
+            <p:ph type="sldNum" sz="quarter" idx="10"/>
+          </p:nvPr>
+        </p:nvSpPr>
+        <p:spPr/>
+        <p:txBody>
+          <a:bodyPr/>
+          <a:lstStyle/>
+          <a:p>
+            <a:fld id="{18BDFEC3-8487-43E8-A154-7C12CBC1FFF2}" type="slidenum">
+              <a:rPr lang="en-US"/>
+              <a:t>9</a:t>
+            </a:fld>
+            <a:endParaRPr lang="en-US"/>
+          </a:p>
+        </p:txBody>
+      </p:sp>
+    </p:spTree>
+  </p:cSld>
+</p:notes>
+</file>
+
+<file path=ppt/notesSlides/notesSlide9.xml><?xml version="1.0" encoding="utf-8"?>
+<p:notes xmlns:a="http://schemas.openxmlformats.org/drawingml/2006/main" xmlns:r="http://schemas.openxmlformats.org/officeDocument/2006/relationships" xmlns:p="http://schemas.openxmlformats.org/presentationml/2006/main">
+  <p:cSld>
+    <p:spTree>
+      <p:nvGrpSpPr>
+        <p:cNvPr id="1" name=""/>
+        <p:cNvGrpSpPr/>
+        <p:nvPr/>
+      </p:nvGrpSpPr>
+      <p:grpSpPr>
+        <a:xfrm>
+          <a:off x="0" y="0"/>
+          <a:ext cx="0" cy="0"/>
+          <a:chOff x="0" y="0"/>
+          <a:chExt cx="0" cy="0"/>
+        </a:xfrm>
+      </p:grpSpPr>
+      <p:sp>
+        <p:nvSpPr>
+          <p:cNvPr id="2" name="Slide Image Placeholder 1"/>
+          <p:cNvSpPr>
+            <a:spLocks noGrp="1" noRot="1" noChangeAspect="1"/>
+          </p:cNvSpPr>
+          <p:nvPr>
+            <p:ph type="sldImg"/>
+          </p:nvPr>
+        </p:nvSpPr>
+        <p:spPr/>
+      </p:sp>
+      <p:sp>
+        <p:nvSpPr>
+          <p:cNvPr id="3" name="Notes Placeholder 2"/>
+          <p:cNvSpPr>
+            <a:spLocks noGrp="1"/>
+          </p:cNvSpPr>
+          <p:nvPr>
+            <p:ph type="body" idx="1"/>
+          </p:nvPr>
+        </p:nvSpPr>
+        <p:spPr/>
+        <p:txBody>
+          <a:bodyPr/>
+          <a:lstStyle/>
+          <a:p>
+            <a:pPr lvl="0" marL="0" indent="0">
+              <a:buNone/>
+            </a:pPr>
+            <a:r>
+              <a:rPr/>
+              <a:t>The</a:t>
+            </a:r>
+            <a:r>
+              <a:rPr/>
+              <a:t> </a:t>
+            </a:r>
+            <a:r>
+              <a:rPr/>
+              <a:t>COUNT</a:t>
+            </a:r>
+            <a:r>
+              <a:rPr/>
+              <a:t> </a:t>
+            </a:r>
+            <a:r>
+              <a:rPr/>
+              <a:t>function</a:t>
+            </a:r>
+            <a:r>
+              <a:rPr/>
+              <a:t> </a:t>
+            </a:r>
+            <a:r>
+              <a:rPr/>
+              <a:t>is,</a:t>
+            </a:r>
+            <a:r>
+              <a:rPr/>
+              <a:t> </a:t>
+            </a:r>
+            <a:r>
+              <a:rPr/>
+              <a:t>in</a:t>
+            </a:r>
+            <a:r>
+              <a:rPr/>
+              <a:t> </a:t>
+            </a:r>
+            <a:r>
+              <a:rPr/>
+              <a:t>my</a:t>
+            </a:r>
+            <a:r>
+              <a:rPr/>
+              <a:t> </a:t>
+            </a:r>
+            <a:r>
+              <a:rPr/>
+              <a:t>opinion,</a:t>
+            </a:r>
+            <a:r>
+              <a:rPr/>
+              <a:t> </a:t>
+            </a:r>
+            <a:r>
+              <a:rPr/>
+              <a:t>one</a:t>
+            </a:r>
+            <a:r>
+              <a:rPr/>
+              <a:t> </a:t>
+            </a:r>
+            <a:r>
+              <a:rPr/>
+              <a:t>of</a:t>
+            </a:r>
+            <a:r>
+              <a:rPr/>
+              <a:t> </a:t>
+            </a:r>
+            <a:r>
+              <a:rPr/>
+              <a:t>the</a:t>
+            </a:r>
+            <a:r>
+              <a:rPr/>
+              <a:t> </a:t>
+            </a:r>
+            <a:r>
+              <a:rPr/>
+              <a:t>most</a:t>
+            </a:r>
+            <a:r>
+              <a:rPr/>
+              <a:t> </a:t>
+            </a:r>
+            <a:r>
+              <a:rPr/>
+              <a:t>useful</a:t>
+            </a:r>
+            <a:r>
+              <a:rPr/>
+              <a:t> </a:t>
+            </a:r>
+            <a:r>
+              <a:rPr/>
+              <a:t>summary</a:t>
+            </a:r>
+            <a:r>
+              <a:rPr/>
+              <a:t> </a:t>
+            </a:r>
+            <a:r>
+              <a:rPr/>
+              <a:t>functions.</a:t>
+            </a:r>
+            <a:r>
+              <a:rPr/>
+              <a:t> </a:t>
+            </a:r>
+            <a:r>
+              <a:rPr/>
+              <a:t>It</a:t>
+            </a:r>
+            <a:r>
+              <a:rPr/>
+              <a:t> </a:t>
+            </a:r>
+            <a:r>
+              <a:rPr/>
+              <a:t>allows</a:t>
+            </a:r>
+            <a:r>
+              <a:rPr/>
+              <a:t> </a:t>
+            </a:r>
+            <a:r>
+              <a:rPr/>
+              <a:t>you</a:t>
+            </a:r>
+            <a:r>
+              <a:rPr/>
+              <a:t> </a:t>
+            </a:r>
+            <a:r>
+              <a:rPr/>
+              <a:t>to</a:t>
+            </a:r>
+            <a:r>
+              <a:rPr/>
+              <a:t> </a:t>
+            </a:r>
+            <a:r>
+              <a:rPr/>
+              <a:t>quickly</a:t>
+            </a:r>
+            <a:r>
+              <a:rPr/>
+              <a:t> </a:t>
+            </a:r>
+            <a:r>
+              <a:rPr/>
+              <a:t>identify</a:t>
+            </a:r>
+            <a:r>
+              <a:rPr/>
+              <a:t> </a:t>
+            </a:r>
+            <a:r>
+              <a:rPr/>
+              <a:t>the</a:t>
+            </a:r>
+            <a:r>
+              <a:rPr/>
+              <a:t> </a:t>
+            </a:r>
+            <a:r>
+              <a:rPr/>
+              <a:t>number</a:t>
+            </a:r>
+            <a:r>
+              <a:rPr/>
+              <a:t> </a:t>
+            </a:r>
+            <a:r>
+              <a:rPr/>
+              <a:t>of</a:t>
+            </a:r>
+            <a:r>
+              <a:rPr/>
+              <a:t> </a:t>
+            </a:r>
+            <a:r>
+              <a:rPr/>
+              <a:t>records</a:t>
+            </a:r>
+            <a:r>
+              <a:rPr/>
+              <a:t> </a:t>
+            </a:r>
+            <a:r>
+              <a:rPr/>
+              <a:t>in</a:t>
+            </a:r>
+            <a:r>
+              <a:rPr/>
+              <a:t> </a:t>
+            </a:r>
+            <a:r>
+              <a:rPr/>
+              <a:t>your</a:t>
+            </a:r>
+            <a:r>
+              <a:rPr/>
+              <a:t> </a:t>
+            </a:r>
+            <a:r>
+              <a:rPr/>
+              <a:t>query.</a:t>
+            </a:r>
+            <a:r>
+              <a:rPr/>
+              <a:t> </a:t>
+            </a:r>
+            <a:r>
+              <a:rPr/>
+              <a:t>You</a:t>
+            </a:r>
+            <a:r>
+              <a:rPr/>
+              <a:t> </a:t>
+            </a:r>
+            <a:r>
+              <a:rPr/>
+              <a:t>can</a:t>
+            </a:r>
+            <a:r>
+              <a:rPr/>
+              <a:t> </a:t>
+            </a:r>
+            <a:r>
+              <a:rPr/>
+              <a:t>use</a:t>
+            </a:r>
+            <a:r>
+              <a:rPr/>
+              <a:t> </a:t>
+            </a:r>
+            <a:r>
+              <a:rPr/>
+              <a:t>COUNT</a:t>
+            </a:r>
+            <a:r>
+              <a:rPr/>
+              <a:t> </a:t>
+            </a:r>
+            <a:r>
+              <a:rPr/>
+              <a:t>on</a:t>
+            </a:r>
+            <a:r>
+              <a:rPr/>
+              <a:t> </a:t>
+            </a:r>
+            <a:r>
+              <a:rPr/>
+              <a:t>any</a:t>
+            </a:r>
+            <a:r>
+              <a:rPr/>
+              <a:t> </a:t>
+            </a:r>
+            <a:r>
+              <a:rPr/>
+              <a:t>field</a:t>
+            </a:r>
+            <a:r>
+              <a:rPr/>
+              <a:t> </a:t>
+            </a:r>
+            <a:r>
+              <a:rPr/>
+              <a:t>in</a:t>
+            </a:r>
+            <a:r>
+              <a:rPr/>
+              <a:t> </a:t>
+            </a:r>
+            <a:r>
+              <a:rPr/>
+              <a:t>your</a:t>
+            </a:r>
+            <a:r>
+              <a:rPr/>
+              <a:t> </a:t>
+            </a:r>
+            <a:r>
+              <a:rPr/>
+              <a:t>database</a:t>
+            </a:r>
+            <a:r>
+              <a:rPr/>
+              <a:t> </a:t>
+            </a:r>
+            <a:r>
+              <a:rPr/>
+              <a:t>and</a:t>
+            </a:r>
+            <a:r>
+              <a:rPr/>
+              <a:t> </a:t>
+            </a:r>
+            <a:r>
+              <a:rPr/>
+              <a:t>you</a:t>
+            </a:r>
+            <a:r>
+              <a:rPr/>
+              <a:t> </a:t>
+            </a:r>
+            <a:r>
+              <a:rPr/>
+              <a:t>should</a:t>
+            </a:r>
+            <a:r>
+              <a:rPr/>
+              <a:t> </a:t>
+            </a:r>
+            <a:r>
+              <a:rPr/>
+              <a:t>get</a:t>
+            </a:r>
+            <a:r>
+              <a:rPr/>
+              <a:t> </a:t>
+            </a:r>
+            <a:r>
+              <a:rPr/>
+              <a:t>the</a:t>
+            </a:r>
+            <a:r>
+              <a:rPr/>
+              <a:t> </a:t>
+            </a:r>
+            <a:r>
+              <a:rPr/>
+              <a:t>same</a:t>
+            </a:r>
+            <a:r>
+              <a:rPr/>
+              <a:t> </a:t>
+            </a:r>
+            <a:r>
+              <a:rPr/>
+              <a:t>answer,</a:t>
+            </a:r>
+            <a:r>
+              <a:rPr/>
+              <a:t> </a:t>
+            </a:r>
+            <a:r>
+              <a:rPr/>
+              <a:t>with</a:t>
+            </a:r>
+            <a:r>
+              <a:rPr/>
+              <a:t> </a:t>
+            </a:r>
+            <a:r>
+              <a:rPr/>
+              <a:t>one</a:t>
+            </a:r>
+            <a:r>
+              <a:rPr/>
+              <a:t> </a:t>
+            </a:r>
+            <a:r>
+              <a:rPr/>
+              <a:t>exception,</a:t>
+            </a:r>
+            <a:r>
+              <a:rPr/>
+              <a:t> </a:t>
+            </a:r>
+            <a:r>
+              <a:rPr/>
+              <a:t>which</a:t>
+            </a:r>
+            <a:r>
+              <a:rPr/>
+              <a:t> </a:t>
+            </a:r>
+            <a:r>
+              <a:rPr/>
+              <a:t>you</a:t>
+            </a:r>
+            <a:r>
+              <a:rPr/>
+              <a:t> </a:t>
+            </a:r>
+            <a:r>
+              <a:rPr/>
+              <a:t>will</a:t>
+            </a:r>
+            <a:r>
+              <a:rPr/>
+              <a:t> </a:t>
+            </a:r>
+            <a:r>
+              <a:rPr/>
+              <a:t>see</a:t>
+            </a:r>
+            <a:r>
+              <a:rPr/>
+              <a:t> </a:t>
+            </a:r>
+            <a:r>
+              <a:rPr/>
+              <a:t>in</a:t>
+            </a:r>
+            <a:r>
+              <a:rPr/>
+              <a:t> </a:t>
+            </a:r>
+            <a:r>
+              <a:rPr/>
+              <a:t>the</a:t>
+            </a:r>
+            <a:r>
+              <a:rPr/>
+              <a:t> </a:t>
+            </a:r>
+            <a:r>
+              <a:rPr/>
+              <a:t>section</a:t>
+            </a:r>
+            <a:r>
+              <a:rPr/>
+              <a:t> </a:t>
+            </a:r>
+            <a:r>
+              <a:rPr/>
+              <a:t>on</a:t>
+            </a:r>
+            <a:r>
+              <a:rPr/>
+              <a:t> </a:t>
+            </a:r>
+            <a:r>
+              <a:rPr/>
+              <a:t>NULL</a:t>
+            </a:r>
+            <a:r>
+              <a:rPr/>
+              <a:t> </a:t>
+            </a:r>
+            <a:r>
+              <a:rPr/>
+              <a:t>values.</a:t>
+            </a:r>
+          </a:p>
+          <a:p>
+            <a:pPr lvl="0" marL="0" indent="0">
+              <a:buNone/>
+            </a:pPr>
+          </a:p>
+          <a:p>
+            <a:pPr lvl="0" marL="0" indent="0">
+              <a:buNone/>
+            </a:pPr>
+            <a:r>
+              <a:rPr/>
+              <a:t>The</a:t>
+            </a:r>
+            <a:r>
+              <a:rPr/>
+              <a:t> </a:t>
+            </a:r>
+            <a:r>
+              <a:rPr/>
+              <a:t>name</a:t>
+            </a:r>
+            <a:r>
+              <a:rPr/>
+              <a:t> </a:t>
+            </a:r>
+            <a:r>
+              <a:rPr/>
+              <a:t>chosen</a:t>
+            </a:r>
+            <a:r>
+              <a:rPr/>
+              <a:t> </a:t>
+            </a:r>
+            <a:r>
+              <a:rPr/>
+              <a:t>by</a:t>
+            </a:r>
+            <a:r>
+              <a:rPr/>
+              <a:t> </a:t>
+            </a:r>
+            <a:r>
+              <a:rPr/>
+              <a:t>SQL</a:t>
+            </a:r>
+            <a:r>
+              <a:rPr/>
+              <a:t> </a:t>
+            </a:r>
+            <a:r>
+              <a:rPr/>
+              <a:t>for</a:t>
+            </a:r>
+            <a:r>
+              <a:rPr/>
+              <a:t> </a:t>
+            </a:r>
+            <a:r>
+              <a:rPr/>
+              <a:t>the</a:t>
+            </a:r>
+            <a:r>
+              <a:rPr/>
+              <a:t> </a:t>
+            </a:r>
+            <a:r>
+              <a:rPr/>
+              <a:t>result</a:t>
+            </a:r>
+            <a:r>
+              <a:rPr/>
+              <a:t> </a:t>
+            </a:r>
+            <a:r>
+              <a:rPr/>
+              <a:t>of</a:t>
+            </a:r>
+            <a:r>
+              <a:rPr/>
+              <a:t> </a:t>
+            </a:r>
+            <a:r>
+              <a:rPr/>
+              <a:t>COUNT</a:t>
+            </a:r>
+            <a:r>
+              <a:rPr/>
+              <a:t> </a:t>
+            </a:r>
+            <a:r>
+              <a:rPr/>
+              <a:t>is</a:t>
+            </a:r>
+            <a:r>
+              <a:rPr/>
+              <a:t> </a:t>
+            </a:r>
+            <a:r>
+              <a:rPr/>
+              <a:t>not</a:t>
+            </a:r>
+            <a:r>
+              <a:rPr/>
+              <a:t> </a:t>
+            </a:r>
+            <a:r>
+              <a:rPr/>
+              <a:t>a</a:t>
+            </a:r>
+            <a:r>
+              <a:rPr/>
+              <a:t> </a:t>
+            </a:r>
+            <a:r>
+              <a:rPr/>
+              <a:t>legal</a:t>
+            </a:r>
+            <a:r>
+              <a:rPr/>
+              <a:t> </a:t>
+            </a:r>
+            <a:r>
+              <a:rPr/>
+              <a:t>R</a:t>
+            </a:r>
+            <a:r>
+              <a:rPr/>
+              <a:t> </a:t>
+            </a:r>
+            <a:r>
+              <a:rPr/>
+              <a:t>name,so</a:t>
+            </a:r>
+            <a:r>
+              <a:rPr/>
+              <a:t> </a:t>
+            </a:r>
+            <a:r>
+              <a:rPr/>
+              <a:t>you</a:t>
+            </a:r>
+            <a:r>
+              <a:rPr/>
+              <a:t> </a:t>
+            </a:r>
+            <a:r>
+              <a:rPr/>
+              <a:t>would</a:t>
+            </a:r>
+            <a:r>
+              <a:rPr/>
+              <a:t> </a:t>
+            </a:r>
+            <a:r>
+              <a:rPr/>
+              <a:t>normally</a:t>
+            </a:r>
+            <a:r>
+              <a:rPr/>
+              <a:t> </a:t>
+            </a:r>
+            <a:r>
+              <a:rPr/>
+              <a:t>use</a:t>
+            </a:r>
+            <a:r>
+              <a:rPr/>
+              <a:t> </a:t>
+            </a:r>
+            <a:r>
+              <a:rPr/>
+              <a:t>the</a:t>
+            </a:r>
+            <a:r>
+              <a:rPr/>
+              <a:t> </a:t>
+            </a:r>
+            <a:r>
+              <a:rPr/>
+              <a:t>AS</a:t>
+            </a:r>
+            <a:r>
+              <a:rPr/>
+              <a:t> </a:t>
+            </a:r>
+            <a:r>
+              <a:rPr/>
+              <a:t>statement</a:t>
+            </a:r>
+            <a:r>
+              <a:rPr/>
+              <a:t> </a:t>
+            </a:r>
+            <a:r>
+              <a:rPr/>
+              <a:t>to</a:t>
+            </a:r>
+            <a:r>
+              <a:rPr/>
+              <a:t> </a:t>
+            </a:r>
+            <a:r>
+              <a:rPr/>
+              <a:t>create</a:t>
+            </a:r>
+            <a:r>
+              <a:rPr/>
+              <a:t> </a:t>
+            </a:r>
+            <a:r>
+              <a:rPr/>
+              <a:t>a</a:t>
+            </a:r>
+            <a:r>
+              <a:rPr/>
+              <a:t> </a:t>
+            </a:r>
+            <a:r>
+              <a:rPr/>
+              <a:t>better</a:t>
+            </a:r>
+            <a:r>
+              <a:rPr/>
+              <a:t> </a:t>
+            </a:r>
+            <a:r>
+              <a:rPr/>
+              <a:t>name.</a:t>
+            </a:r>
+          </a:p>
+        </p:txBody>
+      </p:sp>
+      <p:sp>
+        <p:nvSpPr>
+          <p:cNvPr id="4" name="Slide Number Placeholder 3"/>
+          <p:cNvSpPr>
+            <a:spLocks noGrp="1"/>
+          </p:cNvSpPr>
+          <p:nvPr>
+            <p:ph type="sldNum" sz="quarter" idx="10"/>
+          </p:nvPr>
+        </p:nvSpPr>
+        <p:spPr/>
+        <p:txBody>
+          <a:bodyPr/>
+          <a:lstStyle/>
+          <a:p>
+            <a:fld id="{18BDFEC3-8487-43E8-A154-7C12CBC1FFF2}" type="slidenum">
+              <a:rPr lang="en-US"/>
+              <a:t>10</a:t>
             </a:fld>
             <a:endParaRPr lang="en-US"/>
           </a:p>
@@ -6079,55 +11861,15 @@
             </a:pPr>
             <a:r>
               <a:rPr/>
-              <a:t>Computing</a:t>
-            </a:r>
-            <a:r>
-              <a:rPr/>
-              <a:t> </a:t>
-            </a:r>
-            <a:r>
-              <a:rPr/>
-              <a:t>the</a:t>
-            </a:r>
-            <a:r>
-              <a:rPr/>
-              <a:t> </a:t>
-            </a:r>
-            <a:r>
-              <a:rPr/>
-              <a:t>average</a:t>
-            </a:r>
-            <a:r>
-              <a:rPr/>
-              <a:t> </a:t>
-            </a:r>
-            <a:r>
-              <a:rPr/>
-              <a:t>age</a:t>
-            </a:r>
-            <a:r>
-              <a:rPr/>
-              <a:t> </a:t>
-            </a:r>
-            <a:r>
-              <a:rPr/>
-              <a:t>of</a:t>
-            </a:r>
-            <a:r>
-              <a:rPr/>
-              <a:t> </a:t>
-            </a:r>
-            <a:r>
-              <a:rPr/>
-              <a:t>all</a:t>
-            </a:r>
-            <a:r>
-              <a:rPr/>
-              <a:t> </a:t>
-            </a:r>
-            <a:r>
-              <a:rPr/>
-              <a:t>passengers</a:t>
+              <a:t>Count</a:t>
+            </a:r>
+            <a:r>
+              <a:rPr/>
+              <a:t> </a:t>
+            </a:r>
+            <a:r>
+              <a:rPr/>
+              <a:t>funtion</a:t>
             </a:r>
           </a:p>
         </p:txBody>
@@ -6161,8 +11903,27 @@
               <a:rPr sz="1800">
                 <a:latin typeface="Courier"/>
               </a:rPr>
-              <a:t>select average(age) 
-  from titanic</a:t>
+              <a:t>select count(case_number) as n_rows
+  from fat</a:t>
+            </a:r>
+          </a:p>
+          <a:p>
+            <a:pPr lvl="1"/>
+            <a:r>
+              <a:rPr/>
+              <a:t>SQL output</a:t>
+            </a:r>
+          </a:p>
+          <a:p>
+            <a:pPr lvl="0" marL="1270000" indent="0">
+              <a:buNone/>
+            </a:pPr>
+            <a:r>
+              <a:rPr sz="1800">
+                <a:latin typeface="Courier"/>
+              </a:rPr>
+              <a:t>  n_rows
+1    252</a:t>
             </a:r>
           </a:p>
         </p:txBody>
@@ -6209,6 +11970,1053 @@
             </a:pPr>
             <a:r>
               <a:rPr/>
+              <a:t>Counting</a:t>
+            </a:r>
+            <a:r>
+              <a:rPr/>
+              <a:t> </a:t>
+            </a:r>
+            <a:r>
+              <a:rPr/>
+              <a:t>distinct</a:t>
+            </a:r>
+            <a:r>
+              <a:rPr/>
+              <a:t> </a:t>
+            </a:r>
+            <a:r>
+              <a:rPr/>
+              <a:t>values</a:t>
+            </a:r>
+          </a:p>
+        </p:txBody>
+      </p:sp>
+      <p:sp>
+        <p:nvSpPr>
+          <p:cNvPr id="3" name="Content Placeholder 2"/>
+          <p:cNvSpPr>
+            <a:spLocks noGrp="1"/>
+          </p:cNvSpPr>
+          <p:nvPr>
+            <p:ph idx="1"/>
+          </p:nvPr>
+        </p:nvSpPr>
+        <p:spPr/>
+        <p:txBody>
+          <a:bodyPr/>
+          <a:lstStyle/>
+          <a:p>
+            <a:pPr lvl="1"/>
+            <a:r>
+              <a:rPr/>
+              <a:t>SQL code</a:t>
+            </a:r>
+          </a:p>
+          <a:p>
+            <a:pPr lvl="0" marL="1270000" indent="0">
+              <a:buNone/>
+            </a:pPr>
+            <a:r>
+              <a:rPr sz="1800">
+                <a:latin typeface="Courier"/>
+              </a:rPr>
+              <a:t>select 
+  count(age) as n_ages,
+  count(distinct age) as n_distinct_ages
+  from fat</a:t>
+            </a:r>
+          </a:p>
+          <a:p>
+            <a:pPr lvl="1"/>
+            <a:r>
+              <a:rPr/>
+              <a:t>SQL output</a:t>
+            </a:r>
+          </a:p>
+          <a:p>
+            <a:pPr lvl="0" marL="1270000" indent="0">
+              <a:buNone/>
+            </a:pPr>
+            <a:r>
+              <a:rPr sz="1800">
+                <a:latin typeface="Courier"/>
+              </a:rPr>
+              <a:t>  n_ages n_distinct_ages
+1    252              51</a:t>
+            </a:r>
+          </a:p>
+        </p:txBody>
+      </p:sp>
+    </p:spTree>
+  </p:cSld>
+</p:sld>
+</file>
+
+<file path=ppt/slides/slide12.xml><?xml version="1.0" encoding="utf-8"?>
+<p:sld xmlns:a="http://schemas.openxmlformats.org/drawingml/2006/main" xmlns:r="http://schemas.openxmlformats.org/officeDocument/2006/relationships" xmlns:p="http://schemas.openxmlformats.org/presentationml/2006/main">
+  <p:cSld>
+    <p:spTree>
+      <p:nvGrpSpPr>
+        <p:cNvPr id="1" name=""/>
+        <p:cNvGrpSpPr/>
+        <p:nvPr/>
+      </p:nvGrpSpPr>
+      <p:grpSpPr>
+        <a:xfrm>
+          <a:off x="0" y="0"/>
+          <a:ext cx="0" cy="0"/>
+          <a:chOff x="0" y="0"/>
+          <a:chExt cx="0" cy="0"/>
+        </a:xfrm>
+      </p:grpSpPr>
+      <p:sp>
+        <p:nvSpPr>
+          <p:cNvPr id="2" name="Title 1"/>
+          <p:cNvSpPr>
+            <a:spLocks noGrp="1"/>
+          </p:cNvSpPr>
+          <p:nvPr>
+            <p:ph type="title"/>
+          </p:nvPr>
+        </p:nvSpPr>
+        <p:spPr/>
+        <p:txBody>
+          <a:bodyPr/>
+          <a:lstStyle/>
+          <a:p>
+            <a:pPr lvl="0" marL="0" indent="0">
+              <a:buNone/>
+            </a:pPr>
+            <a:r>
+              <a:rPr/>
+              <a:t>Use</a:t>
+            </a:r>
+            <a:r>
+              <a:rPr/>
+              <a:t> </a:t>
+            </a:r>
+            <a:r>
+              <a:rPr/>
+              <a:t>where</a:t>
+            </a:r>
+            <a:r>
+              <a:rPr/>
+              <a:t> </a:t>
+            </a:r>
+            <a:r>
+              <a:rPr/>
+              <a:t>to</a:t>
+            </a:r>
+            <a:r>
+              <a:rPr/>
+              <a:t> </a:t>
+            </a:r>
+            <a:r>
+              <a:rPr/>
+              <a:t>count</a:t>
+            </a:r>
+            <a:r>
+              <a:rPr/>
+              <a:t> </a:t>
+            </a:r>
+            <a:r>
+              <a:rPr/>
+              <a:t>subset</a:t>
+            </a:r>
+          </a:p>
+        </p:txBody>
+      </p:sp>
+      <p:sp>
+        <p:nvSpPr>
+          <p:cNvPr id="3" name="Content Placeholder 2"/>
+          <p:cNvSpPr>
+            <a:spLocks noGrp="1"/>
+          </p:cNvSpPr>
+          <p:nvPr>
+            <p:ph idx="1"/>
+          </p:nvPr>
+        </p:nvSpPr>
+        <p:spPr/>
+        <p:txBody>
+          <a:bodyPr/>
+          <a:lstStyle/>
+          <a:p>
+            <a:pPr lvl="1"/>
+            <a:r>
+              <a:rPr/>
+              <a:t>SQL code</a:t>
+            </a:r>
+          </a:p>
+          <a:p>
+            <a:pPr lvl="0" marL="1270000" indent="0">
+              <a:buNone/>
+            </a:pPr>
+            <a:r>
+              <a:rPr sz="1800">
+                <a:latin typeface="Courier"/>
+              </a:rPr>
+              <a:t>select count(case_number) as subset_count
+  from fat
+  where age &gt;= 65</a:t>
+            </a:r>
+          </a:p>
+          <a:p>
+            <a:pPr lvl="1"/>
+            <a:r>
+              <a:rPr/>
+              <a:t>SQL output</a:t>
+            </a:r>
+          </a:p>
+          <a:p>
+            <a:pPr lvl="0" marL="1270000" indent="0">
+              <a:buNone/>
+            </a:pPr>
+            <a:r>
+              <a:rPr sz="1800">
+                <a:latin typeface="Courier"/>
+              </a:rPr>
+              <a:t>  subset_count
+1           21</a:t>
+            </a:r>
+          </a:p>
+        </p:txBody>
+      </p:sp>
+    </p:spTree>
+  </p:cSld>
+</p:sld>
+</file>
+
+<file path=ppt/slides/slide13.xml><?xml version="1.0" encoding="utf-8"?>
+<p:sld xmlns:a="http://schemas.openxmlformats.org/drawingml/2006/main" xmlns:r="http://schemas.openxmlformats.org/officeDocument/2006/relationships" xmlns:p="http://schemas.openxmlformats.org/presentationml/2006/main">
+  <p:cSld>
+    <p:spTree>
+      <p:nvGrpSpPr>
+        <p:cNvPr id="1" name=""/>
+        <p:cNvGrpSpPr/>
+        <p:nvPr/>
+      </p:nvGrpSpPr>
+      <p:grpSpPr>
+        <a:xfrm>
+          <a:off x="0" y="0"/>
+          <a:ext cx="0" cy="0"/>
+          <a:chOff x="0" y="0"/>
+          <a:chExt cx="0" cy="0"/>
+        </a:xfrm>
+      </p:grpSpPr>
+      <p:sp>
+        <p:nvSpPr>
+          <p:cNvPr id="2" name="Title 1"/>
+          <p:cNvSpPr>
+            <a:spLocks noGrp="1"/>
+          </p:cNvSpPr>
+          <p:nvPr>
+            <p:ph type="title"/>
+          </p:nvPr>
+        </p:nvSpPr>
+        <p:spPr/>
+        <p:txBody>
+          <a:bodyPr/>
+          <a:lstStyle/>
+          <a:p>
+            <a:pPr lvl="0" marL="0" indent="0">
+              <a:buNone/>
+            </a:pPr>
+            <a:r>
+              <a:rPr/>
+              <a:t>Where</a:t>
+            </a:r>
+            <a:r>
+              <a:rPr/>
+              <a:t> </a:t>
+            </a:r>
+            <a:r>
+              <a:rPr/>
+              <a:t>also</a:t>
+            </a:r>
+            <a:r>
+              <a:rPr/>
+              <a:t> </a:t>
+            </a:r>
+            <a:r>
+              <a:rPr/>
+              <a:t>computes</a:t>
+            </a:r>
+            <a:r>
+              <a:rPr/>
+              <a:t> </a:t>
+            </a:r>
+            <a:r>
+              <a:rPr/>
+              <a:t>other</a:t>
+            </a:r>
+            <a:r>
+              <a:rPr/>
+              <a:t> </a:t>
+            </a:r>
+            <a:r>
+              <a:rPr/>
+              <a:t>statistics</a:t>
+            </a:r>
+            <a:r>
+              <a:rPr/>
+              <a:t> </a:t>
+            </a:r>
+            <a:r>
+              <a:rPr/>
+              <a:t>on</a:t>
+            </a:r>
+            <a:r>
+              <a:rPr/>
+              <a:t> </a:t>
+            </a:r>
+            <a:r>
+              <a:rPr/>
+              <a:t>subset</a:t>
+            </a:r>
+          </a:p>
+        </p:txBody>
+      </p:sp>
+      <p:sp>
+        <p:nvSpPr>
+          <p:cNvPr id="3" name="Content Placeholder 2"/>
+          <p:cNvSpPr>
+            <a:spLocks noGrp="1"/>
+          </p:cNvSpPr>
+          <p:nvPr>
+            <p:ph idx="1"/>
+          </p:nvPr>
+        </p:nvSpPr>
+        <p:spPr/>
+        <p:txBody>
+          <a:bodyPr/>
+          <a:lstStyle/>
+          <a:p>
+            <a:pPr lvl="1"/>
+            <a:r>
+              <a:rPr/>
+              <a:t>SQL code</a:t>
+            </a:r>
+          </a:p>
+          <a:p>
+            <a:pPr lvl="0" marL="1270000" indent="0">
+              <a:buNone/>
+            </a:pPr>
+            <a:r>
+              <a:rPr sz="1800">
+                <a:latin typeface="Courier"/>
+              </a:rPr>
+              <a:t>select 
+    round(avg(age)) as avg_senior_age,
+    round(avg(bmi)) as avg_senior_bmi
+  from fat
+  where age &gt;= 65</a:t>
+            </a:r>
+          </a:p>
+          <a:p>
+            <a:pPr lvl="1"/>
+            <a:r>
+              <a:rPr/>
+              <a:t>SQL output</a:t>
+            </a:r>
+          </a:p>
+          <a:p>
+            <a:pPr lvl="0" marL="1270000" indent="0">
+              <a:buNone/>
+            </a:pPr>
+            <a:r>
+              <a:rPr sz="1800">
+                <a:latin typeface="Courier"/>
+              </a:rPr>
+              <a:t>  avg_senior_age avg_senior_bmi
+1             69             27</a:t>
+            </a:r>
+          </a:p>
+        </p:txBody>
+      </p:sp>
+    </p:spTree>
+  </p:cSld>
+</p:sld>
+</file>
+
+<file path=ppt/slides/slide14.xml><?xml version="1.0" encoding="utf-8"?>
+<p:sld xmlns:a="http://schemas.openxmlformats.org/drawingml/2006/main" xmlns:r="http://schemas.openxmlformats.org/officeDocument/2006/relationships" xmlns:p="http://schemas.openxmlformats.org/presentationml/2006/main">
+  <p:cSld>
+    <p:spTree>
+      <p:nvGrpSpPr>
+        <p:cNvPr id="1" name=""/>
+        <p:cNvGrpSpPr/>
+        <p:nvPr/>
+      </p:nvGrpSpPr>
+      <p:grpSpPr>
+        <a:xfrm>
+          <a:off x="0" y="0"/>
+          <a:ext cx="0" cy="0"/>
+          <a:chOff x="0" y="0"/>
+          <a:chExt cx="0" cy="0"/>
+        </a:xfrm>
+      </p:grpSpPr>
+      <p:sp>
+        <p:nvSpPr>
+          <p:cNvPr id="2" name="Title 1"/>
+          <p:cNvSpPr>
+            <a:spLocks noGrp="1"/>
+          </p:cNvSpPr>
+          <p:nvPr>
+            <p:ph type="title"/>
+          </p:nvPr>
+        </p:nvSpPr>
+        <p:spPr/>
+        <p:txBody>
+          <a:bodyPr/>
+          <a:lstStyle/>
+          <a:p>
+            <a:pPr lvl="0" marL="0" indent="0">
+              <a:buNone/>
+            </a:pPr>
+            <a:r>
+              <a:rPr/>
+              <a:t>Switch</a:t>
+            </a:r>
+            <a:r>
+              <a:rPr/>
+              <a:t> </a:t>
+            </a:r>
+            <a:r>
+              <a:rPr/>
+              <a:t>to</a:t>
+            </a:r>
+            <a:r>
+              <a:rPr/>
+              <a:t> </a:t>
+            </a:r>
+            <a:r>
+              <a:rPr/>
+              <a:t>titanic</a:t>
+            </a:r>
+            <a:r>
+              <a:rPr/>
+              <a:t> </a:t>
+            </a:r>
+            <a:r>
+              <a:rPr/>
+              <a:t>data</a:t>
+            </a:r>
+            <a:r>
+              <a:rPr/>
+              <a:t> </a:t>
+            </a:r>
+            <a:r>
+              <a:rPr/>
+              <a:t>set</a:t>
+            </a:r>
+          </a:p>
+        </p:txBody>
+      </p:sp>
+      <p:sp>
+        <p:nvSpPr>
+          <p:cNvPr id="3" name="Content Placeholder 2"/>
+          <p:cNvSpPr>
+            <a:spLocks noGrp="1"/>
+          </p:cNvSpPr>
+          <p:nvPr>
+            <p:ph idx="1"/>
+          </p:nvPr>
+        </p:nvSpPr>
+        <p:spPr/>
+        <p:txBody>
+          <a:bodyPr/>
+          <a:lstStyle/>
+          <a:p>
+            <a:pPr lvl="1"/>
+            <a:r>
+              <a:rPr/>
+              <a:t>SQL code</a:t>
+            </a:r>
+          </a:p>
+          <a:p>
+            <a:pPr lvl="0" marL="1270000" indent="0">
+              <a:buNone/>
+            </a:pPr>
+            <a:r>
+              <a:rPr sz="1800">
+                <a:latin typeface="Courier"/>
+              </a:rPr>
+              <a:t>select PClass, count(Name) as n
+  from titanic_table
+  where PClass='1st'</a:t>
+            </a:r>
+          </a:p>
+          <a:p>
+            <a:pPr lvl="1"/>
+            <a:r>
+              <a:rPr/>
+              <a:t>SQL output</a:t>
+            </a:r>
+          </a:p>
+          <a:p>
+            <a:pPr lvl="0" marL="1270000" indent="0">
+              <a:buNone/>
+            </a:pPr>
+            <a:r>
+              <a:rPr sz="1800">
+                <a:latin typeface="Courier"/>
+              </a:rPr>
+              <a:t>  PClass   n
+1    1st 322</a:t>
+            </a:r>
+          </a:p>
+        </p:txBody>
+      </p:sp>
+    </p:spTree>
+  </p:cSld>
+</p:sld>
+</file>
+
+<file path=ppt/slides/slide15.xml><?xml version="1.0" encoding="utf-8"?>
+<p:sld xmlns:a="http://schemas.openxmlformats.org/drawingml/2006/main" xmlns:r="http://schemas.openxmlformats.org/officeDocument/2006/relationships" xmlns:p="http://schemas.openxmlformats.org/presentationml/2006/main">
+  <p:cSld>
+    <p:spTree>
+      <p:nvGrpSpPr>
+        <p:cNvPr id="1" name=""/>
+        <p:cNvGrpSpPr/>
+        <p:nvPr/>
+      </p:nvGrpSpPr>
+      <p:grpSpPr>
+        <a:xfrm>
+          <a:off x="0" y="0"/>
+          <a:ext cx="0" cy="0"/>
+          <a:chOff x="0" y="0"/>
+          <a:chExt cx="0" cy="0"/>
+        </a:xfrm>
+      </p:grpSpPr>
+      <p:sp>
+        <p:nvSpPr>
+          <p:cNvPr id="2" name="Title 1"/>
+          <p:cNvSpPr>
+            <a:spLocks noGrp="1"/>
+          </p:cNvSpPr>
+          <p:nvPr>
+            <p:ph type="title"/>
+          </p:nvPr>
+        </p:nvSpPr>
+        <p:spPr/>
+        <p:txBody>
+          <a:bodyPr/>
+          <a:lstStyle/>
+          <a:p>
+            <a:pPr lvl="0" marL="0" indent="0">
+              <a:buNone/>
+            </a:pPr>
+            <a:r>
+              <a:rPr/>
+              <a:t>Use</a:t>
+            </a:r>
+            <a:r>
+              <a:rPr/>
+              <a:t> </a:t>
+            </a:r>
+            <a:r>
+              <a:rPr/>
+              <a:t>group</a:t>
+            </a:r>
+            <a:r>
+              <a:rPr/>
+              <a:t> </a:t>
+            </a:r>
+            <a:r>
+              <a:rPr/>
+              <a:t>by</a:t>
+            </a:r>
+            <a:r>
+              <a:rPr/>
+              <a:t> </a:t>
+            </a:r>
+            <a:r>
+              <a:rPr/>
+              <a:t>to</a:t>
+            </a:r>
+            <a:r>
+              <a:rPr/>
+              <a:t> </a:t>
+            </a:r>
+            <a:r>
+              <a:rPr/>
+              <a:t>count</a:t>
+            </a:r>
+            <a:r>
+              <a:rPr/>
+              <a:t> </a:t>
+            </a:r>
+            <a:r>
+              <a:rPr/>
+              <a:t>all</a:t>
+            </a:r>
+            <a:r>
+              <a:rPr/>
+              <a:t> </a:t>
+            </a:r>
+            <a:r>
+              <a:rPr/>
+              <a:t>subsets</a:t>
+            </a:r>
+          </a:p>
+        </p:txBody>
+      </p:sp>
+      <p:sp>
+        <p:nvSpPr>
+          <p:cNvPr id="3" name="Content Placeholder 2"/>
+          <p:cNvSpPr>
+            <a:spLocks noGrp="1"/>
+          </p:cNvSpPr>
+          <p:nvPr>
+            <p:ph idx="1"/>
+          </p:nvPr>
+        </p:nvSpPr>
+        <p:spPr/>
+        <p:txBody>
+          <a:bodyPr/>
+          <a:lstStyle/>
+          <a:p>
+            <a:pPr lvl="1"/>
+            <a:r>
+              <a:rPr/>
+              <a:t>SQL code</a:t>
+            </a:r>
+          </a:p>
+          <a:p>
+            <a:pPr lvl="0" marL="1270000" indent="0">
+              <a:buNone/>
+            </a:pPr>
+            <a:r>
+              <a:rPr sz="1800">
+                <a:latin typeface="Courier"/>
+              </a:rPr>
+              <a:t>select PClass, count(Name) as n
+  from titanic_table
+  group by PClass</a:t>
+            </a:r>
+          </a:p>
+          <a:p>
+            <a:pPr lvl="1"/>
+            <a:r>
+              <a:rPr/>
+              <a:t>SQL output</a:t>
+            </a:r>
+          </a:p>
+          <a:p>
+            <a:pPr lvl="0" marL="1270000" indent="0">
+              <a:buNone/>
+            </a:pPr>
+            <a:r>
+              <a:rPr sz="1800">
+                <a:latin typeface="Courier"/>
+              </a:rPr>
+              <a:t>  PClass   n
+1    1st 322
+2    2nd 280
+3    3rd 711</a:t>
+            </a:r>
+          </a:p>
+        </p:txBody>
+      </p:sp>
+    </p:spTree>
+  </p:cSld>
+</p:sld>
+</file>
+
+<file path=ppt/slides/slide16.xml><?xml version="1.0" encoding="utf-8"?>
+<p:sld xmlns:a="http://schemas.openxmlformats.org/drawingml/2006/main" xmlns:r="http://schemas.openxmlformats.org/officeDocument/2006/relationships" xmlns:p="http://schemas.openxmlformats.org/presentationml/2006/main">
+  <p:cSld>
+    <p:spTree>
+      <p:nvGrpSpPr>
+        <p:cNvPr id="1" name=""/>
+        <p:cNvGrpSpPr/>
+        <p:nvPr/>
+      </p:nvGrpSpPr>
+      <p:grpSpPr>
+        <a:xfrm>
+          <a:off x="0" y="0"/>
+          <a:ext cx="0" cy="0"/>
+          <a:chOff x="0" y="0"/>
+          <a:chExt cx="0" cy="0"/>
+        </a:xfrm>
+      </p:grpSpPr>
+      <p:sp>
+        <p:nvSpPr>
+          <p:cNvPr id="2" name="Title 1"/>
+          <p:cNvSpPr>
+            <a:spLocks noGrp="1"/>
+          </p:cNvSpPr>
+          <p:nvPr>
+            <p:ph type="title"/>
+          </p:nvPr>
+        </p:nvSpPr>
+        <p:spPr/>
+        <p:txBody>
+          <a:bodyPr/>
+          <a:lstStyle/>
+          <a:p>
+            <a:pPr lvl="0" marL="0" indent="0">
+              <a:buNone/>
+            </a:pPr>
+            <a:r>
+              <a:rPr/>
+              <a:t>Multiple</a:t>
+            </a:r>
+            <a:r>
+              <a:rPr/>
+              <a:t> </a:t>
+            </a:r>
+            <a:r>
+              <a:rPr/>
+              <a:t>categories</a:t>
+            </a:r>
+          </a:p>
+        </p:txBody>
+      </p:sp>
+      <p:sp>
+        <p:nvSpPr>
+          <p:cNvPr id="3" name="Content Placeholder 2"/>
+          <p:cNvSpPr>
+            <a:spLocks noGrp="1"/>
+          </p:cNvSpPr>
+          <p:nvPr>
+            <p:ph idx="1"/>
+          </p:nvPr>
+        </p:nvSpPr>
+        <p:spPr/>
+        <p:txBody>
+          <a:bodyPr/>
+          <a:lstStyle/>
+          <a:p>
+            <a:pPr lvl="0" marL="0" indent="0">
+              <a:buNone/>
+            </a:pPr>
+            <a:r>
+              <a:rPr/>
+              <a:t>You can put two or more categorical variables in the GROUP BY statement.</a:t>
+            </a:r>
+          </a:p>
+          <a:p>
+            <a:pPr lvl="1"/>
+            <a:r>
+              <a:rPr/>
+              <a:t>SQL code</a:t>
+            </a:r>
+          </a:p>
+          <a:p>
+            <a:pPr lvl="0" marL="1270000" indent="0">
+              <a:buNone/>
+            </a:pPr>
+            <a:r>
+              <a:rPr sz="1800">
+                <a:latin typeface="Courier"/>
+              </a:rPr>
+              <a:t>select Sex, PClass, count(Name) as n
+  from titanic_table
+  group by Sex, PClass</a:t>
+            </a:r>
+          </a:p>
+          <a:p>
+            <a:pPr lvl="1"/>
+            <a:r>
+              <a:rPr/>
+              <a:t>SQL output</a:t>
+            </a:r>
+          </a:p>
+          <a:p>
+            <a:pPr lvl="0" marL="1270000" indent="0">
+              <a:buNone/>
+            </a:pPr>
+            <a:r>
+              <a:rPr sz="1800">
+                <a:latin typeface="Courier"/>
+              </a:rPr>
+              <a:t>     Sex PClass   n
+1 female    1st 143
+2 female    2nd 107
+3 female    3rd 212
+4   male    1st 179
+5   male    2nd 173
+6   male    3rd 499</a:t>
+            </a:r>
+          </a:p>
+        </p:txBody>
+      </p:sp>
+    </p:spTree>
+  </p:cSld>
+</p:sld>
+</file>
+
+<file path=ppt/slides/slide17.xml><?xml version="1.0" encoding="utf-8"?>
+<p:sld xmlns:a="http://schemas.openxmlformats.org/drawingml/2006/main" xmlns:r="http://schemas.openxmlformats.org/officeDocument/2006/relationships" xmlns:p="http://schemas.openxmlformats.org/presentationml/2006/main">
+  <p:cSld>
+    <p:spTree>
+      <p:nvGrpSpPr>
+        <p:cNvPr id="1" name=""/>
+        <p:cNvGrpSpPr/>
+        <p:nvPr/>
+      </p:nvGrpSpPr>
+      <p:grpSpPr>
+        <a:xfrm>
+          <a:off x="0" y="0"/>
+          <a:ext cx="0" cy="0"/>
+          <a:chOff x="0" y="0"/>
+          <a:chExt cx="0" cy="0"/>
+        </a:xfrm>
+      </p:grpSpPr>
+      <p:sp>
+        <p:nvSpPr>
+          <p:cNvPr id="2" name="Title 1"/>
+          <p:cNvSpPr>
+            <a:spLocks noGrp="1"/>
+          </p:cNvSpPr>
+          <p:nvPr>
+            <p:ph type="title"/>
+          </p:nvPr>
+        </p:nvSpPr>
+        <p:spPr/>
+        <p:txBody>
+          <a:bodyPr/>
+          <a:lstStyle/>
+          <a:p>
+            <a:pPr lvl="0" marL="0" indent="0">
+              <a:buNone/>
+            </a:pPr>
+            <a:r>
+              <a:rPr/>
+              <a:t>Description</a:t>
+            </a:r>
+            <a:r>
+              <a:rPr/>
+              <a:t> </a:t>
+            </a:r>
+            <a:r>
+              <a:rPr/>
+              <a:t>of</a:t>
+            </a:r>
+            <a:r>
+              <a:rPr/>
+              <a:t> </a:t>
+            </a:r>
+            <a:r>
+              <a:rPr/>
+              <a:t>the</a:t>
+            </a:r>
+            <a:r>
+              <a:rPr/>
+              <a:t> </a:t>
+            </a:r>
+            <a:r>
+              <a:rPr/>
+              <a:t>Titanic</a:t>
+            </a:r>
+            <a:r>
+              <a:rPr/>
+              <a:t> </a:t>
+            </a:r>
+            <a:r>
+              <a:rPr/>
+              <a:t>database</a:t>
+            </a:r>
+          </a:p>
+        </p:txBody>
+      </p:sp>
+      <p:sp>
+        <p:nvSpPr>
+          <p:cNvPr id="3" name="Content Placeholder 2"/>
+          <p:cNvSpPr>
+            <a:spLocks noGrp="1"/>
+          </p:cNvSpPr>
+          <p:nvPr>
+            <p:ph idx="1"/>
+          </p:nvPr>
+        </p:nvSpPr>
+        <p:spPr/>
+        <p:txBody>
+          <a:bodyPr/>
+          <a:lstStyle/>
+          <a:p>
+            <a:pPr lvl="1"/>
+            <a:r>
+              <a:rPr/>
+              <a:t>The Titanic database</a:t>
+            </a:r>
+          </a:p>
+        </p:txBody>
+      </p:sp>
+    </p:spTree>
+  </p:cSld>
+</p:sld>
+</file>
+
+<file path=ppt/slides/slide18.xml><?xml version="1.0" encoding="utf-8"?>
+<p:sld xmlns:a="http://schemas.openxmlformats.org/drawingml/2006/main" xmlns:r="http://schemas.openxmlformats.org/officeDocument/2006/relationships" xmlns:p="http://schemas.openxmlformats.org/presentationml/2006/main">
+  <p:cSld>
+    <p:spTree>
+      <p:nvGrpSpPr>
+        <p:cNvPr id="1" name=""/>
+        <p:cNvGrpSpPr/>
+        <p:nvPr/>
+      </p:nvGrpSpPr>
+      <p:grpSpPr>
+        <a:xfrm>
+          <a:off x="0" y="0"/>
+          <a:ext cx="0" cy="0"/>
+          <a:chOff x="0" y="0"/>
+          <a:chExt cx="0" cy="0"/>
+        </a:xfrm>
+      </p:grpSpPr>
+      <p:sp>
+        <p:nvSpPr>
+          <p:cNvPr id="2" name="Title 1"/>
+          <p:cNvSpPr>
+            <a:spLocks noGrp="1"/>
+          </p:cNvSpPr>
+          <p:nvPr>
+            <p:ph type="title"/>
+          </p:nvPr>
+        </p:nvSpPr>
+        <p:spPr/>
+        <p:txBody>
+          <a:bodyPr/>
+          <a:lstStyle/>
+          <a:p>
+            <a:pPr lvl="0" marL="0" indent="0">
+              <a:buNone/>
+            </a:pPr>
+            <a:r>
+              <a:rPr/>
+              <a:t>Computing</a:t>
+            </a:r>
+            <a:r>
+              <a:rPr/>
+              <a:t> </a:t>
+            </a:r>
+            <a:r>
+              <a:rPr/>
+              <a:t>the</a:t>
+            </a:r>
+            <a:r>
+              <a:rPr/>
+              <a:t> </a:t>
+            </a:r>
+            <a:r>
+              <a:rPr/>
+              <a:t>average</a:t>
+            </a:r>
+            <a:r>
+              <a:rPr/>
+              <a:t> </a:t>
+            </a:r>
+            <a:r>
+              <a:rPr/>
+              <a:t>age</a:t>
+            </a:r>
+            <a:r>
+              <a:rPr/>
+              <a:t> </a:t>
+            </a:r>
+            <a:r>
+              <a:rPr/>
+              <a:t>of</a:t>
+            </a:r>
+            <a:r>
+              <a:rPr/>
+              <a:t> </a:t>
+            </a:r>
+            <a:r>
+              <a:rPr/>
+              <a:t>all</a:t>
+            </a:r>
+            <a:r>
+              <a:rPr/>
+              <a:t> </a:t>
+            </a:r>
+            <a:r>
+              <a:rPr/>
+              <a:t>passengers</a:t>
+            </a:r>
+          </a:p>
+        </p:txBody>
+      </p:sp>
+      <p:sp>
+        <p:nvSpPr>
+          <p:cNvPr id="3" name="Content Placeholder 2"/>
+          <p:cNvSpPr>
+            <a:spLocks noGrp="1"/>
+          </p:cNvSpPr>
+          <p:nvPr>
+            <p:ph idx="1"/>
+          </p:nvPr>
+        </p:nvSpPr>
+        <p:spPr/>
+        <p:txBody>
+          <a:bodyPr/>
+          <a:lstStyle/>
+          <a:p>
+            <a:pPr lvl="1"/>
+            <a:r>
+              <a:rPr/>
+              <a:t>SQL code</a:t>
+            </a:r>
+          </a:p>
+          <a:p>
+            <a:pPr lvl="0" marL="1270000" indent="0">
+              <a:buNone/>
+            </a:pPr>
+            <a:r>
+              <a:rPr sz="1800">
+                <a:latin typeface="Courier"/>
+              </a:rPr>
+              <a:t>select average(age) 
+  from titanic</a:t>
+            </a:r>
+          </a:p>
+        </p:txBody>
+      </p:sp>
+    </p:spTree>
+  </p:cSld>
+</p:sld>
+</file>
+
+<file path=ppt/slides/slide19.xml><?xml version="1.0" encoding="utf-8"?>
+<p:sld xmlns:a="http://schemas.openxmlformats.org/drawingml/2006/main" xmlns:r="http://schemas.openxmlformats.org/officeDocument/2006/relationships" xmlns:p="http://schemas.openxmlformats.org/presentationml/2006/main">
+  <p:cSld>
+    <p:spTree>
+      <p:nvGrpSpPr>
+        <p:cNvPr id="1" name=""/>
+        <p:cNvGrpSpPr/>
+        <p:nvPr/>
+      </p:nvGrpSpPr>
+      <p:grpSpPr>
+        <a:xfrm>
+          <a:off x="0" y="0"/>
+          <a:ext cx="0" cy="0"/>
+          <a:chOff x="0" y="0"/>
+          <a:chExt cx="0" cy="0"/>
+        </a:xfrm>
+      </p:grpSpPr>
+      <p:sp>
+        <p:nvSpPr>
+          <p:cNvPr id="2" name="Title 1"/>
+          <p:cNvSpPr>
+            <a:spLocks noGrp="1"/>
+          </p:cNvSpPr>
+          <p:nvPr>
+            <p:ph type="title"/>
+          </p:nvPr>
+        </p:nvSpPr>
+        <p:spPr/>
+        <p:txBody>
+          <a:bodyPr/>
+          <a:lstStyle/>
+          <a:p>
+            <a:pPr lvl="0" marL="0" indent="0">
+              <a:buNone/>
+            </a:pPr>
+            <a:r>
+              <a:rPr/>
               <a:t>Selecting</a:t>
             </a:r>
             <a:r>
@@ -6453,15 +13261,39 @@
             </a:pPr>
             <a:r>
               <a:rPr/>
-              <a:t>Count</a:t>
-            </a:r>
-            <a:r>
-              <a:rPr/>
-              <a:t> </a:t>
-            </a:r>
-            <a:r>
-              <a:rPr/>
-              <a:t>funtion</a:t>
+              <a:t>Min,</a:t>
+            </a:r>
+            <a:r>
+              <a:rPr/>
+              <a:t> </a:t>
+            </a:r>
+            <a:r>
+              <a:rPr/>
+              <a:t>max,</a:t>
+            </a:r>
+            <a:r>
+              <a:rPr/>
+              <a:t> </a:t>
+            </a:r>
+            <a:r>
+              <a:rPr/>
+              <a:t>and</a:t>
+            </a:r>
+            <a:r>
+              <a:rPr/>
+              <a:t> </a:t>
+            </a:r>
+            <a:r>
+              <a:rPr/>
+              <a:t>avg</a:t>
+            </a:r>
+            <a:r>
+              <a:rPr/>
+              <a:t> </a:t>
+            </a:r>
+            <a:r>
+              <a:rPr/>
+              <a:t>functions</a:t>
             </a:r>
           </a:p>
         </p:txBody>
@@ -6495,7 +13327,7 @@
               <a:rPr sz="1800">
                 <a:latin typeface="Courier"/>
               </a:rPr>
-              <a:t>select count(case_number)
+              <a:t>select max(age), min(age)
   from  fat</a:t>
             </a:r>
           </a:p>
@@ -6514,8 +13346,8 @@
               <a:rPr sz="1800">
                 <a:latin typeface="Courier"/>
               </a:rPr>
-              <a:t>  count(case_number)
-1                252</a:t>
+              <a:t>  max(age) min(age)
+1       81       22</a:t>
             </a:r>
           </a:p>
         </p:txBody>
@@ -6562,7 +13394,23 @@
             </a:pPr>
             <a:r>
               <a:rPr/>
-              <a:t>Always</a:t>
+              <a:t>Be</a:t>
+            </a:r>
+            <a:r>
+              <a:rPr/>
+              <a:t> </a:t>
+            </a:r>
+            <a:r>
+              <a:rPr/>
+              <a:t>sure</a:t>
+            </a:r>
+            <a:r>
+              <a:rPr/>
+              <a:t> </a:t>
+            </a:r>
+            <a:r>
+              <a:rPr/>
+              <a:t>to</a:t>
             </a:r>
             <a:r>
               <a:rPr/>
@@ -6586,7 +13434,7 @@
             </a:r>
             <a:r>
               <a:rPr/>
-              <a:t>functions</a:t>
+              <a:t>variables</a:t>
             </a:r>
           </a:p>
         </p:txBody>
@@ -6620,8 +13468,10 @@
               <a:rPr sz="1800">
                 <a:latin typeface="Courier"/>
               </a:rPr>
-              <a:t>select count(case_number) as n_rows
-  from fat</a:t>
+              <a:t>select 
+  max(age) as oldest, 
+  min(age) as youngest
+  from  fat</a:t>
             </a:r>
           </a:p>
           <a:p>
@@ -6639,56 +13489,8 @@
               <a:rPr sz="1800">
                 <a:latin typeface="Courier"/>
               </a:rPr>
-              <a:t>  n_rows
-1    252</a:t>
-            </a:r>
-          </a:p>
-          <a:p>
-            <a:pPr lvl="0" marL="0" indent="0">
-              <a:buNone/>
-            </a:pPr>
-            <a:r>
-              <a:rPr/>
-              <a:t>ssssss ### Use where to count subset</a:t>
-            </a:r>
-          </a:p>
-          <a:p>
-            <a:pPr lvl="1"/>
-            <a:r>
-              <a:rPr/>
-              <a:t>SQL code</a:t>
-            </a:r>
-          </a:p>
-          <a:p>
-            <a:pPr lvl="0" marL="1270000" indent="0">
-              <a:buNone/>
-            </a:pPr>
-            <a:r>
-              <a:rPr sz="1800">
-                <a:latin typeface="Courier"/>
-              </a:rPr>
-              <a:t>select count(case_number) as subset_count
-  from fat
-  where age &gt;= 65</a:t>
-            </a:r>
-          </a:p>
-          <a:p>
-            <a:pPr lvl="1"/>
-            <a:r>
-              <a:rPr/>
-              <a:t>SQL output</a:t>
-            </a:r>
-          </a:p>
-          <a:p>
-            <a:pPr lvl="0" marL="1270000" indent="0">
-              <a:buNone/>
-            </a:pPr>
-            <a:r>
-              <a:rPr sz="1800">
-                <a:latin typeface="Courier"/>
-              </a:rPr>
-              <a:t>  subset_count
-1           21</a:t>
+              <a:t>  oldest youngest
+1     81       22</a:t>
             </a:r>
           </a:p>
         </p:txBody>
@@ -6735,31 +13537,23 @@
             </a:pPr>
             <a:r>
               <a:rPr/>
-              <a:t>Min</a:t>
-            </a:r>
-            <a:r>
-              <a:rPr/>
-              <a:t> </a:t>
-            </a:r>
-            <a:r>
-              <a:rPr/>
-              <a:t>and</a:t>
-            </a:r>
-            <a:r>
-              <a:rPr/>
-              <a:t> </a:t>
-            </a:r>
-            <a:r>
-              <a:rPr/>
-              <a:t>max</a:t>
-            </a:r>
-            <a:r>
-              <a:rPr/>
-              <a:t> </a:t>
-            </a:r>
-            <a:r>
-              <a:rPr/>
-              <a:t>functions</a:t>
+              <a:t>Computing</a:t>
+            </a:r>
+            <a:r>
+              <a:rPr/>
+              <a:t> </a:t>
+            </a:r>
+            <a:r>
+              <a:rPr/>
+              <a:t>a</a:t>
+            </a:r>
+            <a:r>
+              <a:rPr/>
+              <a:t> </a:t>
+            </a:r>
+            <a:r>
+              <a:rPr/>
+              <a:t>range</a:t>
             </a:r>
           </a:p>
         </p:txBody>
@@ -6779,12 +13573,10 @@
           <a:bodyPr/>
           <a:lstStyle/>
           <a:p>
-            <a:pPr lvl="0" marL="0" indent="0">
-              <a:buNone/>
-            </a:pPr>
-            <a:r>
-              <a:rPr/>
-              <a:t>The max and min functions compute the largest and smallest values.</a:t>
+            <a:pPr lvl="1"/>
+            <a:r>
+              <a:rPr/>
+              <a:t>SQL code</a:t>
             </a:r>
           </a:p>
           <a:p>
@@ -6795,8 +13587,16 @@
               <a:rPr sz="1800">
                 <a:latin typeface="Courier"/>
               </a:rPr>
-              <a:t>  oldest_age
-1         81</a:t>
+              <a:t>select 
+  max(age)-min(age) as age_range
+  from  fat</a:t>
+            </a:r>
+          </a:p>
+          <a:p>
+            <a:pPr lvl="1"/>
+            <a:r>
+              <a:rPr/>
+              <a:t>SQL output</a:t>
             </a:r>
           </a:p>
           <a:p>
@@ -6807,8 +13607,8 @@
               <a:rPr sz="1800">
                 <a:latin typeface="Courier"/>
               </a:rPr>
-              <a:t>  lowest_bmi
-1       18.1</a:t>
+              <a:t>  age_range
+1        59</a:t>
             </a:r>
           </a:p>
         </p:txBody>
@@ -6855,31 +13655,23 @@
             </a:pPr>
             <a:r>
               <a:rPr/>
-              <a:t>The</a:t>
-            </a:r>
-            <a:r>
-              <a:rPr/>
-              <a:t> </a:t>
-            </a:r>
-            <a:r>
-              <a:rPr/>
-              <a:t>group</a:t>
-            </a:r>
-            <a:r>
-              <a:rPr/>
-              <a:t> </a:t>
-            </a:r>
-            <a:r>
-              <a:rPr/>
-              <a:t>by</a:t>
-            </a:r>
-            <a:r>
-              <a:rPr/>
-              <a:t> </a:t>
-            </a:r>
-            <a:r>
-              <a:rPr/>
-              <a:t>keywords</a:t>
+              <a:t>computing</a:t>
+            </a:r>
+            <a:r>
+              <a:rPr/>
+              <a:t> </a:t>
+            </a:r>
+            <a:r>
+              <a:rPr/>
+              <a:t>an</a:t>
+            </a:r>
+            <a:r>
+              <a:rPr/>
+              <a:t> </a:t>
+            </a:r>
+            <a:r>
+              <a:rPr/>
+              <a:t>average</a:t>
             </a:r>
           </a:p>
         </p:txBody>
@@ -6913,9 +13705,8 @@
               <a:rPr sz="1800">
                 <a:latin typeface="Courier"/>
               </a:rPr>
-              <a:t>select PClass, count(Name) as n
-  from titanic_table
-  group by PClass</a:t>
+              <a:t>select avg(age) as average_age
+  from  fat</a:t>
             </a:r>
           </a:p>
           <a:p>
@@ -6933,10 +13724,8 @@
               <a:rPr sz="1800">
                 <a:latin typeface="Courier"/>
               </a:rPr>
-              <a:t>  PClass   n
-1    1st 322
-2    2nd 280
-3    3rd 711</a:t>
+              <a:t>  average_age
+1    44.88492</a:t>
             </a:r>
           </a:p>
         </p:txBody>
@@ -6983,31 +13772,23 @@
             </a:pPr>
             <a:r>
               <a:rPr/>
-              <a:t>Mean</a:t>
-            </a:r>
-            <a:r>
-              <a:rPr/>
-              <a:t> </a:t>
-            </a:r>
-            <a:r>
-              <a:rPr/>
-              <a:t>and</a:t>
-            </a:r>
-            <a:r>
-              <a:rPr/>
-              <a:t> </a:t>
-            </a:r>
-            <a:r>
-              <a:rPr/>
-              <a:t>sum</a:t>
-            </a:r>
-            <a:r>
-              <a:rPr/>
-              <a:t> </a:t>
-            </a:r>
-            <a:r>
-              <a:rPr/>
-              <a:t>functions</a:t>
+              <a:t>Rounding</a:t>
+            </a:r>
+            <a:r>
+              <a:rPr/>
+              <a:t> </a:t>
+            </a:r>
+            <a:r>
+              <a:rPr/>
+              <a:t>the</a:t>
+            </a:r>
+            <a:r>
+              <a:rPr/>
+              <a:t> </a:t>
+            </a:r>
+            <a:r>
+              <a:rPr/>
+              <a:t>average</a:t>
             </a:r>
           </a:p>
         </p:txBody>
@@ -7027,21 +13808,10 @@
           <a:bodyPr/>
           <a:lstStyle/>
           <a:p>
-            <a:pPr lvl="0" marL="0" indent="0">
-              <a:buNone/>
-            </a:pPr>
-            <a:r>
-              <a:rPr/>
-              <a:t>Two other useful summary functions are MEAN and SUM.</a:t>
-            </a:r>
-          </a:p>
-          <a:p>
-            <a:pPr lvl="0" marL="0" indent="0">
-              <a:buNone/>
-            </a:pPr>
-            <a:r>
-              <a:rPr/>
-              <a:t>In all of the examples so far, the summary functions produce a table with a single row. But you can use the GROUP BY statement to get summary functions for each level of a categorical variable.</a:t>
+            <a:pPr lvl="1"/>
+            <a:r>
+              <a:rPr/>
+              <a:t>SQL code</a:t>
             </a:r>
           </a:p>
           <a:p>
@@ -7052,7 +13822,15 @@
               <a:rPr sz="1800">
                 <a:latin typeface="Courier"/>
               </a:rPr>
-              <a:t>[1] 2 2</a:t>
+              <a:t>select round(avg(age),1) as average_age
+  from  fat</a:t>
+            </a:r>
+          </a:p>
+          <a:p>
+            <a:pPr lvl="1"/>
+            <a:r>
+              <a:rPr/>
+              <a:t>SQL output</a:t>
             </a:r>
           </a:p>
           <a:p>
@@ -7063,9 +13841,8 @@
               <a:rPr sz="1800">
                 <a:latin typeface="Courier"/>
               </a:rPr>
-              <a:t>     Sex min_age
-1 female    0.17
-2   male    0.33</a:t>
+              <a:t>  average_age
+1        44.9</a:t>
             </a:r>
           </a:p>
         </p:txBody>
@@ -7112,15 +13889,55 @@
             </a:pPr>
             <a:r>
               <a:rPr/>
-              <a:t>Multiple</a:t>
-            </a:r>
-            <a:r>
-              <a:rPr/>
-              <a:t> </a:t>
-            </a:r>
-            <a:r>
-              <a:rPr/>
-              <a:t>categories</a:t>
+              <a:t>When</a:t>
+            </a:r>
+            <a:r>
+              <a:rPr/>
+              <a:t> </a:t>
+            </a:r>
+            <a:r>
+              <a:rPr/>
+              <a:t>should</a:t>
+            </a:r>
+            <a:r>
+              <a:rPr/>
+              <a:t> </a:t>
+            </a:r>
+            <a:r>
+              <a:rPr/>
+              <a:t>you</a:t>
+            </a:r>
+            <a:r>
+              <a:rPr/>
+              <a:t> </a:t>
+            </a:r>
+            <a:r>
+              <a:rPr/>
+              <a:t>use</a:t>
+            </a:r>
+            <a:r>
+              <a:rPr/>
+              <a:t> </a:t>
+            </a:r>
+            <a:r>
+              <a:rPr/>
+              <a:t>these</a:t>
+            </a:r>
+            <a:r>
+              <a:rPr/>
+              <a:t> </a:t>
+            </a:r>
+            <a:r>
+              <a:rPr/>
+              <a:t>statistical</a:t>
+            </a:r>
+            <a:r>
+              <a:rPr/>
+              <a:t> </a:t>
+            </a:r>
+            <a:r>
+              <a:rPr/>
+              <a:t>functions</a:t>
             </a:r>
           </a:p>
         </p:txBody>
@@ -7140,40 +13957,31 @@
           <a:bodyPr/>
           <a:lstStyle/>
           <a:p>
-            <a:pPr lvl="0" marL="0" indent="0">
-              <a:buNone/>
-            </a:pPr>
-            <a:r>
-              <a:rPr/>
-              <a:t>You can put two or more categorical variables in the GROUP BY statement.</a:t>
-            </a:r>
-          </a:p>
-          <a:p>
-            <a:pPr lvl="0" marL="1270000" indent="0">
-              <a:buNone/>
-            </a:pPr>
-            <a:r>
-              <a:rPr sz="1800">
-                <a:latin typeface="Courier"/>
-              </a:rPr>
-              <a:t>[1] 6 3</a:t>
-            </a:r>
-          </a:p>
-          <a:p>
-            <a:pPr lvl="0" marL="1270000" indent="0">
-              <a:buNone/>
-            </a:pPr>
-            <a:r>
-              <a:rPr sz="1800">
-                <a:latin typeface="Courier"/>
-              </a:rPr>
-              <a:t>     Sex PClass min_age
-1 female    1st    2.00
-2 female    2nd    1.00
-3 female    3rd    0.17
-4   male    1st    0.92
-5   male    2nd    0.80
-6   male    3rd    0.33</a:t>
+            <a:pPr lvl="1"/>
+            <a:r>
+              <a:rPr/>
+              <a:t>All these functions are available in SAS and R</a:t>
+            </a:r>
+          </a:p>
+          <a:p>
+            <a:pPr lvl="1"/>
+            <a:r>
+              <a:rPr/>
+              <a:t>Use statistical functions in SQL if you want</a:t>
+            </a:r>
+          </a:p>
+          <a:p>
+            <a:pPr lvl="2"/>
+            <a:r>
+              <a:rPr/>
+              <a:t>to save time and space</a:t>
+            </a:r>
+          </a:p>
+          <a:p>
+            <a:pPr lvl="2"/>
+            <a:r>
+              <a:rPr/>
+              <a:t>to simplify your SAS or R code</a:t>
             </a:r>
           </a:p>
         </p:txBody>
@@ -7220,39 +14028,63 @@
             </a:pPr>
             <a:r>
               <a:rPr/>
-              <a:t>Description</a:t>
-            </a:r>
-            <a:r>
-              <a:rPr/>
-              <a:t> </a:t>
-            </a:r>
-            <a:r>
-              <a:rPr/>
-              <a:t>of</a:t>
-            </a:r>
-            <a:r>
-              <a:rPr/>
-              <a:t> </a:t>
-            </a:r>
-            <a:r>
-              <a:rPr/>
-              <a:t>the</a:t>
-            </a:r>
-            <a:r>
-              <a:rPr/>
-              <a:t> </a:t>
-            </a:r>
-            <a:r>
-              <a:rPr/>
-              <a:t>Titanic</a:t>
-            </a:r>
-            <a:r>
-              <a:rPr/>
-              <a:t> </a:t>
-            </a:r>
-            <a:r>
-              <a:rPr/>
-              <a:t>database</a:t>
+              <a:t>When</a:t>
+            </a:r>
+            <a:r>
+              <a:rPr/>
+              <a:t> </a:t>
+            </a:r>
+            <a:r>
+              <a:rPr/>
+              <a:t>should</a:t>
+            </a:r>
+            <a:r>
+              <a:rPr/>
+              <a:t> </a:t>
+            </a:r>
+            <a:r>
+              <a:rPr/>
+              <a:t>you</a:t>
+            </a:r>
+            <a:r>
+              <a:rPr/>
+              <a:t> </a:t>
+            </a:r>
+            <a:r>
+              <a:rPr/>
+              <a:t>use</a:t>
+            </a:r>
+            <a:r>
+              <a:rPr/>
+              <a:t> </a:t>
+            </a:r>
+            <a:r>
+              <a:rPr/>
+              <a:t>these</a:t>
+            </a:r>
+            <a:r>
+              <a:rPr/>
+              <a:t> </a:t>
+            </a:r>
+            <a:r>
+              <a:rPr/>
+              <a:t>statistical</a:t>
+            </a:r>
+            <a:r>
+              <a:rPr/>
+              <a:t> </a:t>
+            </a:r>
+            <a:r>
+              <a:rPr/>
+              <a:t>functions</a:t>
+            </a:r>
+            <a:r>
+              <a:rPr/>
+              <a:t> </a:t>
+            </a:r>
+            <a:r>
+              <a:rPr/>
+              <a:t>(2/2)</a:t>
             </a:r>
           </a:p>
         </p:txBody>
@@ -7275,7 +14107,28 @@
             <a:pPr lvl="1"/>
             <a:r>
               <a:rPr/>
-              <a:t>The Titanic database</a:t>
+              <a:t>Use statistical functions in SAS or R if you need</a:t>
+            </a:r>
+          </a:p>
+          <a:p>
+            <a:pPr lvl="2"/>
+            <a:r>
+              <a:rPr/>
+              <a:t>to store both the summary statistics AND the raw data</a:t>
+            </a:r>
+          </a:p>
+          <a:p>
+            <a:pPr lvl="2"/>
+            <a:r>
+              <a:rPr/>
+              <a:t>to account for variation</a:t>
+            </a:r>
+          </a:p>
+          <a:p>
+            <a:pPr lvl="2"/>
+            <a:r>
+              <a:rPr/>
+              <a:t>sophisticated summary statistics</a:t>
             </a:r>
           </a:p>
         </p:txBody>

--- a/src/stats.pptx
+++ b/src/stats.pptx
@@ -5,7 +5,7 @@
     <p:sldMasterId id="2147483648" r:id="rId1"/>
   </p:sldMasterIdLst>
   <p:notesMasterIdLst>
-    <p:NotesMasterId r:id="rId21"/>
+    <p:NotesMasterId r:id="rId20"/>
   </p:notesMasterIdLst>
   <p:sldIdLst>
     <p:sldId id="256" r:id="rId2"/>
@@ -26,7 +26,6 @@
     <p:sldId id="271" r:id="rId17"/>
     <p:sldId id="272" r:id="rId18"/>
     <p:sldId id="273" r:id="rId19"/>
-    <p:sldId id="274" r:id="rId20"/>
   </p:sldIdLst>
   <p:sldSz cx="9144000" cy="6858000" type="screen4x3"/>
   <p:notesSz cx="6858000" cy="9144000"/>
@@ -2625,23 +2624,103 @@
             </a:pPr>
             <a:r>
               <a:rPr/>
-              <a:t>The</a:t>
-            </a:r>
-            <a:r>
-              <a:rPr/>
-              <a:t> </a:t>
-            </a:r>
-            <a:r>
-              <a:rPr/>
-              <a:t>average</a:t>
-            </a:r>
-            <a:r>
-              <a:rPr/>
-              <a:t> </a:t>
-            </a:r>
-            <a:r>
-              <a:rPr/>
-              <a:t>function</a:t>
+              <a:t>You</a:t>
+            </a:r>
+            <a:r>
+              <a:rPr/>
+              <a:t> </a:t>
+            </a:r>
+            <a:r>
+              <a:rPr/>
+              <a:t>can</a:t>
+            </a:r>
+            <a:r>
+              <a:rPr/>
+              <a:t> </a:t>
+            </a:r>
+            <a:r>
+              <a:rPr/>
+              <a:t>put</a:t>
+            </a:r>
+            <a:r>
+              <a:rPr/>
+              <a:t> </a:t>
+            </a:r>
+            <a:r>
+              <a:rPr/>
+              <a:t>two</a:t>
+            </a:r>
+            <a:r>
+              <a:rPr/>
+              <a:t> </a:t>
+            </a:r>
+            <a:r>
+              <a:rPr/>
+              <a:t>or</a:t>
+            </a:r>
+            <a:r>
+              <a:rPr/>
+              <a:t> </a:t>
+            </a:r>
+            <a:r>
+              <a:rPr/>
+              <a:t>more</a:t>
+            </a:r>
+            <a:r>
+              <a:rPr/>
+              <a:t> </a:t>
+            </a:r>
+            <a:r>
+              <a:rPr/>
+              <a:t>categorical</a:t>
+            </a:r>
+            <a:r>
+              <a:rPr/>
+              <a:t> </a:t>
+            </a:r>
+            <a:r>
+              <a:rPr/>
+              <a:t>variables</a:t>
+            </a:r>
+            <a:r>
+              <a:rPr/>
+              <a:t> </a:t>
+            </a:r>
+            <a:r>
+              <a:rPr/>
+              <a:t>in</a:t>
+            </a:r>
+            <a:r>
+              <a:rPr/>
+              <a:t> </a:t>
+            </a:r>
+            <a:r>
+              <a:rPr/>
+              <a:t>the</a:t>
+            </a:r>
+            <a:r>
+              <a:rPr/>
+              <a:t> </a:t>
+            </a:r>
+            <a:r>
+              <a:rPr/>
+              <a:t>GROUP</a:t>
+            </a:r>
+            <a:r>
+              <a:rPr/>
+              <a:t> </a:t>
+            </a:r>
+            <a:r>
+              <a:rPr/>
+              <a:t>BY</a:t>
+            </a:r>
+            <a:r>
+              <a:rPr/>
+              <a:t> </a:t>
+            </a:r>
+            <a:r>
+              <a:rPr/>
+              <a:t>statement.</a:t>
             </a:r>
           </a:p>
         </p:txBody>
@@ -2663,7 +2742,7 @@
           <a:p>
             <a:fld id="{18BDFEC3-8487-43E8-A154-7C12CBC1FFF2}" type="slidenum">
               <a:rPr lang="en-US"/>
-              <a:t>18</a:t>
+              <a:t>16</a:t>
             </a:fld>
             <a:endParaRPr lang="en-US"/>
           </a:p>
@@ -2723,15 +2802,71 @@
             </a:pPr>
             <a:r>
               <a:rPr/>
-              <a:t>Here’s</a:t>
-            </a:r>
-            <a:r>
-              <a:rPr/>
-              <a:t> </a:t>
-            </a:r>
-            <a:r>
-              <a:rPr/>
-              <a:t>what</a:t>
+              <a:t>If</a:t>
+            </a:r>
+            <a:r>
+              <a:rPr/>
+              <a:t> </a:t>
+            </a:r>
+            <a:r>
+              <a:rPr/>
+              <a:t>you</a:t>
+            </a:r>
+            <a:r>
+              <a:rPr/>
+              <a:t> </a:t>
+            </a:r>
+            <a:r>
+              <a:rPr/>
+              <a:t>want</a:t>
+            </a:r>
+            <a:r>
+              <a:rPr/>
+              <a:t> </a:t>
+            </a:r>
+            <a:r>
+              <a:rPr/>
+              <a:t>to</a:t>
+            </a:r>
+            <a:r>
+              <a:rPr/>
+              <a:t> </a:t>
+            </a:r>
+            <a:r>
+              <a:rPr/>
+              <a:t>filter</a:t>
+            </a:r>
+            <a:r>
+              <a:rPr/>
+              <a:t> </a:t>
+            </a:r>
+            <a:r>
+              <a:rPr/>
+              <a:t>on</a:t>
+            </a:r>
+            <a:r>
+              <a:rPr/>
+              <a:t> </a:t>
+            </a:r>
+            <a:r>
+              <a:rPr/>
+              <a:t>a</a:t>
+            </a:r>
+            <a:r>
+              <a:rPr/>
+              <a:t> </a:t>
+            </a:r>
+            <a:r>
+              <a:rPr/>
+              <a:t>value</a:t>
+            </a:r>
+            <a:r>
+              <a:rPr/>
+              <a:t> </a:t>
+            </a:r>
+            <a:r>
+              <a:rPr/>
+              <a:t>of</a:t>
             </a:r>
             <a:r>
               <a:rPr/>
@@ -2747,23 +2882,359 @@
             </a:r>
             <a:r>
               <a:rPr/>
-              <a:t>results</a:t>
-            </a:r>
-            <a:r>
-              <a:rPr/>
-              <a:t> </a:t>
-            </a:r>
-            <a:r>
-              <a:rPr/>
-              <a:t>looks</a:t>
-            </a:r>
-            <a:r>
-              <a:rPr/>
-              <a:t> </a:t>
-            </a:r>
-            <a:r>
-              <a:rPr/>
-              <a:t>like.</a:t>
+              <a:t>summary</a:t>
+            </a:r>
+            <a:r>
+              <a:rPr/>
+              <a:t> </a:t>
+            </a:r>
+            <a:r>
+              <a:rPr/>
+              <a:t>statistic,</a:t>
+            </a:r>
+            <a:r>
+              <a:rPr/>
+              <a:t> </a:t>
+            </a:r>
+            <a:r>
+              <a:rPr/>
+              <a:t>you</a:t>
+            </a:r>
+            <a:r>
+              <a:rPr/>
+              <a:t> </a:t>
+            </a:r>
+            <a:r>
+              <a:rPr/>
+              <a:t>need</a:t>
+            </a:r>
+            <a:r>
+              <a:rPr/>
+              <a:t> </a:t>
+            </a:r>
+            <a:r>
+              <a:rPr/>
+              <a:t>to</a:t>
+            </a:r>
+            <a:r>
+              <a:rPr/>
+              <a:t> </a:t>
+            </a:r>
+            <a:r>
+              <a:rPr/>
+              <a:t>use</a:t>
+            </a:r>
+            <a:r>
+              <a:rPr/>
+              <a:t> </a:t>
+            </a:r>
+            <a:r>
+              <a:rPr/>
+              <a:t>the</a:t>
+            </a:r>
+            <a:r>
+              <a:rPr/>
+              <a:t> </a:t>
+            </a:r>
+            <a:r>
+              <a:rPr/>
+              <a:t>having</a:t>
+            </a:r>
+            <a:r>
+              <a:rPr/>
+              <a:t> </a:t>
+            </a:r>
+            <a:r>
+              <a:rPr/>
+              <a:t>keyword.</a:t>
+            </a:r>
+            <a:r>
+              <a:rPr/>
+              <a:t> </a:t>
+            </a:r>
+            <a:r>
+              <a:rPr/>
+              <a:t>This</a:t>
+            </a:r>
+            <a:r>
+              <a:rPr/>
+              <a:t> </a:t>
+            </a:r>
+            <a:r>
+              <a:rPr/>
+              <a:t>code</a:t>
+            </a:r>
+            <a:r>
+              <a:rPr/>
+              <a:t> </a:t>
+            </a:r>
+            <a:r>
+              <a:rPr/>
+              <a:t>selects</a:t>
+            </a:r>
+            <a:r>
+              <a:rPr/>
+              <a:t> </a:t>
+            </a:r>
+            <a:r>
+              <a:rPr/>
+              <a:t>those</a:t>
+            </a:r>
+            <a:r>
+              <a:rPr/>
+              <a:t> </a:t>
+            </a:r>
+            <a:r>
+              <a:rPr/>
+              <a:t>ages</a:t>
+            </a:r>
+            <a:r>
+              <a:rPr/>
+              <a:t> </a:t>
+            </a:r>
+            <a:r>
+              <a:rPr/>
+              <a:t>with</a:t>
+            </a:r>
+            <a:r>
+              <a:rPr/>
+              <a:t> </a:t>
+            </a:r>
+            <a:r>
+              <a:rPr/>
+              <a:t>only</a:t>
+            </a:r>
+            <a:r>
+              <a:rPr/>
+              <a:t> </a:t>
+            </a:r>
+            <a:r>
+              <a:rPr/>
+              <a:t>one</a:t>
+            </a:r>
+            <a:r>
+              <a:rPr/>
+              <a:t> </a:t>
+            </a:r>
+            <a:r>
+              <a:rPr/>
+              <a:t>passenger.</a:t>
+            </a:r>
+            <a:r>
+              <a:rPr/>
+              <a:t> </a:t>
+            </a:r>
+            <a:r>
+              <a:rPr/>
+              <a:t>You</a:t>
+            </a:r>
+            <a:r>
+              <a:rPr/>
+              <a:t> </a:t>
+            </a:r>
+            <a:r>
+              <a:rPr/>
+              <a:t>cannot</a:t>
+            </a:r>
+            <a:r>
+              <a:rPr/>
+              <a:t> </a:t>
+            </a:r>
+            <a:r>
+              <a:rPr/>
+              <a:t>use</a:t>
+            </a:r>
+            <a:r>
+              <a:rPr/>
+              <a:t> </a:t>
+            </a:r>
+            <a:r>
+              <a:rPr/>
+              <a:t>the</a:t>
+            </a:r>
+            <a:r>
+              <a:rPr/>
+              <a:t> </a:t>
+            </a:r>
+            <a:r>
+              <a:rPr/>
+              <a:t>where</a:t>
+            </a:r>
+            <a:r>
+              <a:rPr/>
+              <a:t> </a:t>
+            </a:r>
+            <a:r>
+              <a:rPr/>
+              <a:t>keyword</a:t>
+            </a:r>
+            <a:r>
+              <a:rPr/>
+              <a:t> </a:t>
+            </a:r>
+            <a:r>
+              <a:rPr/>
+              <a:t>because</a:t>
+            </a:r>
+            <a:r>
+              <a:rPr/>
+              <a:t> </a:t>
+            </a:r>
+            <a:r>
+              <a:rPr/>
+              <a:t>where</a:t>
+            </a:r>
+            <a:r>
+              <a:rPr/>
+              <a:t> </a:t>
+            </a:r>
+            <a:r>
+              <a:rPr/>
+              <a:t>is</a:t>
+            </a:r>
+            <a:r>
+              <a:rPr/>
+              <a:t> </a:t>
+            </a:r>
+            <a:r>
+              <a:rPr/>
+              <a:t>run</a:t>
+            </a:r>
+            <a:r>
+              <a:rPr/>
+              <a:t> </a:t>
+            </a:r>
+            <a:r>
+              <a:rPr/>
+              <a:t>BEFORE</a:t>
+            </a:r>
+            <a:r>
+              <a:rPr/>
+              <a:t> </a:t>
+            </a:r>
+            <a:r>
+              <a:rPr/>
+              <a:t>the</a:t>
+            </a:r>
+            <a:r>
+              <a:rPr/>
+              <a:t> </a:t>
+            </a:r>
+            <a:r>
+              <a:rPr/>
+              <a:t>data</a:t>
+            </a:r>
+            <a:r>
+              <a:rPr/>
+              <a:t> </a:t>
+            </a:r>
+            <a:r>
+              <a:rPr/>
+              <a:t>is</a:t>
+            </a:r>
+            <a:r>
+              <a:rPr/>
+              <a:t> </a:t>
+            </a:r>
+            <a:r>
+              <a:rPr/>
+              <a:t>summarized.</a:t>
+            </a:r>
+            <a:r>
+              <a:rPr/>
+              <a:t> </a:t>
+            </a:r>
+            <a:r>
+              <a:rPr/>
+              <a:t>You</a:t>
+            </a:r>
+            <a:r>
+              <a:rPr/>
+              <a:t> </a:t>
+            </a:r>
+            <a:r>
+              <a:rPr/>
+              <a:t>use</a:t>
+            </a:r>
+            <a:r>
+              <a:rPr/>
+              <a:t> </a:t>
+            </a:r>
+            <a:r>
+              <a:rPr/>
+              <a:t>the</a:t>
+            </a:r>
+            <a:r>
+              <a:rPr/>
+              <a:t> </a:t>
+            </a:r>
+            <a:r>
+              <a:rPr/>
+              <a:t>having</a:t>
+            </a:r>
+            <a:r>
+              <a:rPr/>
+              <a:t> </a:t>
+            </a:r>
+            <a:r>
+              <a:rPr/>
+              <a:t>keyword</a:t>
+            </a:r>
+            <a:r>
+              <a:rPr/>
+              <a:t> </a:t>
+            </a:r>
+            <a:r>
+              <a:rPr/>
+              <a:t>to</a:t>
+            </a:r>
+            <a:r>
+              <a:rPr/>
+              <a:t> </a:t>
+            </a:r>
+            <a:r>
+              <a:rPr/>
+              <a:t>filter</a:t>
+            </a:r>
+            <a:r>
+              <a:rPr/>
+              <a:t> </a:t>
+            </a:r>
+            <a:r>
+              <a:rPr/>
+              <a:t>AFTER</a:t>
+            </a:r>
+            <a:r>
+              <a:rPr/>
+              <a:t> </a:t>
+            </a:r>
+            <a:r>
+              <a:rPr/>
+              <a:t>the</a:t>
+            </a:r>
+            <a:r>
+              <a:rPr/>
+              <a:t> </a:t>
+            </a:r>
+            <a:r>
+              <a:rPr/>
+              <a:t>data</a:t>
+            </a:r>
+            <a:r>
+              <a:rPr/>
+              <a:t> </a:t>
+            </a:r>
+            <a:r>
+              <a:rPr/>
+              <a:t>is</a:t>
+            </a:r>
+            <a:r>
+              <a:rPr/>
+              <a:t> </a:t>
+            </a:r>
+            <a:r>
+              <a:rPr/>
+              <a:t>summarized.</a:t>
             </a:r>
           </a:p>
         </p:txBody>
@@ -2785,7 +3256,153 @@
           <a:p>
             <a:fld id="{18BDFEC3-8487-43E8-A154-7C12CBC1FFF2}" type="slidenum">
               <a:rPr lang="en-US"/>
-              <a:t>19</a:t>
+              <a:t>17</a:t>
+            </a:fld>
+            <a:endParaRPr lang="en-US"/>
+          </a:p>
+        </p:txBody>
+      </p:sp>
+    </p:spTree>
+  </p:cSld>
+</p:notes>
+</file>
+
+<file path=ppt/notesSlides/notesSlide16.xml><?xml version="1.0" encoding="utf-8"?>
+<p:notes xmlns:a="http://schemas.openxmlformats.org/drawingml/2006/main" xmlns:r="http://schemas.openxmlformats.org/officeDocument/2006/relationships" xmlns:p="http://schemas.openxmlformats.org/presentationml/2006/main">
+  <p:cSld>
+    <p:spTree>
+      <p:nvGrpSpPr>
+        <p:cNvPr id="1" name=""/>
+        <p:cNvGrpSpPr/>
+        <p:nvPr/>
+      </p:nvGrpSpPr>
+      <p:grpSpPr>
+        <a:xfrm>
+          <a:off x="0" y="0"/>
+          <a:ext cx="0" cy="0"/>
+          <a:chOff x="0" y="0"/>
+          <a:chExt cx="0" cy="0"/>
+        </a:xfrm>
+      </p:grpSpPr>
+      <p:sp>
+        <p:nvSpPr>
+          <p:cNvPr id="2" name="Slide Image Placeholder 1"/>
+          <p:cNvSpPr>
+            <a:spLocks noGrp="1" noRot="1" noChangeAspect="1"/>
+          </p:cNvSpPr>
+          <p:nvPr>
+            <p:ph type="sldImg"/>
+          </p:nvPr>
+        </p:nvSpPr>
+        <p:spPr/>
+      </p:sp>
+      <p:sp>
+        <p:nvSpPr>
+          <p:cNvPr id="3" name="Notes Placeholder 2"/>
+          <p:cNvSpPr>
+            <a:spLocks noGrp="1"/>
+          </p:cNvSpPr>
+          <p:nvPr>
+            <p:ph type="body" idx="1"/>
+          </p:nvPr>
+        </p:nvSpPr>
+        <p:spPr/>
+        <p:txBody>
+          <a:bodyPr/>
+          <a:lstStyle/>
+          <a:p>
+            <a:pPr lvl="0" marL="0" indent="0">
+              <a:buNone/>
+            </a:pPr>
+            <a:r>
+              <a:rPr/>
+              <a:t>Here’s</a:t>
+            </a:r>
+            <a:r>
+              <a:rPr/>
+              <a:t> </a:t>
+            </a:r>
+            <a:r>
+              <a:rPr/>
+              <a:t>another</a:t>
+            </a:r>
+            <a:r>
+              <a:rPr/>
+              <a:t> </a:t>
+            </a:r>
+            <a:r>
+              <a:rPr/>
+              <a:t>example.</a:t>
+            </a:r>
+            <a:r>
+              <a:rPr/>
+              <a:t> </a:t>
+            </a:r>
+            <a:r>
+              <a:rPr/>
+              <a:t>You</a:t>
+            </a:r>
+            <a:r>
+              <a:rPr/>
+              <a:t> </a:t>
+            </a:r>
+            <a:r>
+              <a:rPr/>
+              <a:t>are</a:t>
+            </a:r>
+            <a:r>
+              <a:rPr/>
+              <a:t> </a:t>
+            </a:r>
+            <a:r>
+              <a:rPr/>
+              <a:t>selecting</a:t>
+            </a:r>
+            <a:r>
+              <a:rPr/>
+              <a:t> </a:t>
+            </a:r>
+            <a:r>
+              <a:rPr/>
+              <a:t>only</a:t>
+            </a:r>
+            <a:r>
+              <a:rPr/>
+              <a:t> </a:t>
+            </a:r>
+            <a:r>
+              <a:rPr/>
+              <a:t>female</a:t>
+            </a:r>
+            <a:r>
+              <a:rPr/>
+              <a:t> </a:t>
+            </a:r>
+            <a:r>
+              <a:rPr/>
+              <a:t>passengers.</a:t>
+            </a:r>
+          </a:p>
+        </p:txBody>
+      </p:sp>
+      <p:sp>
+        <p:nvSpPr>
+          <p:cNvPr id="4" name="Slide Number Placeholder 3"/>
+          <p:cNvSpPr>
+            <a:spLocks noGrp="1"/>
+          </p:cNvSpPr>
+          <p:nvPr>
+            <p:ph type="sldNum" sz="quarter" idx="10"/>
+          </p:nvPr>
+        </p:nvSpPr>
+        <p:spPr/>
+        <p:txBody>
+          <a:bodyPr/>
+          <a:lstStyle/>
+          <a:p>
+            <a:fld id="{18BDFEC3-8487-43E8-A154-7C12CBC1FFF2}" type="slidenum">
+              <a:rPr lang="en-US"/>
+              <a:t>18</a:t>
             </a:fld>
             <a:endParaRPr lang="en-US"/>
           </a:p>
@@ -12689,15 +13306,6 @@
           <a:bodyPr/>
           <a:lstStyle/>
           <a:p>
-            <a:pPr lvl="0" marL="0" indent="0">
-              <a:buNone/>
-            </a:pPr>
-            <a:r>
-              <a:rPr/>
-              <a:t>You can put two or more categorical variables in the GROUP BY statement.</a:t>
-            </a:r>
-          </a:p>
-          <a:p>
             <a:pPr lvl="1"/>
             <a:r>
               <a:rPr/>
@@ -12785,39 +13393,23 @@
             </a:pPr>
             <a:r>
               <a:rPr/>
-              <a:t>Description</a:t>
-            </a:r>
-            <a:r>
-              <a:rPr/>
-              <a:t> </a:t>
-            </a:r>
-            <a:r>
-              <a:rPr/>
-              <a:t>of</a:t>
-            </a:r>
-            <a:r>
-              <a:rPr/>
-              <a:t> </a:t>
-            </a:r>
-            <a:r>
-              <a:rPr/>
-              <a:t>the</a:t>
-            </a:r>
-            <a:r>
-              <a:rPr/>
-              <a:t> </a:t>
-            </a:r>
-            <a:r>
-              <a:rPr/>
-              <a:t>Titanic</a:t>
-            </a:r>
-            <a:r>
-              <a:rPr/>
-              <a:t> </a:t>
-            </a:r>
-            <a:r>
-              <a:rPr/>
-              <a:t>database</a:t>
+              <a:t>The</a:t>
+            </a:r>
+            <a:r>
+              <a:rPr/>
+              <a:t> </a:t>
+            </a:r>
+            <a:r>
+              <a:rPr/>
+              <a:t>having</a:t>
+            </a:r>
+            <a:r>
+              <a:rPr/>
+              <a:t> </a:t>
+            </a:r>
+            <a:r>
+              <a:rPr/>
+              <a:t>keyword</a:t>
             </a:r>
           </a:p>
         </p:txBody>
@@ -12840,7 +13432,43 @@
             <a:pPr lvl="1"/>
             <a:r>
               <a:rPr/>
-              <a:t>The Titanic database</a:t>
+              <a:t>SQL code</a:t>
+            </a:r>
+          </a:p>
+          <a:p>
+            <a:pPr lvl="0" marL="1270000" indent="0">
+              <a:buNone/>
+            </a:pPr>
+            <a:r>
+              <a:rPr sz="1800">
+                <a:latin typeface="Courier"/>
+              </a:rPr>
+              <a:t>select Age, count(Age) as n
+  from titanic_table
+  group by Age
+  having n &gt;= 30</a:t>
+            </a:r>
+          </a:p>
+          <a:p>
+            <a:pPr lvl="1"/>
+            <a:r>
+              <a:rPr/>
+              <a:t>SQL output</a:t>
+            </a:r>
+          </a:p>
+          <a:p>
+            <a:pPr lvl="0" marL="1270000" indent="0">
+              <a:buNone/>
+            </a:pPr>
+            <a:r>
+              <a:rPr sz="1800">
+                <a:latin typeface="Courier"/>
+              </a:rPr>
+              <a:t>  Age  n
+1  18 30
+2  21 31
+3  22 35
+4  30 31</a:t>
             </a:r>
           </a:p>
         </p:txBody>
@@ -12887,55 +13515,31 @@
             </a:pPr>
             <a:r>
               <a:rPr/>
-              <a:t>Computing</a:t>
-            </a:r>
-            <a:r>
-              <a:rPr/>
-              <a:t> </a:t>
-            </a:r>
-            <a:r>
-              <a:rPr/>
-              <a:t>the</a:t>
-            </a:r>
-            <a:r>
-              <a:rPr/>
-              <a:t> </a:t>
-            </a:r>
-            <a:r>
-              <a:rPr/>
-              <a:t>average</a:t>
-            </a:r>
-            <a:r>
-              <a:rPr/>
-              <a:t> </a:t>
-            </a:r>
-            <a:r>
-              <a:rPr/>
-              <a:t>age</a:t>
-            </a:r>
-            <a:r>
-              <a:rPr/>
-              <a:t> </a:t>
-            </a:r>
-            <a:r>
-              <a:rPr/>
-              <a:t>of</a:t>
-            </a:r>
-            <a:r>
-              <a:rPr/>
-              <a:t> </a:t>
-            </a:r>
-            <a:r>
-              <a:rPr/>
-              <a:t>all</a:t>
-            </a:r>
-            <a:r>
-              <a:rPr/>
-              <a:t> </a:t>
-            </a:r>
-            <a:r>
-              <a:rPr/>
-              <a:t>passengers</a:t>
+              <a:t>The</a:t>
+            </a:r>
+            <a:r>
+              <a:rPr/>
+              <a:t> </a:t>
+            </a:r>
+            <a:r>
+              <a:rPr/>
+              <a:t>having</a:t>
+            </a:r>
+            <a:r>
+              <a:rPr/>
+              <a:t> </a:t>
+            </a:r>
+            <a:r>
+              <a:rPr/>
+              <a:t>keyword</a:t>
+            </a:r>
+            <a:r>
+              <a:rPr/>
+              <a:t> </a:t>
+            </a:r>
+            <a:r>
+              <a:rPr/>
+              <a:t>(2/2)</a:t>
             </a:r>
           </a:p>
         </p:txBody>
@@ -12969,121 +13573,20 @@
               <a:rPr sz="1800">
                 <a:latin typeface="Courier"/>
               </a:rPr>
-              <a:t>select average(age) 
-  from titanic</a:t>
-            </a:r>
-          </a:p>
-        </p:txBody>
-      </p:sp>
-    </p:spTree>
-  </p:cSld>
-</p:sld>
-</file>
-
-<file path=ppt/slides/slide19.xml><?xml version="1.0" encoding="utf-8"?>
-<p:sld xmlns:a="http://schemas.openxmlformats.org/drawingml/2006/main" xmlns:r="http://schemas.openxmlformats.org/officeDocument/2006/relationships" xmlns:p="http://schemas.openxmlformats.org/presentationml/2006/main">
-  <p:cSld>
-    <p:spTree>
-      <p:nvGrpSpPr>
-        <p:cNvPr id="1" name=""/>
-        <p:cNvGrpSpPr/>
-        <p:nvPr/>
-      </p:nvGrpSpPr>
-      <p:grpSpPr>
-        <a:xfrm>
-          <a:off x="0" y="0"/>
-          <a:ext cx="0" cy="0"/>
-          <a:chOff x="0" y="0"/>
-          <a:chExt cx="0" cy="0"/>
-        </a:xfrm>
-      </p:grpSpPr>
-      <p:sp>
-        <p:nvSpPr>
-          <p:cNvPr id="2" name="Title 1"/>
-          <p:cNvSpPr>
-            <a:spLocks noGrp="1"/>
-          </p:cNvSpPr>
-          <p:nvPr>
-            <p:ph type="title"/>
-          </p:nvPr>
-        </p:nvSpPr>
-        <p:spPr/>
-        <p:txBody>
-          <a:bodyPr/>
-          <a:lstStyle/>
-          <a:p>
-            <a:pPr lvl="0" marL="0" indent="0">
-              <a:buNone/>
-            </a:pPr>
-            <a:r>
-              <a:rPr/>
-              <a:t>Selecting</a:t>
-            </a:r>
-            <a:r>
-              <a:rPr/>
-              <a:t> </a:t>
-            </a:r>
-            <a:r>
-              <a:rPr/>
-              <a:t>a</a:t>
-            </a:r>
-            <a:r>
-              <a:rPr/>
-              <a:t> </a:t>
-            </a:r>
-            <a:r>
-              <a:rPr/>
-              <a:t>limited</a:t>
-            </a:r>
-            <a:r>
-              <a:rPr/>
-              <a:t> </a:t>
-            </a:r>
-            <a:r>
-              <a:rPr/>
-              <a:t>number</a:t>
-            </a:r>
-            <a:r>
-              <a:rPr/>
-              <a:t> </a:t>
-            </a:r>
-            <a:r>
-              <a:rPr/>
-              <a:t>of</a:t>
-            </a:r>
-            <a:r>
-              <a:rPr/>
-              <a:t> </a:t>
-            </a:r>
-            <a:r>
-              <a:rPr/>
-              <a:t>records</a:t>
-            </a:r>
-            <a:r>
-              <a:rPr/>
-              <a:t> </a:t>
-            </a:r>
-            <a:r>
-              <a:rPr/>
-              <a:t>(2/2)</a:t>
-            </a:r>
-          </a:p>
-        </p:txBody>
-      </p:sp>
-      <p:sp>
-        <p:nvSpPr>
-          <p:cNvPr id="3" name="Content Placeholder 2"/>
-          <p:cNvSpPr>
-            <a:spLocks noGrp="1"/>
-          </p:cNvSpPr>
-          <p:nvPr>
-            <p:ph idx="1"/>
-          </p:nvPr>
-        </p:nvSpPr>
-        <p:spPr/>
-        <p:txBody>
-          <a:bodyPr/>
-          <a:lstStyle/>
+              <a:t>select PClass, min(Age) as youngest_female
+  from titanic_table
+  where Sex='female'
+  group by PClass
+  having youngest_female &lt; 1</a:t>
+            </a:r>
+          </a:p>
+          <a:p>
+            <a:pPr lvl="1"/>
+            <a:r>
+              <a:rPr/>
+              <a:t>SQL output</a:t>
+            </a:r>
+          </a:p>
           <a:p>
             <a:pPr lvl="0" marL="1270000" indent="0">
               <a:buNone/>
@@ -13092,8 +13595,8 @@
               <a:rPr sz="1800">
                 <a:latin typeface="Courier"/>
               </a:rPr>
-              <a:t>  avg(age)
-1 30.39799</a:t>
+              <a:t>  PClass youngest_female
+1    3rd            0.17</a:t>
             </a:r>
           </a:p>
         </p:txBody>

--- a/src/stats.pptx
+++ b/src/stats.pptx
@@ -5,7 +5,7 @@
     <p:sldMasterId id="2147483648" r:id="rId1"/>
   </p:sldMasterIdLst>
   <p:notesMasterIdLst>
-    <p:NotesMasterId r:id="rId20"/>
+    <p:NotesMasterId r:id="rId25"/>
   </p:notesMasterIdLst>
   <p:sldIdLst>
     <p:sldId id="256" r:id="rId2"/>
@@ -26,6 +26,11 @@
     <p:sldId id="271" r:id="rId17"/>
     <p:sldId id="272" r:id="rId18"/>
     <p:sldId id="273" r:id="rId19"/>
+    <p:sldId id="274" r:id="rId20"/>
+    <p:sldId id="275" r:id="rId21"/>
+    <p:sldId id="276" r:id="rId22"/>
+    <p:sldId id="277" r:id="rId23"/>
+    <p:sldId id="278" r:id="rId24"/>
   </p:sldIdLst>
   <p:sldSz cx="9144000" cy="6858000" type="screen4x3"/>
   <p:notesSz cx="6858000" cy="9144000"/>
@@ -3237,6 +3242,612 @@
               <a:t>summarized.</a:t>
             </a:r>
           </a:p>
+          <a:p>
+            <a:pPr lvl="0" marL="0" indent="0">
+              <a:buNone/>
+            </a:pPr>
+          </a:p>
+          <a:p>
+            <a:pPr lvl="0" marL="0" indent="0">
+              <a:buNone/>
+            </a:pPr>
+            <a:r>
+              <a:rPr/>
+              <a:t>This</a:t>
+            </a:r>
+            <a:r>
+              <a:rPr/>
+              <a:t> </a:t>
+            </a:r>
+            <a:r>
+              <a:rPr/>
+              <a:t>code</a:t>
+            </a:r>
+            <a:r>
+              <a:rPr/>
+              <a:t> </a:t>
+            </a:r>
+            <a:r>
+              <a:rPr/>
+              <a:t>selects</a:t>
+            </a:r>
+            <a:r>
+              <a:rPr/>
+              <a:t> </a:t>
+            </a:r>
+            <a:r>
+              <a:rPr/>
+              <a:t>only</a:t>
+            </a:r>
+            <a:r>
+              <a:rPr/>
+              <a:t> </a:t>
+            </a:r>
+            <a:r>
+              <a:rPr/>
+              <a:t>female</a:t>
+            </a:r>
+            <a:r>
+              <a:rPr/>
+              <a:t> </a:t>
+            </a:r>
+            <a:r>
+              <a:rPr/>
+              <a:t>passengers</a:t>
+            </a:r>
+            <a:r>
+              <a:rPr/>
+              <a:t> </a:t>
+            </a:r>
+            <a:r>
+              <a:rPr/>
+              <a:t>and</a:t>
+            </a:r>
+            <a:r>
+              <a:rPr/>
+              <a:t> </a:t>
+            </a:r>
+            <a:r>
+              <a:rPr/>
+              <a:t>it</a:t>
+            </a:r>
+            <a:r>
+              <a:rPr/>
+              <a:t> </a:t>
+            </a:r>
+            <a:r>
+              <a:rPr/>
+              <a:t>does</a:t>
+            </a:r>
+            <a:r>
+              <a:rPr/>
+              <a:t> </a:t>
+            </a:r>
+            <a:r>
+              <a:rPr/>
+              <a:t>this</a:t>
+            </a:r>
+            <a:r>
+              <a:rPr/>
+              <a:t> </a:t>
+            </a:r>
+            <a:r>
+              <a:rPr/>
+              <a:t>before</a:t>
+            </a:r>
+            <a:r>
+              <a:rPr/>
+              <a:t> </a:t>
+            </a:r>
+            <a:r>
+              <a:rPr/>
+              <a:t>calculating</a:t>
+            </a:r>
+            <a:r>
+              <a:rPr/>
+              <a:t> </a:t>
+            </a:r>
+            <a:r>
+              <a:rPr/>
+              <a:t>the</a:t>
+            </a:r>
+            <a:r>
+              <a:rPr/>
+              <a:t> </a:t>
+            </a:r>
+            <a:r>
+              <a:rPr/>
+              <a:t>summary</a:t>
+            </a:r>
+            <a:r>
+              <a:rPr/>
+              <a:t> </a:t>
+            </a:r>
+            <a:r>
+              <a:rPr/>
+              <a:t>statistic.</a:t>
+            </a:r>
+            <a:r>
+              <a:rPr/>
+              <a:t> </a:t>
+            </a:r>
+            <a:r>
+              <a:rPr/>
+              <a:t>So</a:t>
+            </a:r>
+            <a:r>
+              <a:rPr/>
+              <a:t> </a:t>
+            </a:r>
+            <a:r>
+              <a:rPr/>
+              <a:t>the</a:t>
+            </a:r>
+            <a:r>
+              <a:rPr/>
+              <a:t> </a:t>
+            </a:r>
+            <a:r>
+              <a:rPr/>
+              <a:t>minimum</a:t>
+            </a:r>
+            <a:r>
+              <a:rPr/>
+              <a:t> </a:t>
+            </a:r>
+            <a:r>
+              <a:rPr/>
+              <a:t>age</a:t>
+            </a:r>
+            <a:r>
+              <a:rPr/>
+              <a:t> </a:t>
+            </a:r>
+            <a:r>
+              <a:rPr/>
+              <a:t>that</a:t>
+            </a:r>
+            <a:r>
+              <a:rPr/>
+              <a:t> </a:t>
+            </a:r>
+            <a:r>
+              <a:rPr/>
+              <a:t>you</a:t>
+            </a:r>
+            <a:r>
+              <a:rPr/>
+              <a:t> </a:t>
+            </a:r>
+            <a:r>
+              <a:rPr/>
+              <a:t>get</a:t>
+            </a:r>
+            <a:r>
+              <a:rPr/>
+              <a:t> </a:t>
+            </a:r>
+            <a:r>
+              <a:rPr/>
+              <a:t>is</a:t>
+            </a:r>
+            <a:r>
+              <a:rPr/>
+              <a:t> </a:t>
+            </a:r>
+            <a:r>
+              <a:rPr/>
+              <a:t>computed</a:t>
+            </a:r>
+            <a:r>
+              <a:rPr/>
+              <a:t> </a:t>
+            </a:r>
+            <a:r>
+              <a:rPr/>
+              <a:t>from</a:t>
+            </a:r>
+            <a:r>
+              <a:rPr/>
+              <a:t> </a:t>
+            </a:r>
+            <a:r>
+              <a:rPr/>
+              <a:t>the</a:t>
+            </a:r>
+            <a:r>
+              <a:rPr/>
+              <a:t> </a:t>
+            </a:r>
+            <a:r>
+              <a:rPr/>
+              <a:t>ages</a:t>
+            </a:r>
+            <a:r>
+              <a:rPr/>
+              <a:t> </a:t>
+            </a:r>
+            <a:r>
+              <a:rPr/>
+              <a:t>of</a:t>
+            </a:r>
+            <a:r>
+              <a:rPr/>
+              <a:t> </a:t>
+            </a:r>
+            <a:r>
+              <a:rPr/>
+              <a:t>only</a:t>
+            </a:r>
+            <a:r>
+              <a:rPr/>
+              <a:t> </a:t>
+            </a:r>
+            <a:r>
+              <a:rPr/>
+              <a:t>female</a:t>
+            </a:r>
+            <a:r>
+              <a:rPr/>
+              <a:t> </a:t>
+            </a:r>
+            <a:r>
+              <a:rPr/>
+              <a:t>passengers.</a:t>
+            </a:r>
+            <a:r>
+              <a:rPr/>
+              <a:t> </a:t>
+            </a:r>
+            <a:r>
+              <a:rPr/>
+              <a:t>We</a:t>
+            </a:r>
+            <a:r>
+              <a:rPr/>
+              <a:t> </a:t>
+            </a:r>
+            <a:r>
+              <a:rPr/>
+              <a:t>does</a:t>
+            </a:r>
+            <a:r>
+              <a:rPr/>
+              <a:t> </a:t>
+            </a:r>
+            <a:r>
+              <a:rPr/>
+              <a:t>this</a:t>
+            </a:r>
+            <a:r>
+              <a:rPr/>
+              <a:t> </a:t>
+            </a:r>
+            <a:r>
+              <a:rPr/>
+              <a:t>for</a:t>
+            </a:r>
+            <a:r>
+              <a:rPr/>
+              <a:t> </a:t>
+            </a:r>
+            <a:r>
+              <a:rPr/>
+              <a:t>the</a:t>
+            </a:r>
+            <a:r>
+              <a:rPr/>
+              <a:t> </a:t>
+            </a:r>
+            <a:r>
+              <a:rPr/>
+              <a:t>three</a:t>
+            </a:r>
+            <a:r>
+              <a:rPr/>
+              <a:t> </a:t>
+            </a:r>
+            <a:r>
+              <a:rPr/>
+              <a:t>passenger</a:t>
+            </a:r>
+            <a:r>
+              <a:rPr/>
+              <a:t> </a:t>
+            </a:r>
+            <a:r>
+              <a:rPr/>
+              <a:t>classes.</a:t>
+            </a:r>
+            <a:r>
+              <a:rPr/>
+              <a:t> </a:t>
+            </a:r>
+            <a:r>
+              <a:rPr/>
+              <a:t>Then</a:t>
+            </a:r>
+            <a:r>
+              <a:rPr/>
+              <a:t> </a:t>
+            </a:r>
+            <a:r>
+              <a:rPr/>
+              <a:t>we</a:t>
+            </a:r>
+            <a:r>
+              <a:rPr/>
+              <a:t> </a:t>
+            </a:r>
+            <a:r>
+              <a:rPr/>
+              <a:t>only</a:t>
+            </a:r>
+            <a:r>
+              <a:rPr/>
+              <a:t> </a:t>
+            </a:r>
+            <a:r>
+              <a:rPr/>
+              <a:t>keep</a:t>
+            </a:r>
+            <a:r>
+              <a:rPr/>
+              <a:t> </a:t>
+            </a:r>
+            <a:r>
+              <a:rPr/>
+              <a:t>the</a:t>
+            </a:r>
+            <a:r>
+              <a:rPr/>
+              <a:t> </a:t>
+            </a:r>
+            <a:r>
+              <a:rPr/>
+              <a:t>results</a:t>
+            </a:r>
+            <a:r>
+              <a:rPr/>
+              <a:t> </a:t>
+            </a:r>
+            <a:r>
+              <a:rPr/>
+              <a:t>if</a:t>
+            </a:r>
+            <a:r>
+              <a:rPr/>
+              <a:t> </a:t>
+            </a:r>
+            <a:r>
+              <a:rPr/>
+              <a:t>the</a:t>
+            </a:r>
+            <a:r>
+              <a:rPr/>
+              <a:t> </a:t>
+            </a:r>
+            <a:r>
+              <a:rPr/>
+              <a:t>youngest</a:t>
+            </a:r>
+            <a:r>
+              <a:rPr/>
+              <a:t> </a:t>
+            </a:r>
+            <a:r>
+              <a:rPr/>
+              <a:t>female</a:t>
+            </a:r>
+            <a:r>
+              <a:rPr/>
+              <a:t> </a:t>
+            </a:r>
+            <a:r>
+              <a:rPr/>
+              <a:t>passenger</a:t>
+            </a:r>
+            <a:r>
+              <a:rPr/>
+              <a:t> </a:t>
+            </a:r>
+            <a:r>
+              <a:rPr/>
+              <a:t>in</a:t>
+            </a:r>
+            <a:r>
+              <a:rPr/>
+              <a:t> </a:t>
+            </a:r>
+            <a:r>
+              <a:rPr/>
+              <a:t>that</a:t>
+            </a:r>
+            <a:r>
+              <a:rPr/>
+              <a:t> </a:t>
+            </a:r>
+            <a:r>
+              <a:rPr/>
+              <a:t>age</a:t>
+            </a:r>
+            <a:r>
+              <a:rPr/>
+              <a:t> </a:t>
+            </a:r>
+            <a:r>
+              <a:rPr/>
+              <a:t>group</a:t>
+            </a:r>
+            <a:r>
+              <a:rPr/>
+              <a:t> </a:t>
+            </a:r>
+            <a:r>
+              <a:rPr/>
+              <a:t>is</a:t>
+            </a:r>
+            <a:r>
+              <a:rPr/>
+              <a:t> </a:t>
+            </a:r>
+            <a:r>
+              <a:rPr/>
+              <a:t>less</a:t>
+            </a:r>
+            <a:r>
+              <a:rPr/>
+              <a:t> </a:t>
+            </a:r>
+            <a:r>
+              <a:rPr/>
+              <a:t>than</a:t>
+            </a:r>
+            <a:r>
+              <a:rPr/>
+              <a:t> </a:t>
+            </a:r>
+            <a:r>
+              <a:rPr/>
+              <a:t>a</a:t>
+            </a:r>
+            <a:r>
+              <a:rPr/>
+              <a:t> </a:t>
+            </a:r>
+            <a:r>
+              <a:rPr/>
+              <a:t>year</a:t>
+            </a:r>
+            <a:r>
+              <a:rPr/>
+              <a:t> </a:t>
+            </a:r>
+            <a:r>
+              <a:rPr/>
+              <a:t>old.</a:t>
+            </a:r>
+            <a:r>
+              <a:rPr/>
+              <a:t> </a:t>
+            </a:r>
+            <a:r>
+              <a:rPr/>
+              <a:t>You</a:t>
+            </a:r>
+            <a:r>
+              <a:rPr/>
+              <a:t> </a:t>
+            </a:r>
+            <a:r>
+              <a:rPr/>
+              <a:t>can</a:t>
+            </a:r>
+            <a:r>
+              <a:rPr/>
+              <a:t> </a:t>
+            </a:r>
+            <a:r>
+              <a:rPr/>
+              <a:t>see</a:t>
+            </a:r>
+            <a:r>
+              <a:rPr/>
+              <a:t> </a:t>
+            </a:r>
+            <a:r>
+              <a:rPr/>
+              <a:t>that</a:t>
+            </a:r>
+            <a:r>
+              <a:rPr/>
+              <a:t> </a:t>
+            </a:r>
+            <a:r>
+              <a:rPr/>
+              <a:t>only</a:t>
+            </a:r>
+            <a:r>
+              <a:rPr/>
+              <a:t> </a:t>
+            </a:r>
+            <a:r>
+              <a:rPr/>
+              <a:t>third</a:t>
+            </a:r>
+            <a:r>
+              <a:rPr/>
+              <a:t> </a:t>
+            </a:r>
+            <a:r>
+              <a:rPr/>
+              <a:t>class</a:t>
+            </a:r>
+            <a:r>
+              <a:rPr/>
+              <a:t> </a:t>
+            </a:r>
+            <a:r>
+              <a:rPr/>
+              <a:t>has</a:t>
+            </a:r>
+            <a:r>
+              <a:rPr/>
+              <a:t> </a:t>
+            </a:r>
+            <a:r>
+              <a:rPr/>
+              <a:t>a</a:t>
+            </a:r>
+            <a:r>
+              <a:rPr/>
+              <a:t> </a:t>
+            </a:r>
+            <a:r>
+              <a:rPr/>
+              <a:t>baby</a:t>
+            </a:r>
+            <a:r>
+              <a:rPr/>
+              <a:t> </a:t>
+            </a:r>
+            <a:r>
+              <a:rPr/>
+              <a:t>girl</a:t>
+            </a:r>
+            <a:r>
+              <a:rPr/>
+              <a:t> </a:t>
+            </a:r>
+            <a:r>
+              <a:rPr/>
+              <a:t>under</a:t>
+            </a:r>
+            <a:r>
+              <a:rPr/>
+              <a:t> </a:t>
+            </a:r>
+            <a:r>
+              <a:rPr/>
+              <a:t>a</a:t>
+            </a:r>
+            <a:r>
+              <a:rPr/>
+              <a:t> </a:t>
+            </a:r>
+            <a:r>
+              <a:rPr/>
+              <a:t>year</a:t>
+            </a:r>
+            <a:r>
+              <a:rPr/>
+              <a:t> </a:t>
+            </a:r>
+            <a:r>
+              <a:rPr/>
+              <a:t>old.</a:t>
+            </a:r>
+          </a:p>
         </p:txBody>
       </p:sp>
       <p:sp>
@@ -3324,7 +3935,15 @@
             </a:r>
             <a:r>
               <a:rPr/>
-              <a:t>another</a:t>
+              <a:t>a</a:t>
+            </a:r>
+            <a:r>
+              <a:rPr/>
+              <a:t> </a:t>
+            </a:r>
+            <a:r>
+              <a:rPr/>
+              <a:t>second</a:t>
             </a:r>
             <a:r>
               <a:rPr/>
@@ -3340,7 +3959,7 @@
             </a:r>
             <a:r>
               <a:rPr/>
-              <a:t>You</a:t>
+              <a:t>There</a:t>
             </a:r>
             <a:r>
               <a:rPr/>
@@ -3356,31 +3975,493 @@
             </a:r>
             <a:r>
               <a:rPr/>
-              <a:t>selecting</a:t>
-            </a:r>
-            <a:r>
-              <a:rPr/>
-              <a:t> </a:t>
-            </a:r>
-            <a:r>
-              <a:rPr/>
-              <a:t>only</a:t>
-            </a:r>
-            <a:r>
-              <a:rPr/>
-              <a:t> </a:t>
-            </a:r>
-            <a:r>
-              <a:rPr/>
-              <a:t>female</a:t>
-            </a:r>
-            <a:r>
-              <a:rPr/>
-              <a:t> </a:t>
-            </a:r>
-            <a:r>
-              <a:rPr/>
-              <a:t>passengers.</a:t>
+              <a:t>1,313</a:t>
+            </a:r>
+            <a:r>
+              <a:rPr/>
+              <a:t> </a:t>
+            </a:r>
+            <a:r>
+              <a:rPr/>
+              <a:t>passengers</a:t>
+            </a:r>
+            <a:r>
+              <a:rPr/>
+              <a:t> </a:t>
+            </a:r>
+            <a:r>
+              <a:rPr/>
+              <a:t>on</a:t>
+            </a:r>
+            <a:r>
+              <a:rPr/>
+              <a:t> </a:t>
+            </a:r>
+            <a:r>
+              <a:rPr/>
+              <a:t>the</a:t>
+            </a:r>
+            <a:r>
+              <a:rPr/>
+              <a:t> </a:t>
+            </a:r>
+            <a:r>
+              <a:rPr/>
+              <a:t>Titanic,</a:t>
+            </a:r>
+            <a:r>
+              <a:rPr/>
+              <a:t> </a:t>
+            </a:r>
+            <a:r>
+              <a:rPr/>
+              <a:t>so</a:t>
+            </a:r>
+            <a:r>
+              <a:rPr/>
+              <a:t> </a:t>
+            </a:r>
+            <a:r>
+              <a:rPr/>
+              <a:t>many</a:t>
+            </a:r>
+            <a:r>
+              <a:rPr/>
+              <a:t> </a:t>
+            </a:r>
+            <a:r>
+              <a:rPr/>
+              <a:t>of</a:t>
+            </a:r>
+            <a:r>
+              <a:rPr/>
+              <a:t> </a:t>
+            </a:r>
+            <a:r>
+              <a:rPr/>
+              <a:t>them</a:t>
+            </a:r>
+            <a:r>
+              <a:rPr/>
+              <a:t> </a:t>
+            </a:r>
+            <a:r>
+              <a:rPr/>
+              <a:t>will</a:t>
+            </a:r>
+            <a:r>
+              <a:rPr/>
+              <a:t> </a:t>
+            </a:r>
+            <a:r>
+              <a:rPr/>
+              <a:t>have</a:t>
+            </a:r>
+            <a:r>
+              <a:rPr/>
+              <a:t> </a:t>
+            </a:r>
+            <a:r>
+              <a:rPr/>
+              <a:t>the</a:t>
+            </a:r>
+            <a:r>
+              <a:rPr/>
+              <a:t> </a:t>
+            </a:r>
+            <a:r>
+              <a:rPr/>
+              <a:t>same</a:t>
+            </a:r>
+            <a:r>
+              <a:rPr/>
+              <a:t> </a:t>
+            </a:r>
+            <a:r>
+              <a:rPr/>
+              <a:t>age.</a:t>
+            </a:r>
+            <a:r>
+              <a:rPr/>
+              <a:t> </a:t>
+            </a:r>
+            <a:r>
+              <a:rPr/>
+              <a:t>Which</a:t>
+            </a:r>
+            <a:r>
+              <a:rPr/>
+              <a:t> </a:t>
+            </a:r>
+            <a:r>
+              <a:rPr/>
+              <a:t>ages</a:t>
+            </a:r>
+            <a:r>
+              <a:rPr/>
+              <a:t> </a:t>
+            </a:r>
+            <a:r>
+              <a:rPr/>
+              <a:t>occur</a:t>
+            </a:r>
+            <a:r>
+              <a:rPr/>
+              <a:t> </a:t>
+            </a:r>
+            <a:r>
+              <a:rPr/>
+              <a:t>at</a:t>
+            </a:r>
+            <a:r>
+              <a:rPr/>
+              <a:t> </a:t>
+            </a:r>
+            <a:r>
+              <a:rPr/>
+              <a:t>least</a:t>
+            </a:r>
+            <a:r>
+              <a:rPr/>
+              <a:t> </a:t>
+            </a:r>
+            <a:r>
+              <a:rPr/>
+              <a:t>30</a:t>
+            </a:r>
+            <a:r>
+              <a:rPr/>
+              <a:t> </a:t>
+            </a:r>
+            <a:r>
+              <a:rPr/>
+              <a:t>times?</a:t>
+            </a:r>
+            <a:r>
+              <a:rPr/>
+              <a:t> </a:t>
+            </a:r>
+            <a:r>
+              <a:rPr/>
+              <a:t>That’s</a:t>
+            </a:r>
+            <a:r>
+              <a:rPr/>
+              <a:t> </a:t>
+            </a:r>
+            <a:r>
+              <a:rPr/>
+              <a:t>what</a:t>
+            </a:r>
+            <a:r>
+              <a:rPr/>
+              <a:t> </a:t>
+            </a:r>
+            <a:r>
+              <a:rPr/>
+              <a:t>this</a:t>
+            </a:r>
+            <a:r>
+              <a:rPr/>
+              <a:t> </a:t>
+            </a:r>
+            <a:r>
+              <a:rPr/>
+              <a:t>query</a:t>
+            </a:r>
+            <a:r>
+              <a:rPr/>
+              <a:t> </a:t>
+            </a:r>
+            <a:r>
+              <a:rPr/>
+              <a:t>tells</a:t>
+            </a:r>
+            <a:r>
+              <a:rPr/>
+              <a:t> </a:t>
+            </a:r>
+            <a:r>
+              <a:rPr/>
+              <a:t>you.</a:t>
+            </a:r>
+          </a:p>
+          <a:p>
+            <a:pPr lvl="0" marL="0" indent="0">
+              <a:buNone/>
+            </a:pPr>
+          </a:p>
+          <a:p>
+            <a:pPr lvl="0" marL="0" indent="0">
+              <a:buNone/>
+            </a:pPr>
+            <a:r>
+              <a:rPr/>
+              <a:t>There’s</a:t>
+            </a:r>
+            <a:r>
+              <a:rPr/>
+              <a:t> </a:t>
+            </a:r>
+            <a:r>
+              <a:rPr/>
+              <a:t>one</a:t>
+            </a:r>
+            <a:r>
+              <a:rPr/>
+              <a:t> </a:t>
+            </a:r>
+            <a:r>
+              <a:rPr/>
+              <a:t>problem</a:t>
+            </a:r>
+            <a:r>
+              <a:rPr/>
+              <a:t> </a:t>
+            </a:r>
+            <a:r>
+              <a:rPr/>
+              <a:t>here.</a:t>
+            </a:r>
+            <a:r>
+              <a:rPr/>
+              <a:t> </a:t>
+            </a:r>
+            <a:r>
+              <a:rPr/>
+              <a:t>The</a:t>
+            </a:r>
+            <a:r>
+              <a:rPr/>
+              <a:t> </a:t>
+            </a:r>
+            <a:r>
+              <a:rPr/>
+              <a:t>most</a:t>
+            </a:r>
+            <a:r>
+              <a:rPr/>
+              <a:t> </a:t>
+            </a:r>
+            <a:r>
+              <a:rPr/>
+              <a:t>common</a:t>
+            </a:r>
+            <a:r>
+              <a:rPr/>
+              <a:t> </a:t>
+            </a:r>
+            <a:r>
+              <a:rPr/>
+              <a:t>value</a:t>
+            </a:r>
+            <a:r>
+              <a:rPr/>
+              <a:t> </a:t>
+            </a:r>
+            <a:r>
+              <a:rPr/>
+              <a:t>for</a:t>
+            </a:r>
+            <a:r>
+              <a:rPr/>
+              <a:t> </a:t>
+            </a:r>
+            <a:r>
+              <a:rPr/>
+              <a:t>age</a:t>
+            </a:r>
+            <a:r>
+              <a:rPr/>
+              <a:t> </a:t>
+            </a:r>
+            <a:r>
+              <a:rPr/>
+              <a:t>is</a:t>
+            </a:r>
+            <a:r>
+              <a:rPr/>
+              <a:t> </a:t>
+            </a:r>
+            <a:r>
+              <a:rPr/>
+              <a:t>null,</a:t>
+            </a:r>
+            <a:r>
+              <a:rPr/>
+              <a:t> </a:t>
+            </a:r>
+            <a:r>
+              <a:rPr/>
+              <a:t>which</a:t>
+            </a:r>
+            <a:r>
+              <a:rPr/>
+              <a:t> </a:t>
+            </a:r>
+            <a:r>
+              <a:rPr/>
+              <a:t>occurs</a:t>
+            </a:r>
+            <a:r>
+              <a:rPr/>
+              <a:t> </a:t>
+            </a:r>
+            <a:r>
+              <a:rPr/>
+              <a:t>756</a:t>
+            </a:r>
+            <a:r>
+              <a:rPr/>
+              <a:t> </a:t>
+            </a:r>
+            <a:r>
+              <a:rPr/>
+              <a:t>times.</a:t>
+            </a:r>
+            <a:r>
+              <a:rPr/>
+              <a:t> </a:t>
+            </a:r>
+            <a:r>
+              <a:rPr/>
+              <a:t>Why</a:t>
+            </a:r>
+            <a:r>
+              <a:rPr/>
+              <a:t> </a:t>
+            </a:r>
+            <a:r>
+              <a:rPr/>
+              <a:t>didn’t</a:t>
+            </a:r>
+            <a:r>
+              <a:rPr/>
+              <a:t> </a:t>
+            </a:r>
+            <a:r>
+              <a:rPr/>
+              <a:t>this</a:t>
+            </a:r>
+            <a:r>
+              <a:rPr/>
+              <a:t> </a:t>
+            </a:r>
+            <a:r>
+              <a:rPr/>
+              <a:t>show</a:t>
+            </a:r>
+            <a:r>
+              <a:rPr/>
+              <a:t> </a:t>
+            </a:r>
+            <a:r>
+              <a:rPr/>
+              <a:t>up</a:t>
+            </a:r>
+            <a:r>
+              <a:rPr/>
+              <a:t> </a:t>
+            </a:r>
+            <a:r>
+              <a:rPr/>
+              <a:t>when</a:t>
+            </a:r>
+            <a:r>
+              <a:rPr/>
+              <a:t> </a:t>
+            </a:r>
+            <a:r>
+              <a:rPr/>
+              <a:t>you</a:t>
+            </a:r>
+            <a:r>
+              <a:rPr/>
+              <a:t> </a:t>
+            </a:r>
+            <a:r>
+              <a:rPr/>
+              <a:t>asked</a:t>
+            </a:r>
+            <a:r>
+              <a:rPr/>
+              <a:t> </a:t>
+            </a:r>
+            <a:r>
+              <a:rPr/>
+              <a:t>for</a:t>
+            </a:r>
+            <a:r>
+              <a:rPr/>
+              <a:t> </a:t>
+            </a:r>
+            <a:r>
+              <a:rPr/>
+              <a:t>ages</a:t>
+            </a:r>
+            <a:r>
+              <a:rPr/>
+              <a:t> </a:t>
+            </a:r>
+            <a:r>
+              <a:rPr/>
+              <a:t>with</a:t>
+            </a:r>
+            <a:r>
+              <a:rPr/>
+              <a:t> </a:t>
+            </a:r>
+            <a:r>
+              <a:rPr/>
+              <a:t>counts</a:t>
+            </a:r>
+            <a:r>
+              <a:rPr/>
+              <a:t> </a:t>
+            </a:r>
+            <a:r>
+              <a:rPr/>
+              <a:t>of</a:t>
+            </a:r>
+            <a:r>
+              <a:rPr/>
+              <a:t> </a:t>
+            </a:r>
+            <a:r>
+              <a:rPr/>
+              <a:t>30</a:t>
+            </a:r>
+            <a:r>
+              <a:rPr/>
+              <a:t> </a:t>
+            </a:r>
+            <a:r>
+              <a:rPr/>
+              <a:t>or</a:t>
+            </a:r>
+            <a:r>
+              <a:rPr/>
+              <a:t> </a:t>
+            </a:r>
+            <a:r>
+              <a:rPr/>
+              <a:t>more?</a:t>
+            </a:r>
+            <a:r>
+              <a:rPr/>
+              <a:t> </a:t>
+            </a:r>
+            <a:r>
+              <a:rPr/>
+              <a:t>Let’s</a:t>
+            </a:r>
+            <a:r>
+              <a:rPr/>
+              <a:t> </a:t>
+            </a:r>
+            <a:r>
+              <a:rPr/>
+              <a:t>investigate.</a:t>
             </a:r>
           </a:p>
         </p:txBody>
@@ -3403,6 +4484,1720 @@
             <a:fld id="{18BDFEC3-8487-43E8-A154-7C12CBC1FFF2}" type="slidenum">
               <a:rPr lang="en-US"/>
               <a:t>18</a:t>
+            </a:fld>
+            <a:endParaRPr lang="en-US"/>
+          </a:p>
+        </p:txBody>
+      </p:sp>
+    </p:spTree>
+  </p:cSld>
+</p:notes>
+</file>
+
+<file path=ppt/notesSlides/notesSlide17.xml><?xml version="1.0" encoding="utf-8"?>
+<p:notes xmlns:a="http://schemas.openxmlformats.org/drawingml/2006/main" xmlns:r="http://schemas.openxmlformats.org/officeDocument/2006/relationships" xmlns:p="http://schemas.openxmlformats.org/presentationml/2006/main">
+  <p:cSld>
+    <p:spTree>
+      <p:nvGrpSpPr>
+        <p:cNvPr id="1" name=""/>
+        <p:cNvGrpSpPr/>
+        <p:nvPr/>
+      </p:nvGrpSpPr>
+      <p:grpSpPr>
+        <a:xfrm>
+          <a:off x="0" y="0"/>
+          <a:ext cx="0" cy="0"/>
+          <a:chOff x="0" y="0"/>
+          <a:chExt cx="0" cy="0"/>
+        </a:xfrm>
+      </p:grpSpPr>
+      <p:sp>
+        <p:nvSpPr>
+          <p:cNvPr id="2" name="Slide Image Placeholder 1"/>
+          <p:cNvSpPr>
+            <a:spLocks noGrp="1" noRot="1" noChangeAspect="1"/>
+          </p:cNvSpPr>
+          <p:nvPr>
+            <p:ph type="sldImg"/>
+          </p:nvPr>
+        </p:nvSpPr>
+        <p:spPr/>
+      </p:sp>
+      <p:sp>
+        <p:nvSpPr>
+          <p:cNvPr id="3" name="Notes Placeholder 2"/>
+          <p:cNvSpPr>
+            <a:spLocks noGrp="1"/>
+          </p:cNvSpPr>
+          <p:nvPr>
+            <p:ph type="body" idx="1"/>
+          </p:nvPr>
+        </p:nvSpPr>
+        <p:spPr/>
+        <p:txBody>
+          <a:bodyPr/>
+          <a:lstStyle/>
+          <a:p>
+            <a:pPr lvl="0" marL="0" indent="0">
+              <a:buNone/>
+            </a:pPr>
+            <a:r>
+              <a:rPr/>
+              <a:t>There</a:t>
+            </a:r>
+            <a:r>
+              <a:rPr/>
+              <a:t> </a:t>
+            </a:r>
+            <a:r>
+              <a:rPr/>
+              <a:t>are</a:t>
+            </a:r>
+            <a:r>
+              <a:rPr/>
+              <a:t> </a:t>
+            </a:r>
+            <a:r>
+              <a:rPr/>
+              <a:t>756</a:t>
+            </a:r>
+            <a:r>
+              <a:rPr/>
+              <a:t> </a:t>
+            </a:r>
+            <a:r>
+              <a:rPr/>
+              <a:t>passengers</a:t>
+            </a:r>
+            <a:r>
+              <a:rPr/>
+              <a:t> </a:t>
+            </a:r>
+            <a:r>
+              <a:rPr/>
+              <a:t>with</a:t>
+            </a:r>
+            <a:r>
+              <a:rPr/>
+              <a:t> </a:t>
+            </a:r>
+            <a:r>
+              <a:rPr/>
+              <a:t>an</a:t>
+            </a:r>
+            <a:r>
+              <a:rPr/>
+              <a:t> </a:t>
+            </a:r>
+            <a:r>
+              <a:rPr/>
+              <a:t>unknown</a:t>
+            </a:r>
+            <a:r>
+              <a:rPr/>
+              <a:t> </a:t>
+            </a:r>
+            <a:r>
+              <a:rPr/>
+              <a:t>age.</a:t>
+            </a:r>
+            <a:r>
+              <a:rPr/>
+              <a:t> </a:t>
+            </a:r>
+            <a:r>
+              <a:rPr/>
+              <a:t>So</a:t>
+            </a:r>
+            <a:r>
+              <a:rPr/>
+              <a:t> </a:t>
+            </a:r>
+            <a:r>
+              <a:rPr/>
+              <a:t>why</a:t>
+            </a:r>
+            <a:r>
+              <a:rPr/>
+              <a:t> </a:t>
+            </a:r>
+            <a:r>
+              <a:rPr/>
+              <a:t>do</a:t>
+            </a:r>
+            <a:r>
+              <a:rPr/>
+              <a:t> </a:t>
+            </a:r>
+            <a:r>
+              <a:rPr/>
+              <a:t>we</a:t>
+            </a:r>
+            <a:r>
+              <a:rPr/>
+              <a:t> </a:t>
+            </a:r>
+            <a:r>
+              <a:rPr/>
+              <a:t>get</a:t>
+            </a:r>
+            <a:r>
+              <a:rPr/>
+              <a:t> </a:t>
+            </a:r>
+            <a:r>
+              <a:rPr/>
+              <a:t>a</a:t>
+            </a:r>
+            <a:r>
+              <a:rPr/>
+              <a:t> </a:t>
+            </a:r>
+            <a:r>
+              <a:rPr/>
+              <a:t>count</a:t>
+            </a:r>
+            <a:r>
+              <a:rPr/>
+              <a:t> </a:t>
+            </a:r>
+            <a:r>
+              <a:rPr/>
+              <a:t>of</a:t>
+            </a:r>
+            <a:r>
+              <a:rPr/>
+              <a:t> </a:t>
+            </a:r>
+            <a:r>
+              <a:rPr/>
+              <a:t>zero?</a:t>
+            </a:r>
+          </a:p>
+          <a:p>
+            <a:pPr lvl="0" marL="0" indent="0">
+              <a:buNone/>
+            </a:pPr>
+          </a:p>
+          <a:p>
+            <a:pPr lvl="0" marL="0" indent="0">
+              <a:buNone/>
+            </a:pPr>
+            <a:r>
+              <a:rPr/>
+              <a:t>The</a:t>
+            </a:r>
+            <a:r>
+              <a:rPr/>
+              <a:t> </a:t>
+            </a:r>
+            <a:r>
+              <a:rPr/>
+              <a:t>count</a:t>
+            </a:r>
+            <a:r>
+              <a:rPr/>
+              <a:t> </a:t>
+            </a:r>
+            <a:r>
+              <a:rPr/>
+              <a:t>function,</a:t>
+            </a:r>
+            <a:r>
+              <a:rPr/>
+              <a:t> </a:t>
+            </a:r>
+            <a:r>
+              <a:rPr/>
+              <a:t>like</a:t>
+            </a:r>
+            <a:r>
+              <a:rPr/>
+              <a:t> </a:t>
+            </a:r>
+            <a:r>
+              <a:rPr/>
+              <a:t>all</a:t>
+            </a:r>
+            <a:r>
+              <a:rPr/>
+              <a:t> </a:t>
+            </a:r>
+            <a:r>
+              <a:rPr/>
+              <a:t>other</a:t>
+            </a:r>
+            <a:r>
+              <a:rPr/>
+              <a:t> </a:t>
+            </a:r>
+            <a:r>
+              <a:rPr/>
+              <a:t>statistical</a:t>
+            </a:r>
+            <a:r>
+              <a:rPr/>
+              <a:t> </a:t>
+            </a:r>
+            <a:r>
+              <a:rPr/>
+              <a:t>functions</a:t>
+            </a:r>
+            <a:r>
+              <a:rPr/>
+              <a:t> </a:t>
+            </a:r>
+            <a:r>
+              <a:rPr/>
+              <a:t>ignores</a:t>
+            </a:r>
+            <a:r>
+              <a:rPr/>
+              <a:t> </a:t>
+            </a:r>
+            <a:r>
+              <a:rPr/>
+              <a:t>any</a:t>
+            </a:r>
+            <a:r>
+              <a:rPr/>
+              <a:t> </a:t>
+            </a:r>
+            <a:r>
+              <a:rPr/>
+              <a:t>missing</a:t>
+            </a:r>
+            <a:r>
+              <a:rPr/>
+              <a:t> </a:t>
+            </a:r>
+            <a:r>
+              <a:rPr/>
+              <a:t>values.</a:t>
+            </a:r>
+            <a:r>
+              <a:rPr/>
+              <a:t> </a:t>
+            </a:r>
+            <a:r>
+              <a:rPr/>
+              <a:t>So</a:t>
+            </a:r>
+            <a:r>
+              <a:rPr/>
+              <a:t> </a:t>
+            </a:r>
+            <a:r>
+              <a:rPr/>
+              <a:t>it</a:t>
+            </a:r>
+            <a:r>
+              <a:rPr/>
+              <a:t> </a:t>
+            </a:r>
+            <a:r>
+              <a:rPr/>
+              <a:t>refuses</a:t>
+            </a:r>
+            <a:r>
+              <a:rPr/>
+              <a:t> </a:t>
+            </a:r>
+            <a:r>
+              <a:rPr/>
+              <a:t>to</a:t>
+            </a:r>
+            <a:r>
+              <a:rPr/>
+              <a:t> </a:t>
+            </a:r>
+            <a:r>
+              <a:rPr/>
+              <a:t>count</a:t>
+            </a:r>
+            <a:r>
+              <a:rPr/>
+              <a:t> </a:t>
+            </a:r>
+            <a:r>
+              <a:rPr/>
+              <a:t>any</a:t>
+            </a:r>
+            <a:r>
+              <a:rPr/>
+              <a:t> </a:t>
+            </a:r>
+            <a:r>
+              <a:rPr/>
+              <a:t>of</a:t>
+            </a:r>
+            <a:r>
+              <a:rPr/>
+              <a:t> </a:t>
+            </a:r>
+            <a:r>
+              <a:rPr/>
+              <a:t>the</a:t>
+            </a:r>
+            <a:r>
+              <a:rPr/>
+              <a:t> </a:t>
+            </a:r>
+            <a:r>
+              <a:rPr/>
+              <a:t>756</a:t>
+            </a:r>
+            <a:r>
+              <a:rPr/>
+              <a:t> </a:t>
+            </a:r>
+            <a:r>
+              <a:rPr/>
+              <a:t>null</a:t>
+            </a:r>
+            <a:r>
+              <a:rPr/>
+              <a:t> </a:t>
+            </a:r>
+            <a:r>
+              <a:rPr/>
+              <a:t>values</a:t>
+            </a:r>
+            <a:r>
+              <a:rPr/>
+              <a:t> </a:t>
+            </a:r>
+            <a:r>
+              <a:rPr/>
+              <a:t>associated</a:t>
+            </a:r>
+            <a:r>
+              <a:rPr/>
+              <a:t> </a:t>
+            </a:r>
+            <a:r>
+              <a:rPr/>
+              <a:t>with</a:t>
+            </a:r>
+            <a:r>
+              <a:rPr/>
+              <a:t> </a:t>
+            </a:r>
+            <a:r>
+              <a:rPr/>
+              <a:t>age</a:t>
+            </a:r>
+            <a:r>
+              <a:rPr/>
+              <a:t> </a:t>
+            </a:r>
+            <a:r>
+              <a:rPr/>
+              <a:t>is</a:t>
+            </a:r>
+            <a:r>
+              <a:rPr/>
+              <a:t> </a:t>
+            </a:r>
+            <a:r>
+              <a:rPr/>
+              <a:t>null.</a:t>
+            </a:r>
+            <a:r>
+              <a:rPr/>
+              <a:t> </a:t>
+            </a:r>
+            <a:r>
+              <a:rPr/>
+              <a:t>There’s</a:t>
+            </a:r>
+            <a:r>
+              <a:rPr/>
+              <a:t> </a:t>
+            </a:r>
+            <a:r>
+              <a:rPr/>
+              <a:t>an</a:t>
+            </a:r>
+            <a:r>
+              <a:rPr/>
+              <a:t> </a:t>
+            </a:r>
+            <a:r>
+              <a:rPr/>
+              <a:t>easy</a:t>
+            </a:r>
+            <a:r>
+              <a:rPr/>
+              <a:t> </a:t>
+            </a:r>
+            <a:r>
+              <a:rPr/>
+              <a:t>fix</a:t>
+            </a:r>
+            <a:r>
+              <a:rPr/>
+              <a:t> </a:t>
+            </a:r>
+            <a:r>
+              <a:rPr/>
+              <a:t>here,</a:t>
+            </a:r>
+            <a:r>
+              <a:rPr/>
+              <a:t> </a:t>
+            </a:r>
+            <a:r>
+              <a:rPr/>
+              <a:t>if</a:t>
+            </a:r>
+            <a:r>
+              <a:rPr/>
+              <a:t> </a:t>
+            </a:r>
+            <a:r>
+              <a:rPr/>
+              <a:t>you</a:t>
+            </a:r>
+            <a:r>
+              <a:rPr/>
+              <a:t> </a:t>
+            </a:r>
+            <a:r>
+              <a:rPr/>
+              <a:t>want</a:t>
+            </a:r>
+            <a:r>
+              <a:rPr/>
+              <a:t> </a:t>
+            </a:r>
+            <a:r>
+              <a:rPr/>
+              <a:t>to</a:t>
+            </a:r>
+            <a:r>
+              <a:rPr/>
+              <a:t> </a:t>
+            </a:r>
+            <a:r>
+              <a:rPr/>
+              <a:t>count</a:t>
+            </a:r>
+            <a:r>
+              <a:rPr/>
+              <a:t> </a:t>
+            </a:r>
+            <a:r>
+              <a:rPr/>
+              <a:t>missing</a:t>
+            </a:r>
+            <a:r>
+              <a:rPr/>
+              <a:t> </a:t>
+            </a:r>
+            <a:r>
+              <a:rPr/>
+              <a:t>values.</a:t>
+            </a:r>
+          </a:p>
+        </p:txBody>
+      </p:sp>
+      <p:sp>
+        <p:nvSpPr>
+          <p:cNvPr id="4" name="Slide Number Placeholder 3"/>
+          <p:cNvSpPr>
+            <a:spLocks noGrp="1"/>
+          </p:cNvSpPr>
+          <p:nvPr>
+            <p:ph type="sldNum" sz="quarter" idx="10"/>
+          </p:nvPr>
+        </p:nvSpPr>
+        <p:spPr/>
+        <p:txBody>
+          <a:bodyPr/>
+          <a:lstStyle/>
+          <a:p>
+            <a:fld id="{18BDFEC3-8487-43E8-A154-7C12CBC1FFF2}" type="slidenum">
+              <a:rPr lang="en-US"/>
+              <a:t>19</a:t>
+            </a:fld>
+            <a:endParaRPr lang="en-US"/>
+          </a:p>
+        </p:txBody>
+      </p:sp>
+    </p:spTree>
+  </p:cSld>
+</p:notes>
+</file>
+
+<file path=ppt/notesSlides/notesSlide18.xml><?xml version="1.0" encoding="utf-8"?>
+<p:notes xmlns:a="http://schemas.openxmlformats.org/drawingml/2006/main" xmlns:r="http://schemas.openxmlformats.org/officeDocument/2006/relationships" xmlns:p="http://schemas.openxmlformats.org/presentationml/2006/main">
+  <p:cSld>
+    <p:spTree>
+      <p:nvGrpSpPr>
+        <p:cNvPr id="1" name=""/>
+        <p:cNvGrpSpPr/>
+        <p:nvPr/>
+      </p:nvGrpSpPr>
+      <p:grpSpPr>
+        <a:xfrm>
+          <a:off x="0" y="0"/>
+          <a:ext cx="0" cy="0"/>
+          <a:chOff x="0" y="0"/>
+          <a:chExt cx="0" cy="0"/>
+        </a:xfrm>
+      </p:grpSpPr>
+      <p:sp>
+        <p:nvSpPr>
+          <p:cNvPr id="2" name="Slide Image Placeholder 1"/>
+          <p:cNvSpPr>
+            <a:spLocks noGrp="1" noRot="1" noChangeAspect="1"/>
+          </p:cNvSpPr>
+          <p:nvPr>
+            <p:ph type="sldImg"/>
+          </p:nvPr>
+        </p:nvSpPr>
+        <p:spPr/>
+      </p:sp>
+      <p:sp>
+        <p:nvSpPr>
+          <p:cNvPr id="3" name="Notes Placeholder 2"/>
+          <p:cNvSpPr>
+            <a:spLocks noGrp="1"/>
+          </p:cNvSpPr>
+          <p:nvPr>
+            <p:ph type="body" idx="1"/>
+          </p:nvPr>
+        </p:nvSpPr>
+        <p:spPr/>
+        <p:txBody>
+          <a:bodyPr/>
+          <a:lstStyle/>
+          <a:p>
+            <a:pPr lvl="0" marL="0" indent="0">
+              <a:buNone/>
+            </a:pPr>
+            <a:r>
+              <a:rPr/>
+              <a:t>If</a:t>
+            </a:r>
+            <a:r>
+              <a:rPr/>
+              <a:t> </a:t>
+            </a:r>
+            <a:r>
+              <a:rPr/>
+              <a:t>you</a:t>
+            </a:r>
+            <a:r>
+              <a:rPr/>
+              <a:t> </a:t>
+            </a:r>
+            <a:r>
+              <a:rPr/>
+              <a:t>do</a:t>
+            </a:r>
+            <a:r>
+              <a:rPr/>
+              <a:t> </a:t>
+            </a:r>
+            <a:r>
+              <a:rPr/>
+              <a:t>a</a:t>
+            </a:r>
+            <a:r>
+              <a:rPr/>
+              <a:t> </a:t>
+            </a:r>
+            <a:r>
+              <a:rPr/>
+              <a:t>count</a:t>
+            </a:r>
+            <a:r>
+              <a:rPr/>
+              <a:t> </a:t>
+            </a:r>
+            <a:r>
+              <a:rPr/>
+              <a:t>on</a:t>
+            </a:r>
+            <a:r>
+              <a:rPr/>
+              <a:t> </a:t>
+            </a:r>
+            <a:r>
+              <a:rPr/>
+              <a:t>a</a:t>
+            </a:r>
+            <a:r>
+              <a:rPr/>
+              <a:t> </a:t>
+            </a:r>
+            <a:r>
+              <a:rPr/>
+              <a:t>variable</a:t>
+            </a:r>
+            <a:r>
+              <a:rPr/>
+              <a:t> </a:t>
+            </a:r>
+            <a:r>
+              <a:rPr/>
+              <a:t>that</a:t>
+            </a:r>
+            <a:r>
+              <a:rPr/>
+              <a:t> </a:t>
+            </a:r>
+            <a:r>
+              <a:rPr/>
+              <a:t>does</a:t>
+            </a:r>
+            <a:r>
+              <a:rPr/>
+              <a:t> </a:t>
+            </a:r>
+            <a:r>
+              <a:rPr/>
+              <a:t>not</a:t>
+            </a:r>
+            <a:r>
+              <a:rPr/>
+              <a:t> </a:t>
+            </a:r>
+            <a:r>
+              <a:rPr/>
+              <a:t>have</a:t>
+            </a:r>
+            <a:r>
+              <a:rPr/>
+              <a:t> </a:t>
+            </a:r>
+            <a:r>
+              <a:rPr/>
+              <a:t>missing</a:t>
+            </a:r>
+            <a:r>
+              <a:rPr/>
+              <a:t> </a:t>
+            </a:r>
+            <a:r>
+              <a:rPr/>
+              <a:t>values</a:t>
+            </a:r>
+            <a:r>
+              <a:rPr/>
+              <a:t> </a:t>
+            </a:r>
+            <a:r>
+              <a:rPr/>
+              <a:t>like</a:t>
+            </a:r>
+            <a:r>
+              <a:rPr/>
+              <a:t> </a:t>
+            </a:r>
+            <a:r>
+              <a:rPr/>
+              <a:t>Name,</a:t>
+            </a:r>
+            <a:r>
+              <a:rPr/>
+              <a:t> </a:t>
+            </a:r>
+            <a:r>
+              <a:rPr/>
+              <a:t>or</a:t>
+            </a:r>
+            <a:r>
+              <a:rPr/>
+              <a:t> </a:t>
+            </a:r>
+            <a:r>
+              <a:rPr/>
+              <a:t>if</a:t>
+            </a:r>
+            <a:r>
+              <a:rPr/>
+              <a:t> </a:t>
+            </a:r>
+            <a:r>
+              <a:rPr/>
+              <a:t>you</a:t>
+            </a:r>
+            <a:r>
+              <a:rPr/>
+              <a:t> </a:t>
+            </a:r>
+            <a:r>
+              <a:rPr/>
+              <a:t>do</a:t>
+            </a:r>
+            <a:r>
+              <a:rPr/>
+              <a:t> </a:t>
+            </a:r>
+            <a:r>
+              <a:rPr/>
+              <a:t>a</a:t>
+            </a:r>
+            <a:r>
+              <a:rPr/>
+              <a:t> </a:t>
+            </a:r>
+            <a:r>
+              <a:rPr/>
+              <a:t>generic</a:t>
+            </a:r>
+            <a:r>
+              <a:rPr/>
+              <a:t> </a:t>
+            </a:r>
+            <a:r>
+              <a:rPr/>
+              <a:t>count</a:t>
+            </a:r>
+            <a:r>
+              <a:rPr/>
+              <a:t> </a:t>
+            </a:r>
+            <a:r>
+              <a:rPr/>
+              <a:t>(count(*))</a:t>
+            </a:r>
+            <a:r>
+              <a:rPr/>
+              <a:t> </a:t>
+            </a:r>
+            <a:r>
+              <a:rPr/>
+              <a:t>then</a:t>
+            </a:r>
+            <a:r>
+              <a:rPr/>
+              <a:t> </a:t>
+            </a:r>
+            <a:r>
+              <a:rPr/>
+              <a:t>you</a:t>
+            </a:r>
+            <a:r>
+              <a:rPr/>
+              <a:t> </a:t>
+            </a:r>
+            <a:r>
+              <a:rPr/>
+              <a:t>will</a:t>
+            </a:r>
+            <a:r>
+              <a:rPr/>
+              <a:t> </a:t>
+            </a:r>
+            <a:r>
+              <a:rPr/>
+              <a:t>see</a:t>
+            </a:r>
+            <a:r>
+              <a:rPr/>
+              <a:t> </a:t>
+            </a:r>
+            <a:r>
+              <a:rPr/>
+              <a:t>that</a:t>
+            </a:r>
+            <a:r>
+              <a:rPr/>
+              <a:t> </a:t>
+            </a:r>
+            <a:r>
+              <a:rPr/>
+              <a:t>the</a:t>
+            </a:r>
+            <a:r>
+              <a:rPr/>
+              <a:t> </a:t>
+            </a:r>
+            <a:r>
+              <a:rPr/>
+              <a:t>null</a:t>
+            </a:r>
+            <a:r>
+              <a:rPr/>
+              <a:t> </a:t>
+            </a:r>
+            <a:r>
+              <a:rPr/>
+              <a:t>values</a:t>
+            </a:r>
+            <a:r>
+              <a:rPr/>
+              <a:t> </a:t>
+            </a:r>
+            <a:r>
+              <a:rPr/>
+              <a:t>for</a:t>
+            </a:r>
+            <a:r>
+              <a:rPr/>
+              <a:t> </a:t>
+            </a:r>
+            <a:r>
+              <a:rPr/>
+              <a:t>age</a:t>
+            </a:r>
+            <a:r>
+              <a:rPr/>
+              <a:t> </a:t>
+            </a:r>
+            <a:r>
+              <a:rPr/>
+              <a:t>are</a:t>
+            </a:r>
+            <a:r>
+              <a:rPr/>
+              <a:t> </a:t>
+            </a:r>
+            <a:r>
+              <a:rPr/>
+              <a:t>counted</a:t>
+            </a:r>
+            <a:r>
+              <a:rPr/>
+              <a:t> </a:t>
+            </a:r>
+            <a:r>
+              <a:rPr/>
+              <a:t>properly.</a:t>
+            </a:r>
+          </a:p>
+          <a:p>
+            <a:pPr lvl="0" marL="0" indent="0">
+              <a:buNone/>
+            </a:pPr>
+          </a:p>
+          <a:p>
+            <a:pPr lvl="0" marL="0" indent="0">
+              <a:buNone/>
+            </a:pPr>
+            <a:r>
+              <a:rPr/>
+              <a:t>This</a:t>
+            </a:r>
+            <a:r>
+              <a:rPr/>
+              <a:t> </a:t>
+            </a:r>
+            <a:r>
+              <a:rPr/>
+              <a:t>is</a:t>
+            </a:r>
+            <a:r>
+              <a:rPr/>
+              <a:t> </a:t>
+            </a:r>
+            <a:r>
+              <a:rPr/>
+              <a:t>proof</a:t>
+            </a:r>
+            <a:r>
+              <a:rPr/>
+              <a:t> </a:t>
+            </a:r>
+            <a:r>
+              <a:rPr/>
+              <a:t>that</a:t>
+            </a:r>
+            <a:r>
+              <a:rPr/>
+              <a:t> </a:t>
+            </a:r>
+            <a:r>
+              <a:rPr/>
+              <a:t>missing</a:t>
+            </a:r>
+            <a:r>
+              <a:rPr/>
+              <a:t> </a:t>
+            </a:r>
+            <a:r>
+              <a:rPr/>
+              <a:t>values</a:t>
+            </a:r>
+            <a:r>
+              <a:rPr/>
+              <a:t> </a:t>
+            </a:r>
+            <a:r>
+              <a:rPr/>
+              <a:t>are</a:t>
+            </a:r>
+            <a:r>
+              <a:rPr/>
+              <a:t> </a:t>
+            </a:r>
+            <a:r>
+              <a:rPr/>
+              <a:t>the</a:t>
+            </a:r>
+            <a:r>
+              <a:rPr/>
+              <a:t> </a:t>
+            </a:r>
+            <a:r>
+              <a:rPr/>
+              <a:t>bane</a:t>
+            </a:r>
+            <a:r>
+              <a:rPr/>
+              <a:t> </a:t>
+            </a:r>
+            <a:r>
+              <a:rPr/>
+              <a:t>of</a:t>
+            </a:r>
+            <a:r>
+              <a:rPr/>
+              <a:t> </a:t>
+            </a:r>
+            <a:r>
+              <a:rPr/>
+              <a:t>every</a:t>
+            </a:r>
+            <a:r>
+              <a:rPr/>
+              <a:t> </a:t>
+            </a:r>
+            <a:r>
+              <a:rPr/>
+              <a:t>statistician’s</a:t>
+            </a:r>
+            <a:r>
+              <a:rPr/>
+              <a:t> </a:t>
+            </a:r>
+            <a:r>
+              <a:rPr/>
+              <a:t>existence.</a:t>
+            </a:r>
+            <a:r>
+              <a:rPr/>
+              <a:t> </a:t>
+            </a:r>
+            <a:r>
+              <a:rPr/>
+              <a:t>If</a:t>
+            </a:r>
+            <a:r>
+              <a:rPr/>
+              <a:t> </a:t>
+            </a:r>
+            <a:r>
+              <a:rPr/>
+              <a:t>you</a:t>
+            </a:r>
+            <a:r>
+              <a:rPr/>
+              <a:t> </a:t>
+            </a:r>
+            <a:r>
+              <a:rPr/>
+              <a:t>ever</a:t>
+            </a:r>
+            <a:r>
+              <a:rPr/>
+              <a:t> </a:t>
+            </a:r>
+            <a:r>
+              <a:rPr/>
+              <a:t>get</a:t>
+            </a:r>
+            <a:r>
+              <a:rPr/>
+              <a:t> </a:t>
+            </a:r>
+            <a:r>
+              <a:rPr/>
+              <a:t>weird</a:t>
+            </a:r>
+            <a:r>
+              <a:rPr/>
+              <a:t> </a:t>
+            </a:r>
+            <a:r>
+              <a:rPr/>
+              <a:t>and</a:t>
+            </a:r>
+            <a:r>
+              <a:rPr/>
+              <a:t> </a:t>
+            </a:r>
+            <a:r>
+              <a:rPr/>
+              <a:t>unexpected</a:t>
+            </a:r>
+            <a:r>
+              <a:rPr/>
+              <a:t> </a:t>
+            </a:r>
+            <a:r>
+              <a:rPr/>
+              <a:t>results,</a:t>
+            </a:r>
+            <a:r>
+              <a:rPr/>
+              <a:t> </a:t>
+            </a:r>
+            <a:r>
+              <a:rPr/>
+              <a:t>consider</a:t>
+            </a:r>
+            <a:r>
+              <a:rPr/>
+              <a:t> </a:t>
+            </a:r>
+            <a:r>
+              <a:rPr/>
+              <a:t>undertaking</a:t>
+            </a:r>
+            <a:r>
+              <a:rPr/>
+              <a:t> </a:t>
+            </a:r>
+            <a:r>
+              <a:rPr/>
+              <a:t>a</a:t>
+            </a:r>
+            <a:r>
+              <a:rPr/>
+              <a:t> </a:t>
+            </a:r>
+            <a:r>
+              <a:rPr/>
+              <a:t>hunt</a:t>
+            </a:r>
+            <a:r>
+              <a:rPr/>
+              <a:t> </a:t>
+            </a:r>
+            <a:r>
+              <a:rPr/>
+              <a:t>of</a:t>
+            </a:r>
+            <a:r>
+              <a:rPr/>
+              <a:t> </a:t>
+            </a:r>
+            <a:r>
+              <a:rPr/>
+              <a:t>null</a:t>
+            </a:r>
+            <a:r>
+              <a:rPr/>
+              <a:t> </a:t>
+            </a:r>
+            <a:r>
+              <a:rPr/>
+              <a:t>values</a:t>
+            </a:r>
+            <a:r>
+              <a:rPr/>
+              <a:t> </a:t>
+            </a:r>
+            <a:r>
+              <a:rPr/>
+              <a:t>and</a:t>
+            </a:r>
+            <a:r>
+              <a:rPr/>
+              <a:t> </a:t>
+            </a:r>
+            <a:r>
+              <a:rPr/>
+              <a:t>see</a:t>
+            </a:r>
+            <a:r>
+              <a:rPr/>
+              <a:t> </a:t>
+            </a:r>
+            <a:r>
+              <a:rPr/>
+              <a:t>if</a:t>
+            </a:r>
+            <a:r>
+              <a:rPr/>
+              <a:t> </a:t>
+            </a:r>
+            <a:r>
+              <a:rPr/>
+              <a:t>that</a:t>
+            </a:r>
+            <a:r>
+              <a:rPr/>
+              <a:t> </a:t>
+            </a:r>
+            <a:r>
+              <a:rPr/>
+              <a:t>may</a:t>
+            </a:r>
+            <a:r>
+              <a:rPr/>
+              <a:t> </a:t>
+            </a:r>
+            <a:r>
+              <a:rPr/>
+              <a:t>explain</a:t>
+            </a:r>
+            <a:r>
+              <a:rPr/>
+              <a:t> </a:t>
+            </a:r>
+            <a:r>
+              <a:rPr/>
+              <a:t>what</a:t>
+            </a:r>
+            <a:r>
+              <a:rPr/>
+              <a:t> </a:t>
+            </a:r>
+            <a:r>
+              <a:rPr/>
+              <a:t>is</a:t>
+            </a:r>
+            <a:r>
+              <a:rPr/>
+              <a:t> </a:t>
+            </a:r>
+            <a:r>
+              <a:rPr/>
+              <a:t>going</a:t>
+            </a:r>
+            <a:r>
+              <a:rPr/>
+              <a:t> </a:t>
+            </a:r>
+            <a:r>
+              <a:rPr/>
+              <a:t>on.</a:t>
+            </a:r>
+          </a:p>
+        </p:txBody>
+      </p:sp>
+      <p:sp>
+        <p:nvSpPr>
+          <p:cNvPr id="4" name="Slide Number Placeholder 3"/>
+          <p:cNvSpPr>
+            <a:spLocks noGrp="1"/>
+          </p:cNvSpPr>
+          <p:nvPr>
+            <p:ph type="sldNum" sz="quarter" idx="10"/>
+          </p:nvPr>
+        </p:nvSpPr>
+        <p:spPr/>
+        <p:txBody>
+          <a:bodyPr/>
+          <a:lstStyle/>
+          <a:p>
+            <a:fld id="{18BDFEC3-8487-43E8-A154-7C12CBC1FFF2}" type="slidenum">
+              <a:rPr lang="en-US"/>
+              <a:t>20</a:t>
+            </a:fld>
+            <a:endParaRPr lang="en-US"/>
+          </a:p>
+        </p:txBody>
+      </p:sp>
+    </p:spTree>
+  </p:cSld>
+</p:notes>
+</file>
+
+<file path=ppt/notesSlides/notesSlide19.xml><?xml version="1.0" encoding="utf-8"?>
+<p:notes xmlns:a="http://schemas.openxmlformats.org/drawingml/2006/main" xmlns:r="http://schemas.openxmlformats.org/officeDocument/2006/relationships" xmlns:p="http://schemas.openxmlformats.org/presentationml/2006/main">
+  <p:cSld>
+    <p:spTree>
+      <p:nvGrpSpPr>
+        <p:cNvPr id="1" name=""/>
+        <p:cNvGrpSpPr/>
+        <p:nvPr/>
+      </p:nvGrpSpPr>
+      <p:grpSpPr>
+        <a:xfrm>
+          <a:off x="0" y="0"/>
+          <a:ext cx="0" cy="0"/>
+          <a:chOff x="0" y="0"/>
+          <a:chExt cx="0" cy="0"/>
+        </a:xfrm>
+      </p:grpSpPr>
+      <p:sp>
+        <p:nvSpPr>
+          <p:cNvPr id="2" name="Slide Image Placeholder 1"/>
+          <p:cNvSpPr>
+            <a:spLocks noGrp="1" noRot="1" noChangeAspect="1"/>
+          </p:cNvSpPr>
+          <p:nvPr>
+            <p:ph type="sldImg"/>
+          </p:nvPr>
+        </p:nvSpPr>
+        <p:spPr/>
+      </p:sp>
+      <p:sp>
+        <p:nvSpPr>
+          <p:cNvPr id="3" name="Notes Placeholder 2"/>
+          <p:cNvSpPr>
+            <a:spLocks noGrp="1"/>
+          </p:cNvSpPr>
+          <p:nvPr>
+            <p:ph type="body" idx="1"/>
+          </p:nvPr>
+        </p:nvSpPr>
+        <p:spPr/>
+        <p:txBody>
+          <a:bodyPr/>
+          <a:lstStyle/>
+          <a:p>
+            <a:pPr lvl="0" marL="0" indent="0">
+              <a:buNone/>
+            </a:pPr>
+            <a:r>
+              <a:rPr/>
+              <a:t>This</a:t>
+            </a:r>
+            <a:r>
+              <a:rPr/>
+              <a:t> </a:t>
+            </a:r>
+            <a:r>
+              <a:rPr/>
+              <a:t>lecture</a:t>
+            </a:r>
+            <a:r>
+              <a:rPr/>
+              <a:t> </a:t>
+            </a:r>
+            <a:r>
+              <a:rPr/>
+              <a:t>talked</a:t>
+            </a:r>
+            <a:r>
+              <a:rPr/>
+              <a:t> </a:t>
+            </a:r>
+            <a:r>
+              <a:rPr/>
+              <a:t>about</a:t>
+            </a:r>
+            <a:r>
+              <a:rPr/>
+              <a:t> </a:t>
+            </a:r>
+            <a:r>
+              <a:rPr/>
+              <a:t>the</a:t>
+            </a:r>
+            <a:r>
+              <a:rPr/>
+              <a:t> </a:t>
+            </a:r>
+            <a:r>
+              <a:rPr/>
+              <a:t>statistical</a:t>
+            </a:r>
+            <a:r>
+              <a:rPr/>
+              <a:t> </a:t>
+            </a:r>
+            <a:r>
+              <a:rPr/>
+              <a:t>functions:</a:t>
+            </a:r>
+            <a:r>
+              <a:rPr/>
+              <a:t> </a:t>
+            </a:r>
+            <a:r>
+              <a:rPr/>
+              <a:t>count,</a:t>
+            </a:r>
+            <a:r>
+              <a:rPr/>
+              <a:t> </a:t>
+            </a:r>
+            <a:r>
+              <a:rPr/>
+              <a:t>min,</a:t>
+            </a:r>
+            <a:r>
+              <a:rPr/>
+              <a:t> </a:t>
+            </a:r>
+            <a:r>
+              <a:rPr/>
+              <a:t>max,</a:t>
+            </a:r>
+            <a:r>
+              <a:rPr/>
+              <a:t> </a:t>
+            </a:r>
+            <a:r>
+              <a:rPr/>
+              <a:t>avg,</a:t>
+            </a:r>
+            <a:r>
+              <a:rPr/>
+              <a:t> </a:t>
+            </a:r>
+            <a:r>
+              <a:rPr/>
+              <a:t>and</a:t>
+            </a:r>
+            <a:r>
+              <a:rPr/>
+              <a:t> </a:t>
+            </a:r>
+            <a:r>
+              <a:rPr/>
+              <a:t>sum.</a:t>
+            </a:r>
+            <a:r>
+              <a:rPr/>
+              <a:t> </a:t>
+            </a:r>
+            <a:r>
+              <a:rPr/>
+              <a:t>These</a:t>
+            </a:r>
+            <a:r>
+              <a:rPr/>
+              <a:t> </a:t>
+            </a:r>
+            <a:r>
+              <a:rPr/>
+              <a:t>produce</a:t>
+            </a:r>
+            <a:r>
+              <a:rPr/>
+              <a:t> </a:t>
+            </a:r>
+            <a:r>
+              <a:rPr/>
+              <a:t>a</a:t>
+            </a:r>
+            <a:r>
+              <a:rPr/>
+              <a:t> </a:t>
+            </a:r>
+            <a:r>
+              <a:rPr/>
+              <a:t>single</a:t>
+            </a:r>
+            <a:r>
+              <a:rPr/>
+              <a:t> </a:t>
+            </a:r>
+            <a:r>
+              <a:rPr/>
+              <a:t>row</a:t>
+            </a:r>
+            <a:r>
+              <a:rPr/>
+              <a:t> </a:t>
+            </a:r>
+            <a:r>
+              <a:rPr/>
+              <a:t>summary.</a:t>
+            </a:r>
+            <a:r>
+              <a:rPr/>
+              <a:t> </a:t>
+            </a:r>
+            <a:r>
+              <a:rPr/>
+              <a:t>If</a:t>
+            </a:r>
+            <a:r>
+              <a:rPr/>
+              <a:t> </a:t>
+            </a:r>
+            <a:r>
+              <a:rPr/>
+              <a:t>you</a:t>
+            </a:r>
+            <a:r>
+              <a:rPr/>
+              <a:t> </a:t>
+            </a:r>
+            <a:r>
+              <a:rPr/>
+              <a:t>include</a:t>
+            </a:r>
+            <a:r>
+              <a:rPr/>
+              <a:t> </a:t>
+            </a:r>
+            <a:r>
+              <a:rPr/>
+              <a:t>the</a:t>
+            </a:r>
+            <a:r>
+              <a:rPr/>
+              <a:t> </a:t>
+            </a:r>
+            <a:r>
+              <a:rPr/>
+              <a:t>group</a:t>
+            </a:r>
+            <a:r>
+              <a:rPr/>
+              <a:t> </a:t>
+            </a:r>
+            <a:r>
+              <a:rPr/>
+              <a:t>by</a:t>
+            </a:r>
+            <a:r>
+              <a:rPr/>
+              <a:t> </a:t>
+            </a:r>
+            <a:r>
+              <a:rPr/>
+              <a:t>keyword,</a:t>
+            </a:r>
+            <a:r>
+              <a:rPr/>
+              <a:t> </a:t>
+            </a:r>
+            <a:r>
+              <a:rPr/>
+              <a:t>you</a:t>
+            </a:r>
+            <a:r>
+              <a:rPr/>
+              <a:t> </a:t>
+            </a:r>
+            <a:r>
+              <a:rPr/>
+              <a:t>get</a:t>
+            </a:r>
+            <a:r>
+              <a:rPr/>
+              <a:t> </a:t>
+            </a:r>
+            <a:r>
+              <a:rPr/>
+              <a:t>a</a:t>
+            </a:r>
+            <a:r>
+              <a:rPr/>
+              <a:t> </a:t>
+            </a:r>
+            <a:r>
+              <a:rPr/>
+              <a:t>row</a:t>
+            </a:r>
+            <a:r>
+              <a:rPr/>
+              <a:t> </a:t>
+            </a:r>
+            <a:r>
+              <a:rPr/>
+              <a:t>for</a:t>
+            </a:r>
+            <a:r>
+              <a:rPr/>
+              <a:t> </a:t>
+            </a:r>
+            <a:r>
+              <a:rPr/>
+              <a:t>every</a:t>
+            </a:r>
+            <a:r>
+              <a:rPr/>
+              <a:t> </a:t>
+            </a:r>
+            <a:r>
+              <a:rPr/>
+              <a:t>category.</a:t>
+            </a:r>
+            <a:r>
+              <a:rPr/>
+              <a:t> </a:t>
+            </a:r>
+            <a:r>
+              <a:rPr/>
+              <a:t>The</a:t>
+            </a:r>
+            <a:r>
+              <a:rPr/>
+              <a:t> </a:t>
+            </a:r>
+            <a:r>
+              <a:rPr/>
+              <a:t>having</a:t>
+            </a:r>
+            <a:r>
+              <a:rPr/>
+              <a:t> </a:t>
+            </a:r>
+            <a:r>
+              <a:rPr/>
+              <a:t>keyword</a:t>
+            </a:r>
+            <a:r>
+              <a:rPr/>
+              <a:t> </a:t>
+            </a:r>
+            <a:r>
+              <a:rPr/>
+              <a:t>filters</a:t>
+            </a:r>
+            <a:r>
+              <a:rPr/>
+              <a:t> </a:t>
+            </a:r>
+            <a:r>
+              <a:rPr/>
+              <a:t>your</a:t>
+            </a:r>
+            <a:r>
+              <a:rPr/>
+              <a:t> </a:t>
+            </a:r>
+            <a:r>
+              <a:rPr/>
+              <a:t>data</a:t>
+            </a:r>
+            <a:r>
+              <a:rPr/>
+              <a:t> </a:t>
+            </a:r>
+            <a:r>
+              <a:rPr/>
+              <a:t>after</a:t>
+            </a:r>
+            <a:r>
+              <a:rPr/>
+              <a:t> </a:t>
+            </a:r>
+            <a:r>
+              <a:rPr/>
+              <a:t>summarization.</a:t>
+            </a:r>
+            <a:r>
+              <a:rPr/>
+              <a:t> </a:t>
+            </a:r>
+            <a:r>
+              <a:rPr/>
+              <a:t>The</a:t>
+            </a:r>
+            <a:r>
+              <a:rPr/>
+              <a:t> </a:t>
+            </a:r>
+            <a:r>
+              <a:rPr/>
+              <a:t>count</a:t>
+            </a:r>
+            <a:r>
+              <a:rPr/>
+              <a:t> </a:t>
+            </a:r>
+            <a:r>
+              <a:rPr/>
+              <a:t>function</a:t>
+            </a:r>
+            <a:r>
+              <a:rPr/>
+              <a:t> </a:t>
+            </a:r>
+            <a:r>
+              <a:rPr/>
+              <a:t>and</a:t>
+            </a:r>
+            <a:r>
+              <a:rPr/>
+              <a:t> </a:t>
+            </a:r>
+            <a:r>
+              <a:rPr/>
+              <a:t>all</a:t>
+            </a:r>
+            <a:r>
+              <a:rPr/>
+              <a:t> </a:t>
+            </a:r>
+            <a:r>
+              <a:rPr/>
+              <a:t>the</a:t>
+            </a:r>
+            <a:r>
+              <a:rPr/>
+              <a:t> </a:t>
+            </a:r>
+            <a:r>
+              <a:rPr/>
+              <a:t>other</a:t>
+            </a:r>
+            <a:r>
+              <a:rPr/>
+              <a:t> </a:t>
+            </a:r>
+            <a:r>
+              <a:rPr/>
+              <a:t>statistical</a:t>
+            </a:r>
+            <a:r>
+              <a:rPr/>
+              <a:t> </a:t>
+            </a:r>
+            <a:r>
+              <a:rPr/>
+              <a:t>functions</a:t>
+            </a:r>
+            <a:r>
+              <a:rPr/>
+              <a:t> </a:t>
+            </a:r>
+            <a:r>
+              <a:rPr/>
+              <a:t>ignore</a:t>
+            </a:r>
+            <a:r>
+              <a:rPr/>
+              <a:t> </a:t>
+            </a:r>
+            <a:r>
+              <a:rPr/>
+              <a:t>missing</a:t>
+            </a:r>
+            <a:r>
+              <a:rPr/>
+              <a:t> </a:t>
+            </a:r>
+            <a:r>
+              <a:rPr/>
+              <a:t>values.</a:t>
+            </a:r>
+          </a:p>
+        </p:txBody>
+      </p:sp>
+      <p:sp>
+        <p:nvSpPr>
+          <p:cNvPr id="4" name="Slide Number Placeholder 3"/>
+          <p:cNvSpPr>
+            <a:spLocks noGrp="1"/>
+          </p:cNvSpPr>
+          <p:nvPr>
+            <p:ph type="sldNum" sz="quarter" idx="10"/>
+          </p:nvPr>
+        </p:nvSpPr>
+        <p:spPr/>
+        <p:txBody>
+          <a:bodyPr/>
+          <a:lstStyle/>
+          <a:p>
+            <a:fld id="{18BDFEC3-8487-43E8-A154-7C12CBC1FFF2}" type="slidenum">
+              <a:rPr lang="en-US"/>
+              <a:t>21</a:t>
             </a:fld>
             <a:endParaRPr lang="en-US"/>
           </a:p>
@@ -3557,6 +6352,250 @@
             <a:fld id="{18BDFEC3-8487-43E8-A154-7C12CBC1FFF2}" type="slidenum">
               <a:rPr lang="en-US"/>
               <a:t>3</a:t>
+            </a:fld>
+            <a:endParaRPr lang="en-US"/>
+          </a:p>
+        </p:txBody>
+      </p:sp>
+    </p:spTree>
+  </p:cSld>
+</p:notes>
+</file>
+
+<file path=ppt/notesSlides/notesSlide20.xml><?xml version="1.0" encoding="utf-8"?>
+<p:notes xmlns:a="http://schemas.openxmlformats.org/drawingml/2006/main" xmlns:r="http://schemas.openxmlformats.org/officeDocument/2006/relationships" xmlns:p="http://schemas.openxmlformats.org/presentationml/2006/main">
+  <p:cSld>
+    <p:spTree>
+      <p:nvGrpSpPr>
+        <p:cNvPr id="1" name=""/>
+        <p:cNvGrpSpPr/>
+        <p:nvPr/>
+      </p:nvGrpSpPr>
+      <p:grpSpPr>
+        <a:xfrm>
+          <a:off x="0" y="0"/>
+          <a:ext cx="0" cy="0"/>
+          <a:chOff x="0" y="0"/>
+          <a:chExt cx="0" cy="0"/>
+        </a:xfrm>
+      </p:grpSpPr>
+      <p:sp>
+        <p:nvSpPr>
+          <p:cNvPr id="2" name="Slide Image Placeholder 1"/>
+          <p:cNvSpPr>
+            <a:spLocks noGrp="1" noRot="1" noChangeAspect="1"/>
+          </p:cNvSpPr>
+          <p:nvPr>
+            <p:ph type="sldImg"/>
+          </p:nvPr>
+        </p:nvSpPr>
+        <p:spPr/>
+      </p:sp>
+      <p:sp>
+        <p:nvSpPr>
+          <p:cNvPr id="3" name="Notes Placeholder 2"/>
+          <p:cNvSpPr>
+            <a:spLocks noGrp="1"/>
+          </p:cNvSpPr>
+          <p:nvPr>
+            <p:ph type="body" idx="1"/>
+          </p:nvPr>
+        </p:nvSpPr>
+        <p:spPr/>
+        <p:txBody>
+          <a:bodyPr/>
+          <a:lstStyle/>
+          <a:p>
+            <a:pPr lvl="0" marL="0" indent="0">
+              <a:buNone/>
+            </a:pPr>
+            <a:r>
+              <a:rPr/>
+              <a:t>Here</a:t>
+            </a:r>
+            <a:r>
+              <a:rPr/>
+              <a:t> </a:t>
+            </a:r>
+            <a:r>
+              <a:rPr/>
+              <a:t>is</a:t>
+            </a:r>
+            <a:r>
+              <a:rPr/>
+              <a:t> </a:t>
+            </a:r>
+            <a:r>
+              <a:rPr/>
+              <a:t>your</a:t>
+            </a:r>
+            <a:r>
+              <a:rPr/>
+              <a:t> </a:t>
+            </a:r>
+            <a:r>
+              <a:rPr/>
+              <a:t>homework</a:t>
+            </a:r>
+            <a:r>
+              <a:rPr/>
+              <a:t> </a:t>
+            </a:r>
+            <a:r>
+              <a:rPr/>
+              <a:t>assignment.</a:t>
+            </a:r>
+          </a:p>
+        </p:txBody>
+      </p:sp>
+      <p:sp>
+        <p:nvSpPr>
+          <p:cNvPr id="4" name="Slide Number Placeholder 3"/>
+          <p:cNvSpPr>
+            <a:spLocks noGrp="1"/>
+          </p:cNvSpPr>
+          <p:nvPr>
+            <p:ph type="sldNum" sz="quarter" idx="10"/>
+          </p:nvPr>
+        </p:nvSpPr>
+        <p:spPr/>
+        <p:txBody>
+          <a:bodyPr/>
+          <a:lstStyle/>
+          <a:p>
+            <a:fld id="{18BDFEC3-8487-43E8-A154-7C12CBC1FFF2}" type="slidenum">
+              <a:rPr lang="en-US"/>
+              <a:t>22</a:t>
+            </a:fld>
+            <a:endParaRPr lang="en-US"/>
+          </a:p>
+        </p:txBody>
+      </p:sp>
+    </p:spTree>
+  </p:cSld>
+</p:notes>
+</file>
+
+<file path=ppt/notesSlides/notesSlide21.xml><?xml version="1.0" encoding="utf-8"?>
+<p:notes xmlns:a="http://schemas.openxmlformats.org/drawingml/2006/main" xmlns:r="http://schemas.openxmlformats.org/officeDocument/2006/relationships" xmlns:p="http://schemas.openxmlformats.org/presentationml/2006/main">
+  <p:cSld>
+    <p:spTree>
+      <p:nvGrpSpPr>
+        <p:cNvPr id="1" name=""/>
+        <p:cNvGrpSpPr/>
+        <p:nvPr/>
+      </p:nvGrpSpPr>
+      <p:grpSpPr>
+        <a:xfrm>
+          <a:off x="0" y="0"/>
+          <a:ext cx="0" cy="0"/>
+          <a:chOff x="0" y="0"/>
+          <a:chExt cx="0" cy="0"/>
+        </a:xfrm>
+      </p:grpSpPr>
+      <p:sp>
+        <p:nvSpPr>
+          <p:cNvPr id="2" name="Slide Image Placeholder 1"/>
+          <p:cNvSpPr>
+            <a:spLocks noGrp="1" noRot="1" noChangeAspect="1"/>
+          </p:cNvSpPr>
+          <p:nvPr>
+            <p:ph type="sldImg"/>
+          </p:nvPr>
+        </p:nvSpPr>
+        <p:spPr/>
+      </p:sp>
+      <p:sp>
+        <p:nvSpPr>
+          <p:cNvPr id="3" name="Notes Placeholder 2"/>
+          <p:cNvSpPr>
+            <a:spLocks noGrp="1"/>
+          </p:cNvSpPr>
+          <p:nvPr>
+            <p:ph type="body" idx="1"/>
+          </p:nvPr>
+        </p:nvSpPr>
+        <p:spPr/>
+        <p:txBody>
+          <a:bodyPr/>
+          <a:lstStyle/>
+          <a:p>
+            <a:pPr lvl="0" marL="0" indent="0">
+              <a:buNone/>
+            </a:pPr>
+            <a:r>
+              <a:rPr/>
+              <a:t>One</a:t>
+            </a:r>
+            <a:r>
+              <a:rPr/>
+              <a:t> </a:t>
+            </a:r>
+            <a:r>
+              <a:rPr/>
+              <a:t>more</a:t>
+            </a:r>
+            <a:r>
+              <a:rPr/>
+              <a:t> </a:t>
+            </a:r>
+            <a:r>
+              <a:rPr/>
+              <a:t>thing</a:t>
+            </a:r>
+            <a:r>
+              <a:rPr/>
+              <a:t> </a:t>
+            </a:r>
+            <a:r>
+              <a:rPr/>
+              <a:t>for</a:t>
+            </a:r>
+            <a:r>
+              <a:rPr/>
+              <a:t> </a:t>
+            </a:r>
+            <a:r>
+              <a:rPr/>
+              <a:t>you</a:t>
+            </a:r>
+            <a:r>
+              <a:rPr/>
+              <a:t> </a:t>
+            </a:r>
+            <a:r>
+              <a:rPr/>
+              <a:t>to</a:t>
+            </a:r>
+            <a:r>
+              <a:rPr/>
+              <a:t> </a:t>
+            </a:r>
+            <a:r>
+              <a:rPr/>
+              <a:t>do.</a:t>
+            </a:r>
+          </a:p>
+        </p:txBody>
+      </p:sp>
+      <p:sp>
+        <p:nvSpPr>
+          <p:cNvPr id="4" name="Slide Number Placeholder 3"/>
+          <p:cNvSpPr>
+            <a:spLocks noGrp="1"/>
+          </p:cNvSpPr>
+          <p:nvPr>
+            <p:ph type="sldNum" sz="quarter" idx="10"/>
+          </p:nvPr>
+        </p:nvSpPr>
+        <p:spPr/>
+        <p:txBody>
+          <a:bodyPr/>
+          <a:lstStyle/>
+          <a:p>
+            <a:fld id="{18BDFEC3-8487-43E8-A154-7C12CBC1FFF2}" type="slidenum">
+              <a:rPr lang="en-US"/>
+              <a:t>23</a:t>
             </a:fld>
             <a:endParaRPr lang="en-US"/>
           </a:p>
@@ -13411,6 +16450,14 @@
               <a:rPr/>
               <a:t>keyword</a:t>
             </a:r>
+            <a:r>
+              <a:rPr/>
+              <a:t> </a:t>
+            </a:r>
+            <a:r>
+              <a:rPr/>
+              <a:t>(1/4)</a:t>
+            </a:r>
           </a:p>
         </p:txBody>
       </p:sp>
@@ -13443,10 +16490,11 @@
               <a:rPr sz="1800">
                 <a:latin typeface="Courier"/>
               </a:rPr>
-              <a:t>select Age, count(Age) as n
+              <a:t>select PClass, min(Age) as youngest_female
   from titanic_table
-  group by Age
-  having n &gt;= 30</a:t>
+  where Sex='female'
+  group by PClass
+  having youngest_female &lt; 1</a:t>
             </a:r>
           </a:p>
           <a:p>
@@ -13464,11 +16512,8 @@
               <a:rPr sz="1800">
                 <a:latin typeface="Courier"/>
               </a:rPr>
-              <a:t>  Age  n
-1  18 30
-2  21 31
-3  22 35
-4  30 31</a:t>
+              <a:t>  PClass youngest_female
+1    3rd            0.17</a:t>
             </a:r>
           </a:p>
         </p:txBody>
@@ -13539,7 +16584,7 @@
             </a:r>
             <a:r>
               <a:rPr/>
-              <a:t>(2/2)</a:t>
+              <a:t>(2/4)</a:t>
             </a:r>
           </a:p>
         </p:txBody>
@@ -13573,11 +16618,11 @@
               <a:rPr sz="1800">
                 <a:latin typeface="Courier"/>
               </a:rPr>
-              <a:t>select PClass, min(Age) as youngest_female
+              <a:t>select Age, count(Age) as n
   from titanic_table
-  where Sex='female'
-  group by PClass
-  having youngest_female &lt; 1</a:t>
+  group by Age
+  having n &gt;= 30
+  order by n desc</a:t>
             </a:r>
           </a:p>
           <a:p>
@@ -13595,8 +16640,138 @@
               <a:rPr sz="1800">
                 <a:latin typeface="Courier"/>
               </a:rPr>
-              <a:t>  PClass youngest_female
-1    3rd            0.17</a:t>
+              <a:t>  Age  n
+1  22 35
+2  21 31
+3  30 31
+4  18 30</a:t>
+            </a:r>
+          </a:p>
+        </p:txBody>
+      </p:sp>
+    </p:spTree>
+  </p:cSld>
+</p:sld>
+</file>
+
+<file path=ppt/slides/slide19.xml><?xml version="1.0" encoding="utf-8"?>
+<p:sld xmlns:a="http://schemas.openxmlformats.org/drawingml/2006/main" xmlns:r="http://schemas.openxmlformats.org/officeDocument/2006/relationships" xmlns:p="http://schemas.openxmlformats.org/presentationml/2006/main">
+  <p:cSld>
+    <p:spTree>
+      <p:nvGrpSpPr>
+        <p:cNvPr id="1" name=""/>
+        <p:cNvGrpSpPr/>
+        <p:nvPr/>
+      </p:nvGrpSpPr>
+      <p:grpSpPr>
+        <a:xfrm>
+          <a:off x="0" y="0"/>
+          <a:ext cx="0" cy="0"/>
+          <a:chOff x="0" y="0"/>
+          <a:chExt cx="0" cy="0"/>
+        </a:xfrm>
+      </p:grpSpPr>
+      <p:sp>
+        <p:nvSpPr>
+          <p:cNvPr id="2" name="Title 1"/>
+          <p:cNvSpPr>
+            <a:spLocks noGrp="1"/>
+          </p:cNvSpPr>
+          <p:nvPr>
+            <p:ph type="title"/>
+          </p:nvPr>
+        </p:nvSpPr>
+        <p:spPr/>
+        <p:txBody>
+          <a:bodyPr/>
+          <a:lstStyle/>
+          <a:p>
+            <a:pPr lvl="0" marL="0" indent="0">
+              <a:buNone/>
+            </a:pPr>
+            <a:r>
+              <a:rPr/>
+              <a:t>The</a:t>
+            </a:r>
+            <a:r>
+              <a:rPr/>
+              <a:t> </a:t>
+            </a:r>
+            <a:r>
+              <a:rPr/>
+              <a:t>having</a:t>
+            </a:r>
+            <a:r>
+              <a:rPr/>
+              <a:t> </a:t>
+            </a:r>
+            <a:r>
+              <a:rPr/>
+              <a:t>keyword</a:t>
+            </a:r>
+            <a:r>
+              <a:rPr/>
+              <a:t> </a:t>
+            </a:r>
+            <a:r>
+              <a:rPr/>
+              <a:t>(3/4)</a:t>
+            </a:r>
+          </a:p>
+        </p:txBody>
+      </p:sp>
+      <p:sp>
+        <p:nvSpPr>
+          <p:cNvPr id="3" name="Content Placeholder 2"/>
+          <p:cNvSpPr>
+            <a:spLocks noGrp="1"/>
+          </p:cNvSpPr>
+          <p:nvPr>
+            <p:ph idx="1"/>
+          </p:nvPr>
+        </p:nvSpPr>
+        <p:spPr/>
+        <p:txBody>
+          <a:bodyPr/>
+          <a:lstStyle/>
+          <a:p>
+            <a:pPr lvl="1"/>
+            <a:r>
+              <a:rPr/>
+              <a:t>SQL code</a:t>
+            </a:r>
+          </a:p>
+          <a:p>
+            <a:pPr lvl="0" marL="1270000" indent="0">
+              <a:buNone/>
+            </a:pPr>
+            <a:r>
+              <a:rPr sz="1800">
+                <a:latin typeface="Courier"/>
+              </a:rPr>
+              <a:t>select Age, count(Age) as n
+  from titanic_table
+  group by Age
+  having Age is null</a:t>
+            </a:r>
+          </a:p>
+          <a:p>
+            <a:pPr lvl="1"/>
+            <a:r>
+              <a:rPr/>
+              <a:t>SQL output</a:t>
+            </a:r>
+          </a:p>
+          <a:p>
+            <a:pPr lvl="0" marL="1270000" indent="0">
+              <a:buNone/>
+            </a:pPr>
+            <a:r>
+              <a:rPr sz="1800">
+                <a:latin typeface="Courier"/>
+              </a:rPr>
+              <a:t>  Age n
+1  NA 0</a:t>
             </a:r>
           </a:p>
         </p:txBody>
@@ -13710,14 +16885,456 @@
             <a:pPr lvl="2"/>
             <a:r>
               <a:rPr/>
+              <a:t>stddev, stdev, stdevp, stdev_samp</a:t>
+            </a:r>
+          </a:p>
+          <a:p>
+            <a:pPr lvl="2"/>
+            <a:r>
+              <a:rPr/>
               <a:t>Not available in SQLite</a:t>
             </a:r>
           </a:p>
+        </p:txBody>
+      </p:sp>
+    </p:spTree>
+  </p:cSld>
+</p:sld>
+</file>
+
+<file path=ppt/slides/slide20.xml><?xml version="1.0" encoding="utf-8"?>
+<p:sld xmlns:a="http://schemas.openxmlformats.org/drawingml/2006/main" xmlns:r="http://schemas.openxmlformats.org/officeDocument/2006/relationships" xmlns:p="http://schemas.openxmlformats.org/presentationml/2006/main">
+  <p:cSld>
+    <p:spTree>
+      <p:nvGrpSpPr>
+        <p:cNvPr id="1" name=""/>
+        <p:cNvGrpSpPr/>
+        <p:nvPr/>
+      </p:nvGrpSpPr>
+      <p:grpSpPr>
+        <a:xfrm>
+          <a:off x="0" y="0"/>
+          <a:ext cx="0" cy="0"/>
+          <a:chOff x="0" y="0"/>
+          <a:chExt cx="0" cy="0"/>
+        </a:xfrm>
+      </p:grpSpPr>
+      <p:sp>
+        <p:nvSpPr>
+          <p:cNvPr id="2" name="Title 1"/>
+          <p:cNvSpPr>
+            <a:spLocks noGrp="1"/>
+          </p:cNvSpPr>
+          <p:nvPr>
+            <p:ph type="title"/>
+          </p:nvPr>
+        </p:nvSpPr>
+        <p:spPr/>
+        <p:txBody>
+          <a:bodyPr/>
+          <a:lstStyle/>
+          <a:p>
+            <a:pPr lvl="0" marL="0" indent="0">
+              <a:buNone/>
+            </a:pPr>
+            <a:r>
+              <a:rPr/>
+              <a:t>The</a:t>
+            </a:r>
+            <a:r>
+              <a:rPr/>
+              <a:t> </a:t>
+            </a:r>
+            <a:r>
+              <a:rPr/>
+              <a:t>having</a:t>
+            </a:r>
+            <a:r>
+              <a:rPr/>
+              <a:t> </a:t>
+            </a:r>
+            <a:r>
+              <a:rPr/>
+              <a:t>keyword</a:t>
+            </a:r>
+            <a:r>
+              <a:rPr/>
+              <a:t> </a:t>
+            </a:r>
+            <a:r>
+              <a:rPr/>
+              <a:t>(4/4)</a:t>
+            </a:r>
+          </a:p>
+        </p:txBody>
+      </p:sp>
+      <p:sp>
+        <p:nvSpPr>
+          <p:cNvPr id="3" name="Content Placeholder 2"/>
+          <p:cNvSpPr>
+            <a:spLocks noGrp="1"/>
+          </p:cNvSpPr>
+          <p:nvPr>
+            <p:ph idx="1"/>
+          </p:nvPr>
+        </p:nvSpPr>
+        <p:spPr/>
+        <p:txBody>
+          <a:bodyPr/>
+          <a:lstStyle/>
+          <a:p>
+            <a:pPr lvl="1"/>
+            <a:r>
+              <a:rPr/>
+              <a:t>SQL code</a:t>
+            </a:r>
+          </a:p>
+          <a:p>
+            <a:pPr lvl="0" marL="1270000" indent="0">
+              <a:buNone/>
+            </a:pPr>
+            <a:r>
+              <a:rPr sz="1800">
+                <a:latin typeface="Courier"/>
+              </a:rPr>
+              <a:t>select Age, count(*) as n
+  from titanic_table
+  group by Age
+  having n &gt;= 30
+  order by n desc</a:t>
+            </a:r>
+          </a:p>
+          <a:p>
+            <a:pPr lvl="1"/>
+            <a:r>
+              <a:rPr/>
+              <a:t>SQL output</a:t>
+            </a:r>
+          </a:p>
+          <a:p>
+            <a:pPr lvl="0" marL="1270000" indent="0">
+              <a:buNone/>
+            </a:pPr>
+            <a:r>
+              <a:rPr sz="1800">
+                <a:latin typeface="Courier"/>
+              </a:rPr>
+              <a:t>  Age   n
+1  NA 557
+2  22  35
+3  21  31
+4  30  31
+5  18  30</a:t>
+            </a:r>
+          </a:p>
+        </p:txBody>
+      </p:sp>
+    </p:spTree>
+  </p:cSld>
+</p:sld>
+</file>
+
+<file path=ppt/slides/slide21.xml><?xml version="1.0" encoding="utf-8"?>
+<p:sld xmlns:a="http://schemas.openxmlformats.org/drawingml/2006/main" xmlns:r="http://schemas.openxmlformats.org/officeDocument/2006/relationships" xmlns:p="http://schemas.openxmlformats.org/presentationml/2006/main">
+  <p:cSld>
+    <p:spTree>
+      <p:nvGrpSpPr>
+        <p:cNvPr id="1" name=""/>
+        <p:cNvGrpSpPr/>
+        <p:nvPr/>
+      </p:nvGrpSpPr>
+      <p:grpSpPr>
+        <a:xfrm>
+          <a:off x="0" y="0"/>
+          <a:ext cx="0" cy="0"/>
+          <a:chOff x="0" y="0"/>
+          <a:chExt cx="0" cy="0"/>
+        </a:xfrm>
+      </p:grpSpPr>
+      <p:sp>
+        <p:nvSpPr>
+          <p:cNvPr id="2" name="Title 1"/>
+          <p:cNvSpPr>
+            <a:spLocks noGrp="1"/>
+          </p:cNvSpPr>
+          <p:nvPr>
+            <p:ph type="title"/>
+          </p:nvPr>
+        </p:nvSpPr>
+        <p:spPr/>
+        <p:txBody>
+          <a:bodyPr/>
+          <a:lstStyle/>
+          <a:p>
+            <a:pPr lvl="0" marL="0" indent="0">
+              <a:buNone/>
+            </a:pPr>
+            <a:r>
+              <a:rPr/>
+              <a:t>Summary</a:t>
+            </a:r>
+          </a:p>
+        </p:txBody>
+      </p:sp>
+      <p:sp>
+        <p:nvSpPr>
+          <p:cNvPr id="3" name="Content Placeholder 2"/>
+          <p:cNvSpPr>
+            <a:spLocks noGrp="1"/>
+          </p:cNvSpPr>
+          <p:nvPr>
+            <p:ph idx="1"/>
+          </p:nvPr>
+        </p:nvSpPr>
+        <p:spPr/>
+        <p:txBody>
+          <a:bodyPr/>
+          <a:lstStyle/>
+          <a:p>
+            <a:pPr lvl="1"/>
+            <a:r>
+              <a:rPr/>
+              <a:t>Statistical functions</a:t>
+            </a:r>
+          </a:p>
           <a:p>
             <a:pPr lvl="2"/>
             <a:r>
               <a:rPr/>
-              <a:t>stddev, stdev, stdevp, stdev_samp</a:t>
+              <a:t>count, min, max, avg, sum</a:t>
+            </a:r>
+          </a:p>
+          <a:p>
+            <a:pPr lvl="1"/>
+            <a:r>
+              <a:rPr/>
+              <a:t>group by summarizes for each category</a:t>
+            </a:r>
+          </a:p>
+          <a:p>
+            <a:pPr lvl="1"/>
+            <a:r>
+              <a:rPr/>
+              <a:t>The having keyword filters your data after the summarization</a:t>
+            </a:r>
+          </a:p>
+          <a:p>
+            <a:pPr lvl="1"/>
+            <a:r>
+              <a:rPr/>
+              <a:t>The count and other statistical functions ignore null values</a:t>
+            </a:r>
+          </a:p>
+        </p:txBody>
+      </p:sp>
+    </p:spTree>
+  </p:cSld>
+</p:sld>
+</file>
+
+<file path=ppt/slides/slide22.xml><?xml version="1.0" encoding="utf-8"?>
+<p:sld xmlns:a="http://schemas.openxmlformats.org/drawingml/2006/main" xmlns:r="http://schemas.openxmlformats.org/officeDocument/2006/relationships" xmlns:p="http://schemas.openxmlformats.org/presentationml/2006/main">
+  <p:cSld>
+    <p:spTree>
+      <p:nvGrpSpPr>
+        <p:cNvPr id="1" name=""/>
+        <p:cNvGrpSpPr/>
+        <p:nvPr/>
+      </p:nvGrpSpPr>
+      <p:grpSpPr>
+        <a:xfrm>
+          <a:off x="0" y="0"/>
+          <a:ext cx="0" cy="0"/>
+          <a:chOff x="0" y="0"/>
+          <a:chExt cx="0" cy="0"/>
+        </a:xfrm>
+      </p:grpSpPr>
+      <p:sp>
+        <p:nvSpPr>
+          <p:cNvPr id="2" name="Title 1"/>
+          <p:cNvSpPr>
+            <a:spLocks noGrp="1"/>
+          </p:cNvSpPr>
+          <p:nvPr>
+            <p:ph type="title"/>
+          </p:nvPr>
+        </p:nvSpPr>
+        <p:spPr/>
+        <p:txBody>
+          <a:bodyPr/>
+          <a:lstStyle/>
+          <a:p>
+            <a:pPr lvl="0" marL="0" indent="0">
+              <a:buNone/>
+            </a:pPr>
+            <a:r>
+              <a:rPr/>
+              <a:t>Homework</a:t>
+            </a:r>
+            <a:r>
+              <a:rPr/>
+              <a:t> </a:t>
+            </a:r>
+            <a:r>
+              <a:rPr/>
+              <a:t>(1/2)</a:t>
+            </a:r>
+          </a:p>
+        </p:txBody>
+      </p:sp>
+      <p:sp>
+        <p:nvSpPr>
+          <p:cNvPr id="3" name="Content Placeholder 2"/>
+          <p:cNvSpPr>
+            <a:spLocks noGrp="1"/>
+          </p:cNvSpPr>
+          <p:nvPr>
+            <p:ph idx="1"/>
+          </p:nvPr>
+        </p:nvSpPr>
+        <p:spPr/>
+        <p:txBody>
+          <a:bodyPr/>
+          <a:lstStyle/>
+          <a:p>
+            <a:pPr lvl="1"/>
+            <a:r>
+              <a:rPr/>
+              <a:t>For your homework, use the titanic database.</a:t>
+            </a:r>
+          </a:p>
+          <a:p>
+            <a:pPr lvl="2"/>
+            <a:r>
+              <a:rPr/>
+              <a:t>This is available in Oracle using schema=‘simons’.</a:t>
+            </a:r>
+          </a:p>
+          <a:p>
+            <a:pPr lvl="2"/>
+            <a:r>
+              <a:rPr/>
+              <a:t>In SQLite, it is a standalone file named titanic_db.sqlite.</a:t>
+            </a:r>
+          </a:p>
+          <a:p>
+            <a:pPr lvl="1"/>
+            <a:r>
+              <a:rPr/>
+              <a:t>count the number of passengers with the title “Mr” somewhere in their name.</a:t>
+            </a:r>
+          </a:p>
+          <a:p>
+            <a:pPr lvl="1"/>
+            <a:r>
+              <a:rPr/>
+              <a:t>Run a query that counts the number of male and female children (Age &lt;= 18)</a:t>
+            </a:r>
+          </a:p>
+          <a:p>
+            <a:pPr lvl="1"/>
+            <a:r>
+              <a:rPr/>
+              <a:t>Run a query that identifies the ages of the youngest and oldest patients in each passenger class.</a:t>
+            </a:r>
+          </a:p>
+        </p:txBody>
+      </p:sp>
+    </p:spTree>
+  </p:cSld>
+</p:sld>
+</file>
+
+<file path=ppt/slides/slide23.xml><?xml version="1.0" encoding="utf-8"?>
+<p:sld xmlns:a="http://schemas.openxmlformats.org/drawingml/2006/main" xmlns:r="http://schemas.openxmlformats.org/officeDocument/2006/relationships" xmlns:p="http://schemas.openxmlformats.org/presentationml/2006/main">
+  <p:cSld>
+    <p:spTree>
+      <p:nvGrpSpPr>
+        <p:cNvPr id="1" name=""/>
+        <p:cNvGrpSpPr/>
+        <p:nvPr/>
+      </p:nvGrpSpPr>
+      <p:grpSpPr>
+        <a:xfrm>
+          <a:off x="0" y="0"/>
+          <a:ext cx="0" cy="0"/>
+          <a:chOff x="0" y="0"/>
+          <a:chExt cx="0" cy="0"/>
+        </a:xfrm>
+      </p:grpSpPr>
+      <p:sp>
+        <p:nvSpPr>
+          <p:cNvPr id="2" name="Title 1"/>
+          <p:cNvSpPr>
+            <a:spLocks noGrp="1"/>
+          </p:cNvSpPr>
+          <p:nvPr>
+            <p:ph type="title"/>
+          </p:nvPr>
+        </p:nvSpPr>
+        <p:spPr/>
+        <p:txBody>
+          <a:bodyPr/>
+          <a:lstStyle/>
+          <a:p>
+            <a:pPr lvl="0" marL="0" indent="0">
+              <a:buNone/>
+            </a:pPr>
+            <a:r>
+              <a:rPr/>
+              <a:t>Homework</a:t>
+            </a:r>
+            <a:r>
+              <a:rPr/>
+              <a:t> </a:t>
+            </a:r>
+            <a:r>
+              <a:rPr/>
+              <a:t>(2/2)</a:t>
+            </a:r>
+          </a:p>
+        </p:txBody>
+      </p:sp>
+      <p:sp>
+        <p:nvSpPr>
+          <p:cNvPr id="3" name="Content Placeholder 2"/>
+          <p:cNvSpPr>
+            <a:spLocks noGrp="1"/>
+          </p:cNvSpPr>
+          <p:nvPr>
+            <p:ph idx="1"/>
+          </p:nvPr>
+        </p:nvSpPr>
+        <p:spPr/>
+        <p:txBody>
+          <a:bodyPr/>
+          <a:lstStyle/>
+          <a:p>
+            <a:pPr lvl="1"/>
+            <a:r>
+              <a:rPr/>
+              <a:t>The Survived field has values of 0 (died) and 1 (alive) and an average of this value provides a probability of survival.</a:t>
+            </a:r>
+          </a:p>
+          <a:p>
+            <a:pPr lvl="2"/>
+            <a:r>
+              <a:rPr/>
+              <a:t>Calculate this probability for six categories representing the combination of passenger class and sex.</a:t>
+            </a:r>
+          </a:p>
+          <a:p>
+            <a:pPr lvl="2"/>
+            <a:r>
+              <a:rPr/>
+              <a:t>Include only those groups where the survival probability is greater than 30%.</a:t>
+            </a:r>
+          </a:p>
+          <a:p>
+            <a:pPr lvl="1"/>
+            <a:r>
+              <a:rPr/>
+              <a:t>Place the SQL code and the results of all your queries in a single PDF file.</a:t>
             </a:r>
           </a:p>
         </p:txBody>
@@ -14158,7 +17775,7 @@
             </a:pPr>
             <a:r>
               <a:rPr/>
-              <a:t>computing</a:t>
+              <a:t>Computing</a:t>
             </a:r>
             <a:r>
               <a:rPr/>
